--- a/docs/prez/expo poster.pptx
+++ b/docs/prez/expo poster.pptx
@@ -184,7 +184,7 @@
               <a:rPr lang="ru-RU" smtClean="0">
                 <a:latin typeface="Archivo Regular" charset="0"/>
               </a:rPr>
-              <a:t>20.04.2019</a:t>
+              <a:t>22.04.2019</a:t>
             </a:fld>
             <a:endParaRPr lang="ru-RU" dirty="0">
               <a:latin typeface="Archivo Regular" charset="0"/>
@@ -396,7 +396,7 @@
             <a:fld id="{E7E03F2D-4C40-8A47-B131-FA84CE0A3C0A}" type="datetimeFigureOut">
               <a:rPr lang="ru-RU" smtClean="0"/>
               <a:pPr/>
-              <a:t>20.04.2019</a:t>
+              <a:t>22.04.2019</a:t>
             </a:fld>
             <a:endParaRPr lang="ru-RU" dirty="0"/>
           </a:p>
@@ -3112,7 +3112,7 @@
         </p:nvSpPr>
         <p:spPr>
           <a:xfrm>
-            <a:off x="-11969559" y="617326"/>
+            <a:off x="26776827" y="4541923"/>
             <a:ext cx="10399432" cy="15419606"/>
           </a:xfrm>
         </p:spPr>
@@ -3608,8 +3608,8 @@
         </p:nvSpPr>
         <p:spPr>
           <a:xfrm>
-            <a:off x="762000" y="4285396"/>
-            <a:ext cx="12214667" cy="5005729"/>
+            <a:off x="762001" y="4285396"/>
+            <a:ext cx="12214666" cy="5005729"/>
           </a:xfrm>
           <a:prstGeom prst="rect">
             <a:avLst/>
@@ -3840,8 +3840,8 @@
         </p:blipFill>
         <p:spPr>
           <a:xfrm>
-            <a:off x="13644983" y="17899009"/>
-            <a:ext cx="9286034" cy="4028635"/>
+            <a:off x="13619582" y="15443427"/>
+            <a:ext cx="12138178" cy="5266004"/>
           </a:xfrm>
           <a:prstGeom prst="rect">
             <a:avLst/>
@@ -3870,236 +3870,14 @@
         </p:blipFill>
         <p:spPr>
           <a:xfrm>
-            <a:off x="13619582" y="22666353"/>
-            <a:ext cx="9286035" cy="4300098"/>
+            <a:off x="13619582" y="8780931"/>
+            <a:ext cx="12138178" cy="5620844"/>
           </a:xfrm>
           <a:prstGeom prst="rect">
             <a:avLst/>
           </a:prstGeom>
         </p:spPr>
       </p:pic>
-      <p:sp>
-        <p:nvSpPr>
-          <p:cNvPr id="13" name="Text Placeholder 1">
-            <a:extLst>
-              <a:ext uri="{FF2B5EF4-FFF2-40B4-BE49-F238E27FC236}">
-                <a16:creationId xmlns:a16="http://schemas.microsoft.com/office/drawing/2014/main" id="{3053DAD5-A325-4867-B440-CE36E1D6ABFF}"/>
-              </a:ext>
-            </a:extLst>
-          </p:cNvPr>
-          <p:cNvSpPr txBox="1">
-            <a:spLocks/>
-          </p:cNvSpPr>
-          <p:nvPr/>
-        </p:nvSpPr>
-        <p:spPr>
-          <a:xfrm>
-            <a:off x="-8670014" y="17297242"/>
-            <a:ext cx="8335107" cy="830997"/>
-          </a:xfrm>
-          <a:prstGeom prst="rect">
-            <a:avLst/>
-          </a:prstGeom>
-        </p:spPr>
-        <p:txBody>
-          <a:bodyPr vert="horz" wrap="square" lIns="0" tIns="0" rIns="0" bIns="0" rtlCol="0">
-            <a:spAutoFit/>
-          </a:bodyPr>
-          <a:lstStyle>
-            <a:lvl1pPr marL="0" indent="0" algn="l" defTabSz="2438361" rtl="0" eaLnBrk="1" latinLnBrk="0" hangingPunct="1">
-              <a:lnSpc>
-                <a:spcPct val="100000"/>
-              </a:lnSpc>
-              <a:spcBef>
-                <a:spcPts val="0"/>
-              </a:spcBef>
-              <a:spcAft>
-                <a:spcPts val="2500"/>
-              </a:spcAft>
-              <a:buClr>
-                <a:schemeClr val="accent3"/>
-              </a:buClr>
-              <a:buSzPct val="120000"/>
-              <a:buFont typeface="Wingdings" charset="2"/>
-              <a:buNone/>
-              <a:defRPr sz="5400" b="1" i="0" kern="1200" cap="all" baseline="0">
-                <a:solidFill>
-                  <a:schemeClr val="tx1"/>
-                </a:solidFill>
-                <a:latin typeface="Franklin Gothic Book" panose="020B0503020102020204" pitchFamily="34" charset="0"/>
-                <a:ea typeface="Franklin Gothic Book" panose="020B0503020102020204" pitchFamily="34" charset="0"/>
-                <a:cs typeface="Franklin Gothic Book" panose="020B0503020102020204" pitchFamily="34" charset="0"/>
-              </a:defRPr>
-            </a:lvl1pPr>
-            <a:lvl2pPr marL="914362" indent="-571477" algn="l" defTabSz="2438361" rtl="0" eaLnBrk="1" latinLnBrk="0" hangingPunct="1">
-              <a:lnSpc>
-                <a:spcPts val="5300"/>
-              </a:lnSpc>
-              <a:spcBef>
-                <a:spcPts val="0"/>
-              </a:spcBef>
-              <a:spcAft>
-                <a:spcPts val="2500"/>
-              </a:spcAft>
-              <a:buClr>
-                <a:schemeClr val="accent3"/>
-              </a:buClr>
-              <a:buSzPct val="120000"/>
-              <a:buFont typeface="Wingdings" charset="2"/>
-              <a:buChar char="§"/>
-              <a:defRPr sz="3300" b="0" i="0" kern="1200">
-                <a:solidFill>
-                  <a:schemeClr val="tx1"/>
-                </a:solidFill>
-                <a:latin typeface="Franklin Gothic Book" panose="020B0503020102020204" pitchFamily="34" charset="0"/>
-                <a:ea typeface="Franklin Gothic Book" panose="020B0503020102020204" pitchFamily="34" charset="0"/>
-                <a:cs typeface="Franklin Gothic Book" panose="020B0503020102020204" pitchFamily="34" charset="0"/>
-              </a:defRPr>
-            </a:lvl2pPr>
-            <a:lvl3pPr marL="1462978" indent="-571477" algn="l" defTabSz="2438361" rtl="0" eaLnBrk="1" latinLnBrk="0" hangingPunct="1">
-              <a:lnSpc>
-                <a:spcPts val="5300"/>
-              </a:lnSpc>
-              <a:spcBef>
-                <a:spcPts val="0"/>
-              </a:spcBef>
-              <a:spcAft>
-                <a:spcPts val="2500"/>
-              </a:spcAft>
-              <a:buClr>
-                <a:schemeClr val="accent3"/>
-              </a:buClr>
-              <a:buSzPct val="120000"/>
-              <a:buFont typeface="Wingdings" charset="2"/>
-              <a:buChar char="§"/>
-              <a:defRPr sz="3300" b="0" i="0" kern="1200">
-                <a:solidFill>
-                  <a:schemeClr val="tx1"/>
-                </a:solidFill>
-                <a:latin typeface="Franklin Gothic Book" panose="020B0503020102020204" pitchFamily="34" charset="0"/>
-                <a:ea typeface="Franklin Gothic Book" panose="020B0503020102020204" pitchFamily="34" charset="0"/>
-                <a:cs typeface="Franklin Gothic Book" panose="020B0503020102020204" pitchFamily="34" charset="0"/>
-              </a:defRPr>
-            </a:lvl3pPr>
-            <a:lvl4pPr marL="2103032" indent="-571477" algn="l" defTabSz="2438361" rtl="0" eaLnBrk="1" latinLnBrk="0" hangingPunct="1">
-              <a:lnSpc>
-                <a:spcPts val="5300"/>
-              </a:lnSpc>
-              <a:spcBef>
-                <a:spcPts val="0"/>
-              </a:spcBef>
-              <a:spcAft>
-                <a:spcPts val="2500"/>
-              </a:spcAft>
-              <a:buClr>
-                <a:schemeClr val="accent3"/>
-              </a:buClr>
-              <a:buSzPct val="120000"/>
-              <a:buFont typeface="Wingdings" charset="2"/>
-              <a:buChar char="§"/>
-              <a:defRPr sz="3300" b="0" i="0" kern="1200">
-                <a:solidFill>
-                  <a:schemeClr val="tx1"/>
-                </a:solidFill>
-                <a:latin typeface="Franklin Gothic Book" panose="020B0503020102020204" pitchFamily="34" charset="0"/>
-                <a:ea typeface="Franklin Gothic Book" panose="020B0503020102020204" pitchFamily="34" charset="0"/>
-                <a:cs typeface="Franklin Gothic Book" panose="020B0503020102020204" pitchFamily="34" charset="0"/>
-              </a:defRPr>
-            </a:lvl4pPr>
-            <a:lvl5pPr marL="2651650" indent="-571477" algn="l" defTabSz="2438361" rtl="0" eaLnBrk="1" latinLnBrk="0" hangingPunct="1">
-              <a:lnSpc>
-                <a:spcPts val="5300"/>
-              </a:lnSpc>
-              <a:spcBef>
-                <a:spcPts val="0"/>
-              </a:spcBef>
-              <a:spcAft>
-                <a:spcPts val="2500"/>
-              </a:spcAft>
-              <a:buClr>
-                <a:schemeClr val="accent3"/>
-              </a:buClr>
-              <a:buSzPct val="120000"/>
-              <a:buFont typeface="Wingdings" charset="2"/>
-              <a:buChar char="§"/>
-              <a:defRPr sz="3300" b="0" i="0" kern="1200">
-                <a:solidFill>
-                  <a:schemeClr val="tx1"/>
-                </a:solidFill>
-                <a:latin typeface="Franklin Gothic Book" panose="020B0503020102020204" pitchFamily="34" charset="0"/>
-                <a:ea typeface="Franklin Gothic Book" panose="020B0503020102020204" pitchFamily="34" charset="0"/>
-                <a:cs typeface="Franklin Gothic Book" panose="020B0503020102020204" pitchFamily="34" charset="0"/>
-              </a:defRPr>
-            </a:lvl5pPr>
-            <a:lvl6pPr marL="6705487" indent="-609589" algn="l" defTabSz="2438361" rtl="0" eaLnBrk="1" latinLnBrk="0" hangingPunct="1">
-              <a:spcBef>
-                <a:spcPct val="20000"/>
-              </a:spcBef>
-              <a:buFont typeface="Arial" panose="020B0604020202020204" pitchFamily="34" charset="0"/>
-              <a:buChar char="•"/>
-              <a:defRPr sz="5300" kern="1200">
-                <a:solidFill>
-                  <a:schemeClr val="tx1"/>
-                </a:solidFill>
-                <a:latin typeface="+mn-lt"/>
-                <a:ea typeface="+mn-ea"/>
-                <a:cs typeface="+mn-cs"/>
-              </a:defRPr>
-            </a:lvl6pPr>
-            <a:lvl7pPr marL="7924669" indent="-609589" algn="l" defTabSz="2438361" rtl="0" eaLnBrk="1" latinLnBrk="0" hangingPunct="1">
-              <a:spcBef>
-                <a:spcPct val="20000"/>
-              </a:spcBef>
-              <a:buFont typeface="Arial" panose="020B0604020202020204" pitchFamily="34" charset="0"/>
-              <a:buChar char="•"/>
-              <a:defRPr sz="5300" kern="1200">
-                <a:solidFill>
-                  <a:schemeClr val="tx1"/>
-                </a:solidFill>
-                <a:latin typeface="+mn-lt"/>
-                <a:ea typeface="+mn-ea"/>
-                <a:cs typeface="+mn-cs"/>
-              </a:defRPr>
-            </a:lvl7pPr>
-            <a:lvl8pPr marL="9143849" indent="-609589" algn="l" defTabSz="2438361" rtl="0" eaLnBrk="1" latinLnBrk="0" hangingPunct="1">
-              <a:spcBef>
-                <a:spcPct val="20000"/>
-              </a:spcBef>
-              <a:buFont typeface="Arial" panose="020B0604020202020204" pitchFamily="34" charset="0"/>
-              <a:buChar char="•"/>
-              <a:defRPr sz="5300" kern="1200">
-                <a:solidFill>
-                  <a:schemeClr val="tx1"/>
-                </a:solidFill>
-                <a:latin typeface="+mn-lt"/>
-                <a:ea typeface="+mn-ea"/>
-                <a:cs typeface="+mn-cs"/>
-              </a:defRPr>
-            </a:lvl8pPr>
-            <a:lvl9pPr marL="10363028" indent="-609589" algn="l" defTabSz="2438361" rtl="0" eaLnBrk="1" latinLnBrk="0" hangingPunct="1">
-              <a:spcBef>
-                <a:spcPct val="20000"/>
-              </a:spcBef>
-              <a:buFont typeface="Arial" panose="020B0604020202020204" pitchFamily="34" charset="0"/>
-              <a:buChar char="•"/>
-              <a:defRPr sz="5300" kern="1200">
-                <a:solidFill>
-                  <a:schemeClr val="tx1"/>
-                </a:solidFill>
-                <a:latin typeface="+mn-lt"/>
-                <a:ea typeface="+mn-ea"/>
-                <a:cs typeface="+mn-cs"/>
-              </a:defRPr>
-            </a:lvl9pPr>
-          </a:lstStyle>
-          <a:p>
-            <a:r>
-              <a:rPr lang="en-US" dirty="0"/>
-              <a:t>Assembly rendering</a:t>
-            </a:r>
-          </a:p>
-        </p:txBody>
-      </p:sp>
       <p:sp>
         <p:nvSpPr>
           <p:cNvPr id="16" name="Text Placeholder 1">
@@ -4116,7 +3894,7 @@
         </p:nvSpPr>
         <p:spPr>
           <a:xfrm>
-            <a:off x="-12067673" y="-830997"/>
+            <a:off x="26842001" y="3462865"/>
             <a:ext cx="9733999" cy="830997"/>
           </a:xfrm>
           <a:prstGeom prst="rect">
@@ -4546,10 +4324,10 @@
       </p:sp>
       <p:sp>
         <p:nvSpPr>
-          <p:cNvPr id="19" name="Text Placeholder 3">
+          <p:cNvPr id="22" name="Text Placeholder 1">
             <a:extLst>
               <a:ext uri="{FF2B5EF4-FFF2-40B4-BE49-F238E27FC236}">
-                <a16:creationId xmlns:a16="http://schemas.microsoft.com/office/drawing/2014/main" id="{A36438BB-91E3-44A1-9E11-D3BF97F5E162}"/>
+                <a16:creationId xmlns:a16="http://schemas.microsoft.com/office/drawing/2014/main" id="{E7ADEA24-FDD5-4489-B928-71F70306F82E}"/>
               </a:ext>
             </a:extLst>
           </p:cNvPr>
@@ -4560,300 +4338,8 @@
         </p:nvSpPr>
         <p:spPr>
           <a:xfrm>
-            <a:off x="-9951184" y="19011351"/>
-            <a:ext cx="9415423" cy="11610101"/>
-          </a:xfrm>
-          <a:prstGeom prst="rect">
-            <a:avLst/>
-          </a:prstGeom>
-        </p:spPr>
-        <p:txBody>
-          <a:bodyPr vert="horz" wrap="square" lIns="0" tIns="0" rIns="0" bIns="0" rtlCol="0">
-            <a:spAutoFit/>
-          </a:bodyPr>
-          <a:lstStyle>
-            <a:lvl1pPr marL="457182" indent="-457182" algn="l" defTabSz="2438361" rtl="0" eaLnBrk="1" latinLnBrk="0" hangingPunct="1">
-              <a:lnSpc>
-                <a:spcPts val="5300"/>
-              </a:lnSpc>
-              <a:spcBef>
-                <a:spcPts val="0"/>
-              </a:spcBef>
-              <a:spcAft>
-                <a:spcPts val="2500"/>
-              </a:spcAft>
-              <a:buClr>
-                <a:schemeClr val="accent3"/>
-              </a:buClr>
-              <a:buSzPct val="120000"/>
-              <a:buFontTx/>
-              <a:buBlip>
-                <a:blip r:embed="rId4"/>
-              </a:buBlip>
-              <a:defRPr sz="3300" b="0" i="0" kern="1200">
-                <a:solidFill>
-                  <a:schemeClr val="tx1"/>
-                </a:solidFill>
-                <a:latin typeface="Franklin Gothic Book" panose="020B0503020102020204" pitchFamily="34" charset="0"/>
-                <a:ea typeface="Franklin Gothic Book" panose="020B0503020102020204" pitchFamily="34" charset="0"/>
-                <a:cs typeface="Franklin Gothic Book" panose="020B0503020102020204" pitchFamily="34" charset="0"/>
-              </a:defRPr>
-            </a:lvl1pPr>
-            <a:lvl2pPr marL="914362" indent="-571477" algn="l" defTabSz="2438361" rtl="0" eaLnBrk="1" latinLnBrk="0" hangingPunct="1">
-              <a:lnSpc>
-                <a:spcPts val="5300"/>
-              </a:lnSpc>
-              <a:spcBef>
-                <a:spcPts val="0"/>
-              </a:spcBef>
-              <a:spcAft>
-                <a:spcPts val="2500"/>
-              </a:spcAft>
-              <a:buClr>
-                <a:schemeClr val="accent3"/>
-              </a:buClr>
-              <a:buSzPct val="120000"/>
-              <a:buFont typeface="Wingdings" charset="2"/>
-              <a:buChar char="§"/>
-              <a:defRPr sz="3300" b="0" i="0" kern="1200">
-                <a:solidFill>
-                  <a:schemeClr val="tx1"/>
-                </a:solidFill>
-                <a:latin typeface="Franklin Gothic Book" panose="020B0503020102020204" pitchFamily="34" charset="0"/>
-                <a:ea typeface="Franklin Gothic Book" panose="020B0503020102020204" pitchFamily="34" charset="0"/>
-                <a:cs typeface="Franklin Gothic Book" panose="020B0503020102020204" pitchFamily="34" charset="0"/>
-              </a:defRPr>
-            </a:lvl2pPr>
-            <a:lvl3pPr marL="1462978" indent="-571477" algn="l" defTabSz="2438361" rtl="0" eaLnBrk="1" latinLnBrk="0" hangingPunct="1">
-              <a:lnSpc>
-                <a:spcPts val="5300"/>
-              </a:lnSpc>
-              <a:spcBef>
-                <a:spcPts val="0"/>
-              </a:spcBef>
-              <a:spcAft>
-                <a:spcPts val="2500"/>
-              </a:spcAft>
-              <a:buClr>
-                <a:schemeClr val="accent3"/>
-              </a:buClr>
-              <a:buSzPct val="120000"/>
-              <a:buFont typeface="Wingdings" charset="2"/>
-              <a:buChar char="§"/>
-              <a:defRPr sz="3300" b="0" i="0" kern="1200">
-                <a:solidFill>
-                  <a:schemeClr val="tx1"/>
-                </a:solidFill>
-                <a:latin typeface="Franklin Gothic Book" panose="020B0503020102020204" pitchFamily="34" charset="0"/>
-                <a:ea typeface="Franklin Gothic Book" panose="020B0503020102020204" pitchFamily="34" charset="0"/>
-                <a:cs typeface="Franklin Gothic Book" panose="020B0503020102020204" pitchFamily="34" charset="0"/>
-              </a:defRPr>
-            </a:lvl3pPr>
-            <a:lvl4pPr marL="2103032" indent="-571477" algn="l" defTabSz="2438361" rtl="0" eaLnBrk="1" latinLnBrk="0" hangingPunct="1">
-              <a:lnSpc>
-                <a:spcPts val="5300"/>
-              </a:lnSpc>
-              <a:spcBef>
-                <a:spcPts val="0"/>
-              </a:spcBef>
-              <a:spcAft>
-                <a:spcPts val="2500"/>
-              </a:spcAft>
-              <a:buClr>
-                <a:schemeClr val="accent3"/>
-              </a:buClr>
-              <a:buSzPct val="120000"/>
-              <a:buFont typeface="Wingdings" charset="2"/>
-              <a:buChar char="§"/>
-              <a:defRPr sz="3300" b="0" i="0" kern="1200">
-                <a:solidFill>
-                  <a:schemeClr val="tx1"/>
-                </a:solidFill>
-                <a:latin typeface="Franklin Gothic Book" panose="020B0503020102020204" pitchFamily="34" charset="0"/>
-                <a:ea typeface="Franklin Gothic Book" panose="020B0503020102020204" pitchFamily="34" charset="0"/>
-                <a:cs typeface="Franklin Gothic Book" panose="020B0503020102020204" pitchFamily="34" charset="0"/>
-              </a:defRPr>
-            </a:lvl4pPr>
-            <a:lvl5pPr marL="2651650" indent="-571477" algn="l" defTabSz="2438361" rtl="0" eaLnBrk="1" latinLnBrk="0" hangingPunct="1">
-              <a:lnSpc>
-                <a:spcPts val="5300"/>
-              </a:lnSpc>
-              <a:spcBef>
-                <a:spcPts val="0"/>
-              </a:spcBef>
-              <a:spcAft>
-                <a:spcPts val="2500"/>
-              </a:spcAft>
-              <a:buClr>
-                <a:schemeClr val="accent3"/>
-              </a:buClr>
-              <a:buSzPct val="120000"/>
-              <a:buFont typeface="Wingdings" charset="2"/>
-              <a:buChar char="§"/>
-              <a:defRPr sz="3300" b="0" i="0" kern="1200">
-                <a:solidFill>
-                  <a:schemeClr val="tx1"/>
-                </a:solidFill>
-                <a:latin typeface="Franklin Gothic Book" panose="020B0503020102020204" pitchFamily="34" charset="0"/>
-                <a:ea typeface="Franklin Gothic Book" panose="020B0503020102020204" pitchFamily="34" charset="0"/>
-                <a:cs typeface="Franklin Gothic Book" panose="020B0503020102020204" pitchFamily="34" charset="0"/>
-              </a:defRPr>
-            </a:lvl5pPr>
-            <a:lvl6pPr marL="6705487" indent="-609589" algn="l" defTabSz="2438361" rtl="0" eaLnBrk="1" latinLnBrk="0" hangingPunct="1">
-              <a:spcBef>
-                <a:spcPct val="20000"/>
-              </a:spcBef>
-              <a:buFont typeface="Arial" panose="020B0604020202020204" pitchFamily="34" charset="0"/>
-              <a:buChar char="•"/>
-              <a:defRPr sz="5300" kern="1200">
-                <a:solidFill>
-                  <a:schemeClr val="tx1"/>
-                </a:solidFill>
-                <a:latin typeface="+mn-lt"/>
-                <a:ea typeface="+mn-ea"/>
-                <a:cs typeface="+mn-cs"/>
-              </a:defRPr>
-            </a:lvl6pPr>
-            <a:lvl7pPr marL="7924669" indent="-609589" algn="l" defTabSz="2438361" rtl="0" eaLnBrk="1" latinLnBrk="0" hangingPunct="1">
-              <a:spcBef>
-                <a:spcPct val="20000"/>
-              </a:spcBef>
-              <a:buFont typeface="Arial" panose="020B0604020202020204" pitchFamily="34" charset="0"/>
-              <a:buChar char="•"/>
-              <a:defRPr sz="5300" kern="1200">
-                <a:solidFill>
-                  <a:schemeClr val="tx1"/>
-                </a:solidFill>
-                <a:latin typeface="+mn-lt"/>
-                <a:ea typeface="+mn-ea"/>
-                <a:cs typeface="+mn-cs"/>
-              </a:defRPr>
-            </a:lvl7pPr>
-            <a:lvl8pPr marL="9143849" indent="-609589" algn="l" defTabSz="2438361" rtl="0" eaLnBrk="1" latinLnBrk="0" hangingPunct="1">
-              <a:spcBef>
-                <a:spcPct val="20000"/>
-              </a:spcBef>
-              <a:buFont typeface="Arial" panose="020B0604020202020204" pitchFamily="34" charset="0"/>
-              <a:buChar char="•"/>
-              <a:defRPr sz="5300" kern="1200">
-                <a:solidFill>
-                  <a:schemeClr val="tx1"/>
-                </a:solidFill>
-                <a:latin typeface="+mn-lt"/>
-                <a:ea typeface="+mn-ea"/>
-                <a:cs typeface="+mn-cs"/>
-              </a:defRPr>
-            </a:lvl8pPr>
-            <a:lvl9pPr marL="10363028" indent="-609589" algn="l" defTabSz="2438361" rtl="0" eaLnBrk="1" latinLnBrk="0" hangingPunct="1">
-              <a:spcBef>
-                <a:spcPct val="20000"/>
-              </a:spcBef>
-              <a:buFont typeface="Arial" panose="020B0604020202020204" pitchFamily="34" charset="0"/>
-              <a:buChar char="•"/>
-              <a:defRPr sz="5300" kern="1200">
-                <a:solidFill>
-                  <a:schemeClr val="tx1"/>
-                </a:solidFill>
-                <a:latin typeface="+mn-lt"/>
-                <a:ea typeface="+mn-ea"/>
-                <a:cs typeface="+mn-cs"/>
-              </a:defRPr>
-            </a:lvl9pPr>
-          </a:lstStyle>
-          <a:p>
-            <a:r>
-              <a:rPr lang="en-US" dirty="0"/>
-              <a:t>Reduced BOM cost from $600 -&gt; $150</a:t>
-            </a:r>
-          </a:p>
-          <a:p>
-            <a:r>
-              <a:rPr lang="en-US" dirty="0"/>
-              <a:t>Reduced assembly time from ~20hours to 1 hour</a:t>
-            </a:r>
-          </a:p>
-          <a:p>
-            <a:r>
-              <a:rPr lang="en-US" dirty="0"/>
-              <a:t>Improved battery life</a:t>
-            </a:r>
-          </a:p>
-          <a:p>
-            <a:r>
-              <a:rPr lang="en-US" dirty="0"/>
-              <a:t>Reduced weight</a:t>
-            </a:r>
-          </a:p>
-          <a:p>
-            <a:r>
-              <a:rPr lang="en-US" dirty="0"/>
-              <a:t>Improved data quality/resolution/accuracy</a:t>
-            </a:r>
-          </a:p>
-          <a:p>
-            <a:r>
-              <a:rPr lang="en-US" dirty="0"/>
-              <a:t>Added features</a:t>
-            </a:r>
-          </a:p>
-          <a:p>
-            <a:r>
-              <a:rPr lang="en-US" dirty="0"/>
-              <a:t>Self-calibration</a:t>
-            </a:r>
-          </a:p>
-          <a:p>
-            <a:r>
-              <a:rPr lang="en-US" dirty="0"/>
-              <a:t>Custom/simplified code base</a:t>
-            </a:r>
-          </a:p>
-          <a:p>
-            <a:r>
-              <a:rPr lang="en-US" dirty="0"/>
-              <a:t>Improved user ease-of-use/GUI</a:t>
-            </a:r>
-          </a:p>
-          <a:p>
-            <a:r>
-              <a:rPr lang="en-US" dirty="0"/>
-              <a:t>Improved device reliability/quality control</a:t>
-            </a:r>
-          </a:p>
-          <a:p>
-            <a:pPr lvl="1"/>
-            <a:r>
-              <a:rPr lang="en-US" dirty="0"/>
-              <a:t>Meets IECE 61400-4 ESD Standards</a:t>
-            </a:r>
-          </a:p>
-          <a:p>
-            <a:pPr lvl="1"/>
-            <a:r>
-              <a:rPr lang="en-US" dirty="0"/>
-              <a:t>Eliminated all mechanical user IO</a:t>
-            </a:r>
-          </a:p>
-        </p:txBody>
-      </p:sp>
-      <p:sp>
-        <p:nvSpPr>
-          <p:cNvPr id="15" name="Text Placeholder 1">
-            <a:extLst>
-              <a:ext uri="{FF2B5EF4-FFF2-40B4-BE49-F238E27FC236}">
-                <a16:creationId xmlns:a16="http://schemas.microsoft.com/office/drawing/2014/main" id="{56EAE43B-FA80-40FD-98C3-6AF2F6640823}"/>
-              </a:ext>
-            </a:extLst>
-          </p:cNvPr>
-          <p:cNvSpPr txBox="1">
-            <a:spLocks/>
-          </p:cNvSpPr>
-          <p:nvPr/>
-        </p:nvSpPr>
-        <p:spPr>
-          <a:xfrm>
-            <a:off x="27660600" y="29946600"/>
-            <a:ext cx="9733999" cy="830997"/>
+            <a:off x="10744200" y="1980149"/>
+            <a:ext cx="24545303" cy="738664"/>
           </a:xfrm>
           <a:prstGeom prst="rect">
             <a:avLst/>
@@ -5052,569 +4538,18 @@
           </a:lstStyle>
           <a:p>
             <a:r>
-              <a:rPr lang="en-US" dirty="0" err="1"/>
-              <a:t>aCKNOWLEDGEMENTS</a:t>
-            </a:r>
-            <a:endParaRPr lang="en-US" dirty="0"/>
+              <a:rPr lang="en-US" sz="4800" dirty="0"/>
+              <a:t>Designed by Ryan Donahue &amp; Kennedy Caisley, for Dr. Daniel Robertson</a:t>
+            </a:r>
           </a:p>
         </p:txBody>
       </p:sp>
-      <p:graphicFrame>
-        <p:nvGraphicFramePr>
-          <p:cNvPr id="2" name="Table 1">
+      <p:sp>
+        <p:nvSpPr>
+          <p:cNvPr id="24" name="Text Placeholder 1">
             <a:extLst>
               <a:ext uri="{FF2B5EF4-FFF2-40B4-BE49-F238E27FC236}">
-                <a16:creationId xmlns:a16="http://schemas.microsoft.com/office/drawing/2014/main" id="{49D13914-3C1B-4AF9-9FEE-6A4AA463EDB8}"/>
-              </a:ext>
-            </a:extLst>
-          </p:cNvPr>
-          <p:cNvGraphicFramePr>
-            <a:graphicFrameLocks noGrp="1"/>
-          </p:cNvGraphicFramePr>
-          <p:nvPr>
-            <p:extLst>
-              <p:ext uri="{D42A27DB-BD31-4B8C-83A1-F6EECF244321}">
-                <p14:modId xmlns:p14="http://schemas.microsoft.com/office/powerpoint/2010/main" val="2321948313"/>
-              </p:ext>
-            </p:extLst>
-          </p:nvPr>
-        </p:nvGraphicFramePr>
-        <p:xfrm>
-          <a:off x="621971" y="9441283"/>
-          <a:ext cx="12418596" cy="16542916"/>
-        </p:xfrm>
-        <a:graphic>
-          <a:graphicData uri="http://schemas.openxmlformats.org/drawingml/2006/table">
-            <a:tbl>
-              <a:tblPr firstRow="1" bandRow="1">
-                <a:tableStyleId>{5940675A-B579-460E-94D1-54222C63F5DA}</a:tableStyleId>
-              </a:tblPr>
-              <a:tblGrid>
-                <a:gridCol w="4139532">
-                  <a:extLst>
-                    <a:ext uri="{9D8B030D-6E8A-4147-A177-3AD203B41FA5}">
-                      <a16:colId xmlns:a16="http://schemas.microsoft.com/office/drawing/2014/main" val="420717125"/>
-                    </a:ext>
-                  </a:extLst>
-                </a:gridCol>
-                <a:gridCol w="4139532">
-                  <a:extLst>
-                    <a:ext uri="{9D8B030D-6E8A-4147-A177-3AD203B41FA5}">
-                      <a16:colId xmlns:a16="http://schemas.microsoft.com/office/drawing/2014/main" val="2195184345"/>
-                    </a:ext>
-                  </a:extLst>
-                </a:gridCol>
-                <a:gridCol w="4139532">
-                  <a:extLst>
-                    <a:ext uri="{9D8B030D-6E8A-4147-A177-3AD203B41FA5}">
-                      <a16:colId xmlns:a16="http://schemas.microsoft.com/office/drawing/2014/main" val="2881396502"/>
-                    </a:ext>
-                  </a:extLst>
-                </a:gridCol>
-              </a:tblGrid>
-              <a:tr h="1272532">
-                <a:tc>
-                  <a:txBody>
-                    <a:bodyPr/>
-                    <a:lstStyle/>
-                    <a:p>
-                      <a:pPr algn="ctr"/>
-                      <a:r>
-                        <a:rPr lang="en-US" b="1" dirty="0"/>
-                        <a:t>Specification</a:t>
-                      </a:r>
-                    </a:p>
-                  </a:txBody>
-                  <a:tcPr/>
-                </a:tc>
-                <a:tc>
-                  <a:txBody>
-                    <a:bodyPr/>
-                    <a:lstStyle/>
-                    <a:p>
-                      <a:pPr algn="ctr"/>
-                      <a:r>
-                        <a:rPr lang="en-US" b="1" dirty="0"/>
-                        <a:t>Past Design</a:t>
-                      </a:r>
-                    </a:p>
-                  </a:txBody>
-                  <a:tcPr/>
-                </a:tc>
-                <a:tc>
-                  <a:txBody>
-                    <a:bodyPr/>
-                    <a:lstStyle/>
-                    <a:p>
-                      <a:pPr algn="ctr"/>
-                      <a:r>
-                        <a:rPr lang="en-US" b="1" dirty="0"/>
-                        <a:t>Current Design</a:t>
-                      </a:r>
-                    </a:p>
-                  </a:txBody>
-                  <a:tcPr/>
-                </a:tc>
-                <a:extLst>
-                  <a:ext uri="{0D108BD9-81ED-4DB2-BD59-A6C34878D82A}">
-                    <a16:rowId xmlns:a16="http://schemas.microsoft.com/office/drawing/2014/main" val="3656075736"/>
-                  </a:ext>
-                </a:extLst>
-              </a:tr>
-              <a:tr h="1272532">
-                <a:tc>
-                  <a:txBody>
-                    <a:bodyPr/>
-                    <a:lstStyle/>
-                    <a:p>
-                      <a:endParaRPr lang="en-US" dirty="0"/>
-                    </a:p>
-                  </a:txBody>
-                  <a:tcPr/>
-                </a:tc>
-                <a:tc>
-                  <a:txBody>
-                    <a:bodyPr/>
-                    <a:lstStyle/>
-                    <a:p>
-                      <a:endParaRPr lang="en-US" dirty="0"/>
-                    </a:p>
-                  </a:txBody>
-                  <a:tcPr/>
-                </a:tc>
-                <a:tc>
-                  <a:txBody>
-                    <a:bodyPr/>
-                    <a:lstStyle/>
-                    <a:p>
-                      <a:endParaRPr lang="en-US" dirty="0"/>
-                    </a:p>
-                  </a:txBody>
-                  <a:tcPr/>
-                </a:tc>
-                <a:extLst>
-                  <a:ext uri="{0D108BD9-81ED-4DB2-BD59-A6C34878D82A}">
-                    <a16:rowId xmlns:a16="http://schemas.microsoft.com/office/drawing/2014/main" val="2383789201"/>
-                  </a:ext>
-                </a:extLst>
-              </a:tr>
-              <a:tr h="1272532">
-                <a:tc>
-                  <a:txBody>
-                    <a:bodyPr/>
-                    <a:lstStyle/>
-                    <a:p>
-                      <a:endParaRPr lang="en-US" dirty="0"/>
-                    </a:p>
-                  </a:txBody>
-                  <a:tcPr/>
-                </a:tc>
-                <a:tc>
-                  <a:txBody>
-                    <a:bodyPr/>
-                    <a:lstStyle/>
-                    <a:p>
-                      <a:endParaRPr lang="en-US" dirty="0"/>
-                    </a:p>
-                  </a:txBody>
-                  <a:tcPr/>
-                </a:tc>
-                <a:tc>
-                  <a:txBody>
-                    <a:bodyPr/>
-                    <a:lstStyle/>
-                    <a:p>
-                      <a:endParaRPr lang="en-US" dirty="0"/>
-                    </a:p>
-                  </a:txBody>
-                  <a:tcPr/>
-                </a:tc>
-                <a:extLst>
-                  <a:ext uri="{0D108BD9-81ED-4DB2-BD59-A6C34878D82A}">
-                    <a16:rowId xmlns:a16="http://schemas.microsoft.com/office/drawing/2014/main" val="1269468954"/>
-                  </a:ext>
-                </a:extLst>
-              </a:tr>
-              <a:tr h="1272532">
-                <a:tc>
-                  <a:txBody>
-                    <a:bodyPr/>
-                    <a:lstStyle/>
-                    <a:p>
-                      <a:endParaRPr lang="en-US" dirty="0"/>
-                    </a:p>
-                  </a:txBody>
-                  <a:tcPr/>
-                </a:tc>
-                <a:tc>
-                  <a:txBody>
-                    <a:bodyPr/>
-                    <a:lstStyle/>
-                    <a:p>
-                      <a:endParaRPr lang="en-US" dirty="0"/>
-                    </a:p>
-                  </a:txBody>
-                  <a:tcPr/>
-                </a:tc>
-                <a:tc>
-                  <a:txBody>
-                    <a:bodyPr/>
-                    <a:lstStyle/>
-                    <a:p>
-                      <a:endParaRPr lang="en-US" dirty="0"/>
-                    </a:p>
-                  </a:txBody>
-                  <a:tcPr/>
-                </a:tc>
-                <a:extLst>
-                  <a:ext uri="{0D108BD9-81ED-4DB2-BD59-A6C34878D82A}">
-                    <a16:rowId xmlns:a16="http://schemas.microsoft.com/office/drawing/2014/main" val="2740456601"/>
-                  </a:ext>
-                </a:extLst>
-              </a:tr>
-              <a:tr h="1272532">
-                <a:tc>
-                  <a:txBody>
-                    <a:bodyPr/>
-                    <a:lstStyle/>
-                    <a:p>
-                      <a:endParaRPr lang="en-US" dirty="0"/>
-                    </a:p>
-                  </a:txBody>
-                  <a:tcPr/>
-                </a:tc>
-                <a:tc>
-                  <a:txBody>
-                    <a:bodyPr/>
-                    <a:lstStyle/>
-                    <a:p>
-                      <a:endParaRPr lang="en-US" dirty="0"/>
-                    </a:p>
-                  </a:txBody>
-                  <a:tcPr/>
-                </a:tc>
-                <a:tc>
-                  <a:txBody>
-                    <a:bodyPr/>
-                    <a:lstStyle/>
-                    <a:p>
-                      <a:endParaRPr lang="en-US" dirty="0"/>
-                    </a:p>
-                  </a:txBody>
-                  <a:tcPr/>
-                </a:tc>
-                <a:extLst>
-                  <a:ext uri="{0D108BD9-81ED-4DB2-BD59-A6C34878D82A}">
-                    <a16:rowId xmlns:a16="http://schemas.microsoft.com/office/drawing/2014/main" val="2200028065"/>
-                  </a:ext>
-                </a:extLst>
-              </a:tr>
-              <a:tr h="1272532">
-                <a:tc>
-                  <a:txBody>
-                    <a:bodyPr/>
-                    <a:lstStyle/>
-                    <a:p>
-                      <a:endParaRPr lang="en-US" dirty="0"/>
-                    </a:p>
-                  </a:txBody>
-                  <a:tcPr/>
-                </a:tc>
-                <a:tc>
-                  <a:txBody>
-                    <a:bodyPr/>
-                    <a:lstStyle/>
-                    <a:p>
-                      <a:endParaRPr lang="en-US" dirty="0"/>
-                    </a:p>
-                  </a:txBody>
-                  <a:tcPr/>
-                </a:tc>
-                <a:tc>
-                  <a:txBody>
-                    <a:bodyPr/>
-                    <a:lstStyle/>
-                    <a:p>
-                      <a:endParaRPr lang="en-US" dirty="0"/>
-                    </a:p>
-                  </a:txBody>
-                  <a:tcPr/>
-                </a:tc>
-                <a:extLst>
-                  <a:ext uri="{0D108BD9-81ED-4DB2-BD59-A6C34878D82A}">
-                    <a16:rowId xmlns:a16="http://schemas.microsoft.com/office/drawing/2014/main" val="1336144176"/>
-                  </a:ext>
-                </a:extLst>
-              </a:tr>
-              <a:tr h="1272532">
-                <a:tc>
-                  <a:txBody>
-                    <a:bodyPr/>
-                    <a:lstStyle/>
-                    <a:p>
-                      <a:endParaRPr lang="en-US" dirty="0"/>
-                    </a:p>
-                  </a:txBody>
-                  <a:tcPr/>
-                </a:tc>
-                <a:tc>
-                  <a:txBody>
-                    <a:bodyPr/>
-                    <a:lstStyle/>
-                    <a:p>
-                      <a:endParaRPr lang="en-US" dirty="0"/>
-                    </a:p>
-                  </a:txBody>
-                  <a:tcPr/>
-                </a:tc>
-                <a:tc>
-                  <a:txBody>
-                    <a:bodyPr/>
-                    <a:lstStyle/>
-                    <a:p>
-                      <a:endParaRPr lang="en-US" dirty="0"/>
-                    </a:p>
-                  </a:txBody>
-                  <a:tcPr/>
-                </a:tc>
-                <a:extLst>
-                  <a:ext uri="{0D108BD9-81ED-4DB2-BD59-A6C34878D82A}">
-                    <a16:rowId xmlns:a16="http://schemas.microsoft.com/office/drawing/2014/main" val="3553248141"/>
-                  </a:ext>
-                </a:extLst>
-              </a:tr>
-              <a:tr h="1272532">
-                <a:tc>
-                  <a:txBody>
-                    <a:bodyPr/>
-                    <a:lstStyle/>
-                    <a:p>
-                      <a:endParaRPr lang="en-US" dirty="0"/>
-                    </a:p>
-                  </a:txBody>
-                  <a:tcPr/>
-                </a:tc>
-                <a:tc>
-                  <a:txBody>
-                    <a:bodyPr/>
-                    <a:lstStyle/>
-                    <a:p>
-                      <a:endParaRPr lang="en-US" dirty="0"/>
-                    </a:p>
-                  </a:txBody>
-                  <a:tcPr/>
-                </a:tc>
-                <a:tc>
-                  <a:txBody>
-                    <a:bodyPr/>
-                    <a:lstStyle/>
-                    <a:p>
-                      <a:endParaRPr lang="en-US" dirty="0"/>
-                    </a:p>
-                  </a:txBody>
-                  <a:tcPr/>
-                </a:tc>
-                <a:extLst>
-                  <a:ext uri="{0D108BD9-81ED-4DB2-BD59-A6C34878D82A}">
-                    <a16:rowId xmlns:a16="http://schemas.microsoft.com/office/drawing/2014/main" val="1523595662"/>
-                  </a:ext>
-                </a:extLst>
-              </a:tr>
-              <a:tr h="1272532">
-                <a:tc>
-                  <a:txBody>
-                    <a:bodyPr/>
-                    <a:lstStyle/>
-                    <a:p>
-                      <a:endParaRPr lang="en-US" dirty="0"/>
-                    </a:p>
-                  </a:txBody>
-                  <a:tcPr/>
-                </a:tc>
-                <a:tc>
-                  <a:txBody>
-                    <a:bodyPr/>
-                    <a:lstStyle/>
-                    <a:p>
-                      <a:endParaRPr lang="en-US" dirty="0"/>
-                    </a:p>
-                  </a:txBody>
-                  <a:tcPr/>
-                </a:tc>
-                <a:tc>
-                  <a:txBody>
-                    <a:bodyPr/>
-                    <a:lstStyle/>
-                    <a:p>
-                      <a:endParaRPr lang="en-US" dirty="0"/>
-                    </a:p>
-                  </a:txBody>
-                  <a:tcPr/>
-                </a:tc>
-                <a:extLst>
-                  <a:ext uri="{0D108BD9-81ED-4DB2-BD59-A6C34878D82A}">
-                    <a16:rowId xmlns:a16="http://schemas.microsoft.com/office/drawing/2014/main" val="1406333766"/>
-                  </a:ext>
-                </a:extLst>
-              </a:tr>
-              <a:tr h="1272532">
-                <a:tc>
-                  <a:txBody>
-                    <a:bodyPr/>
-                    <a:lstStyle/>
-                    <a:p>
-                      <a:endParaRPr lang="en-US" dirty="0"/>
-                    </a:p>
-                  </a:txBody>
-                  <a:tcPr/>
-                </a:tc>
-                <a:tc>
-                  <a:txBody>
-                    <a:bodyPr/>
-                    <a:lstStyle/>
-                    <a:p>
-                      <a:endParaRPr lang="en-US" dirty="0"/>
-                    </a:p>
-                  </a:txBody>
-                  <a:tcPr/>
-                </a:tc>
-                <a:tc>
-                  <a:txBody>
-                    <a:bodyPr/>
-                    <a:lstStyle/>
-                    <a:p>
-                      <a:endParaRPr lang="en-US" dirty="0"/>
-                    </a:p>
-                  </a:txBody>
-                  <a:tcPr/>
-                </a:tc>
-                <a:extLst>
-                  <a:ext uri="{0D108BD9-81ED-4DB2-BD59-A6C34878D82A}">
-                    <a16:rowId xmlns:a16="http://schemas.microsoft.com/office/drawing/2014/main" val="1783822314"/>
-                  </a:ext>
-                </a:extLst>
-              </a:tr>
-              <a:tr h="1272532">
-                <a:tc>
-                  <a:txBody>
-                    <a:bodyPr/>
-                    <a:lstStyle/>
-                    <a:p>
-                      <a:endParaRPr lang="en-US" dirty="0"/>
-                    </a:p>
-                  </a:txBody>
-                  <a:tcPr/>
-                </a:tc>
-                <a:tc>
-                  <a:txBody>
-                    <a:bodyPr/>
-                    <a:lstStyle/>
-                    <a:p>
-                      <a:endParaRPr lang="en-US" dirty="0"/>
-                    </a:p>
-                  </a:txBody>
-                  <a:tcPr/>
-                </a:tc>
-                <a:tc>
-                  <a:txBody>
-                    <a:bodyPr/>
-                    <a:lstStyle/>
-                    <a:p>
-                      <a:endParaRPr lang="en-US" dirty="0"/>
-                    </a:p>
-                  </a:txBody>
-                  <a:tcPr/>
-                </a:tc>
-                <a:extLst>
-                  <a:ext uri="{0D108BD9-81ED-4DB2-BD59-A6C34878D82A}">
-                    <a16:rowId xmlns:a16="http://schemas.microsoft.com/office/drawing/2014/main" val="1973604168"/>
-                  </a:ext>
-                </a:extLst>
-              </a:tr>
-              <a:tr h="1272532">
-                <a:tc>
-                  <a:txBody>
-                    <a:bodyPr/>
-                    <a:lstStyle/>
-                    <a:p>
-                      <a:endParaRPr lang="en-US" dirty="0"/>
-                    </a:p>
-                  </a:txBody>
-                  <a:tcPr/>
-                </a:tc>
-                <a:tc>
-                  <a:txBody>
-                    <a:bodyPr/>
-                    <a:lstStyle/>
-                    <a:p>
-                      <a:endParaRPr lang="en-US" dirty="0"/>
-                    </a:p>
-                  </a:txBody>
-                  <a:tcPr/>
-                </a:tc>
-                <a:tc>
-                  <a:txBody>
-                    <a:bodyPr/>
-                    <a:lstStyle/>
-                    <a:p>
-                      <a:endParaRPr lang="en-US" dirty="0"/>
-                    </a:p>
-                  </a:txBody>
-                  <a:tcPr/>
-                </a:tc>
-                <a:extLst>
-                  <a:ext uri="{0D108BD9-81ED-4DB2-BD59-A6C34878D82A}">
-                    <a16:rowId xmlns:a16="http://schemas.microsoft.com/office/drawing/2014/main" val="2137950455"/>
-                  </a:ext>
-                </a:extLst>
-              </a:tr>
-              <a:tr h="1272532">
-                <a:tc>
-                  <a:txBody>
-                    <a:bodyPr/>
-                    <a:lstStyle/>
-                    <a:p>
-                      <a:endParaRPr lang="en-US" dirty="0"/>
-                    </a:p>
-                  </a:txBody>
-                  <a:tcPr/>
-                </a:tc>
-                <a:tc>
-                  <a:txBody>
-                    <a:bodyPr/>
-                    <a:lstStyle/>
-                    <a:p>
-                      <a:endParaRPr lang="en-US" dirty="0"/>
-                    </a:p>
-                  </a:txBody>
-                  <a:tcPr/>
-                </a:tc>
-                <a:tc>
-                  <a:txBody>
-                    <a:bodyPr/>
-                    <a:lstStyle/>
-                    <a:p>
-                      <a:endParaRPr lang="en-US" dirty="0"/>
-                    </a:p>
-                  </a:txBody>
-                  <a:tcPr/>
-                </a:tc>
-                <a:extLst>
-                  <a:ext uri="{0D108BD9-81ED-4DB2-BD59-A6C34878D82A}">
-                    <a16:rowId xmlns:a16="http://schemas.microsoft.com/office/drawing/2014/main" val="1355214302"/>
-                  </a:ext>
-                </a:extLst>
-              </a:tr>
-            </a:tbl>
-          </a:graphicData>
-        </a:graphic>
-      </p:graphicFrame>
-      <p:sp>
-        <p:nvSpPr>
-          <p:cNvPr id="22" name="Text Placeholder 1">
-            <a:extLst>
-              <a:ext uri="{FF2B5EF4-FFF2-40B4-BE49-F238E27FC236}">
-                <a16:creationId xmlns:a16="http://schemas.microsoft.com/office/drawing/2014/main" id="{E7ADEA24-FDD5-4489-B928-71F70306F82E}"/>
+                <a16:creationId xmlns:a16="http://schemas.microsoft.com/office/drawing/2014/main" id="{08E2203C-4C5D-4844-8C19-D1E8E9028A5A}"/>
               </a:ext>
             </a:extLst>
           </p:cNvPr>
@@ -5625,7 +4560,7 @@
         </p:nvSpPr>
         <p:spPr>
           <a:xfrm>
-            <a:off x="23872371" y="20574000"/>
+            <a:off x="17477697" y="22936200"/>
             <a:ext cx="8335107" cy="830997"/>
           </a:xfrm>
           <a:prstGeom prst="rect">
@@ -5826,452 +4761,871 @@
           <a:p>
             <a:r>
               <a:rPr lang="en-US" dirty="0"/>
-              <a:t>Future directions</a:t>
+              <a:t>Acknowledgements</a:t>
             </a:r>
           </a:p>
         </p:txBody>
       </p:sp>
-      <p:sp>
-        <p:nvSpPr>
-          <p:cNvPr id="23" name="Text Placeholder 1">
+      <p:graphicFrame>
+        <p:nvGraphicFramePr>
+          <p:cNvPr id="3" name="Table 2">
             <a:extLst>
               <a:ext uri="{FF2B5EF4-FFF2-40B4-BE49-F238E27FC236}">
-                <a16:creationId xmlns:a16="http://schemas.microsoft.com/office/drawing/2014/main" id="{3F87DC8F-0105-4D51-84BA-7BAAE52221DA}"/>
+                <a16:creationId xmlns:a16="http://schemas.microsoft.com/office/drawing/2014/main" id="{ADCCF4F5-404D-4792-9A8D-229A76C8D4EE}"/>
               </a:ext>
             </a:extLst>
           </p:cNvPr>
-          <p:cNvSpPr txBox="1">
-            <a:spLocks/>
-          </p:cNvSpPr>
+          <p:cNvGraphicFramePr>
+            <a:graphicFrameLocks noGrp="1"/>
+          </p:cNvGraphicFramePr>
+          <p:nvPr>
+            <p:extLst>
+              <p:ext uri="{D42A27DB-BD31-4B8C-83A1-F6EECF244321}">
+                <p14:modId xmlns:p14="http://schemas.microsoft.com/office/powerpoint/2010/main" val="1447593012"/>
+              </p:ext>
+            </p:extLst>
+          </p:nvPr>
+        </p:nvGraphicFramePr>
+        <p:xfrm>
+          <a:off x="762000" y="9535552"/>
+          <a:ext cx="12214666" cy="10220071"/>
+        </p:xfrm>
+        <a:graphic>
+          <a:graphicData uri="http://schemas.openxmlformats.org/drawingml/2006/table">
+            <a:tbl>
+              <a:tblPr firstRow="1" firstCol="1" bandRow="1">
+                <a:tableStyleId>{5FD0F851-EC5A-4D38-B0AD-8093EC10F338}</a:tableStyleId>
+              </a:tblPr>
+              <a:tblGrid>
+                <a:gridCol w="2971800">
+                  <a:extLst>
+                    <a:ext uri="{9D8B030D-6E8A-4147-A177-3AD203B41FA5}">
+                      <a16:colId xmlns:a16="http://schemas.microsoft.com/office/drawing/2014/main" val="1294045590"/>
+                    </a:ext>
+                  </a:extLst>
+                </a:gridCol>
+                <a:gridCol w="4876800">
+                  <a:extLst>
+                    <a:ext uri="{9D8B030D-6E8A-4147-A177-3AD203B41FA5}">
+                      <a16:colId xmlns:a16="http://schemas.microsoft.com/office/drawing/2014/main" val="2569233694"/>
+                    </a:ext>
+                  </a:extLst>
+                </a:gridCol>
+                <a:gridCol w="4366066">
+                  <a:extLst>
+                    <a:ext uri="{9D8B030D-6E8A-4147-A177-3AD203B41FA5}">
+                      <a16:colId xmlns:a16="http://schemas.microsoft.com/office/drawing/2014/main" val="1909227648"/>
+                    </a:ext>
+                  </a:extLst>
+                </a:gridCol>
+              </a:tblGrid>
+              <a:tr h="827648">
+                <a:tc>
+                  <a:txBody>
+                    <a:bodyPr/>
+                    <a:lstStyle/>
+                    <a:p>
+                      <a:pPr marL="0" marR="0" algn="l">
+                        <a:lnSpc>
+                          <a:spcPct val="107000"/>
+                        </a:lnSpc>
+                        <a:spcBef>
+                          <a:spcPts val="0"/>
+                        </a:spcBef>
+                        <a:spcAft>
+                          <a:spcPts val="0"/>
+                        </a:spcAft>
+                      </a:pPr>
+                      <a:r>
+                        <a:rPr lang="en-US" sz="3300" dirty="0">
+                          <a:effectLst/>
+                        </a:rPr>
+                        <a:t>Requirement</a:t>
+                      </a:r>
+                      <a:endParaRPr lang="en-US" sz="3300" dirty="0">
+                        <a:effectLst/>
+                        <a:latin typeface="Calibri" panose="020F0502020204030204" pitchFamily="34" charset="0"/>
+                        <a:ea typeface="Calibri" panose="020F0502020204030204" pitchFamily="34" charset="0"/>
+                        <a:cs typeface="Times New Roman" panose="02020603050405020304" pitchFamily="18" charset="0"/>
+                      </a:endParaRPr>
+                    </a:p>
+                  </a:txBody>
+                  <a:tcPr marL="68580" marR="68580" marT="0" marB="0"/>
+                </a:tc>
+                <a:tc>
+                  <a:txBody>
+                    <a:bodyPr/>
+                    <a:lstStyle/>
+                    <a:p>
+                      <a:pPr marL="0" marR="0" algn="l">
+                        <a:lnSpc>
+                          <a:spcPct val="107000"/>
+                        </a:lnSpc>
+                        <a:spcBef>
+                          <a:spcPts val="0"/>
+                        </a:spcBef>
+                        <a:spcAft>
+                          <a:spcPts val="0"/>
+                        </a:spcAft>
+                      </a:pPr>
+                      <a:r>
+                        <a:rPr lang="en-US" sz="3300" dirty="0">
+                          <a:effectLst/>
+                        </a:rPr>
+                        <a:t>Past Design/Prototype</a:t>
+                      </a:r>
+                      <a:endParaRPr lang="en-US" sz="3300" dirty="0">
+                        <a:effectLst/>
+                        <a:latin typeface="Calibri" panose="020F0502020204030204" pitchFamily="34" charset="0"/>
+                        <a:ea typeface="Calibri" panose="020F0502020204030204" pitchFamily="34" charset="0"/>
+                        <a:cs typeface="Times New Roman" panose="02020603050405020304" pitchFamily="18" charset="0"/>
+                      </a:endParaRPr>
+                    </a:p>
+                  </a:txBody>
+                  <a:tcPr marL="68580" marR="68580" marT="0" marB="0"/>
+                </a:tc>
+                <a:tc>
+                  <a:txBody>
+                    <a:bodyPr/>
+                    <a:lstStyle/>
+                    <a:p>
+                      <a:pPr marL="0" marR="0" algn="l">
+                        <a:lnSpc>
+                          <a:spcPct val="107000"/>
+                        </a:lnSpc>
+                        <a:spcBef>
+                          <a:spcPts val="0"/>
+                        </a:spcBef>
+                        <a:spcAft>
+                          <a:spcPts val="0"/>
+                        </a:spcAft>
+                      </a:pPr>
+                      <a:r>
+                        <a:rPr lang="en-US" sz="3300" dirty="0">
+                          <a:effectLst/>
+                        </a:rPr>
+                        <a:t>Current Design</a:t>
+                      </a:r>
+                      <a:endParaRPr lang="en-US" sz="3300" dirty="0">
+                        <a:effectLst/>
+                        <a:latin typeface="Calibri" panose="020F0502020204030204" pitchFamily="34" charset="0"/>
+                        <a:ea typeface="Calibri" panose="020F0502020204030204" pitchFamily="34" charset="0"/>
+                        <a:cs typeface="Times New Roman" panose="02020603050405020304" pitchFamily="18" charset="0"/>
+                      </a:endParaRPr>
+                    </a:p>
+                  </a:txBody>
+                  <a:tcPr marL="68580" marR="68580" marT="0" marB="0"/>
+                </a:tc>
+                <a:extLst>
+                  <a:ext uri="{0D108BD9-81ED-4DB2-BD59-A6C34878D82A}">
+                    <a16:rowId xmlns:a16="http://schemas.microsoft.com/office/drawing/2014/main" val="3837701961"/>
+                  </a:ext>
+                </a:extLst>
+              </a:tr>
+              <a:tr h="1569825">
+                <a:tc>
+                  <a:txBody>
+                    <a:bodyPr/>
+                    <a:lstStyle/>
+                    <a:p>
+                      <a:pPr marL="0" marR="0" algn="l">
+                        <a:lnSpc>
+                          <a:spcPct val="107000"/>
+                        </a:lnSpc>
+                        <a:spcBef>
+                          <a:spcPts val="0"/>
+                        </a:spcBef>
+                        <a:spcAft>
+                          <a:spcPts val="0"/>
+                        </a:spcAft>
+                      </a:pPr>
+                      <a:r>
+                        <a:rPr lang="en-US" sz="3300">
+                          <a:effectLst/>
+                        </a:rPr>
+                        <a:t>Reduce Assembly Time</a:t>
+                      </a:r>
+                      <a:endParaRPr lang="en-US" sz="3300">
+                        <a:effectLst/>
+                        <a:latin typeface="Calibri" panose="020F0502020204030204" pitchFamily="34" charset="0"/>
+                        <a:ea typeface="Calibri" panose="020F0502020204030204" pitchFamily="34" charset="0"/>
+                        <a:cs typeface="Times New Roman" panose="02020603050405020304" pitchFamily="18" charset="0"/>
+                      </a:endParaRPr>
+                    </a:p>
+                  </a:txBody>
+                  <a:tcPr marL="68580" marR="68580" marT="0" marB="0"/>
+                </a:tc>
+                <a:tc>
+                  <a:txBody>
+                    <a:bodyPr/>
+                    <a:lstStyle/>
+                    <a:p>
+                      <a:pPr marL="0" marR="0" algn="l">
+                        <a:lnSpc>
+                          <a:spcPct val="107000"/>
+                        </a:lnSpc>
+                        <a:spcBef>
+                          <a:spcPts val="0"/>
+                        </a:spcBef>
+                        <a:spcAft>
+                          <a:spcPts val="0"/>
+                        </a:spcAft>
+                      </a:pPr>
+                      <a:r>
+                        <a:rPr lang="en-US" sz="3300" dirty="0">
+                          <a:effectLst/>
+                        </a:rPr>
+                        <a:t>20 hours</a:t>
+                      </a:r>
+                      <a:endParaRPr lang="en-US" sz="3300" dirty="0">
+                        <a:effectLst/>
+                        <a:latin typeface="Calibri" panose="020F0502020204030204" pitchFamily="34" charset="0"/>
+                        <a:ea typeface="Calibri" panose="020F0502020204030204" pitchFamily="34" charset="0"/>
+                        <a:cs typeface="Times New Roman" panose="02020603050405020304" pitchFamily="18" charset="0"/>
+                      </a:endParaRPr>
+                    </a:p>
+                  </a:txBody>
+                  <a:tcPr marL="68580" marR="68580" marT="0" marB="0"/>
+                </a:tc>
+                <a:tc>
+                  <a:txBody>
+                    <a:bodyPr/>
+                    <a:lstStyle/>
+                    <a:p>
+                      <a:pPr marL="0" marR="0" algn="l">
+                        <a:lnSpc>
+                          <a:spcPct val="107000"/>
+                        </a:lnSpc>
+                        <a:spcBef>
+                          <a:spcPts val="0"/>
+                        </a:spcBef>
+                        <a:spcAft>
+                          <a:spcPts val="0"/>
+                        </a:spcAft>
+                      </a:pPr>
+                      <a:r>
+                        <a:rPr lang="en-US" sz="3300" dirty="0">
+                          <a:effectLst/>
+                        </a:rPr>
+                        <a:t>1 hour</a:t>
+                      </a:r>
+                      <a:endParaRPr lang="en-US" sz="3300" dirty="0">
+                        <a:effectLst/>
+                        <a:latin typeface="Calibri" panose="020F0502020204030204" pitchFamily="34" charset="0"/>
+                        <a:ea typeface="Calibri" panose="020F0502020204030204" pitchFamily="34" charset="0"/>
+                        <a:cs typeface="Times New Roman" panose="02020603050405020304" pitchFamily="18" charset="0"/>
+                      </a:endParaRPr>
+                    </a:p>
+                  </a:txBody>
+                  <a:tcPr marL="68580" marR="68580" marT="0" marB="0"/>
+                </a:tc>
+                <a:extLst>
+                  <a:ext uri="{0D108BD9-81ED-4DB2-BD59-A6C34878D82A}">
+                    <a16:rowId xmlns:a16="http://schemas.microsoft.com/office/drawing/2014/main" val="1586334092"/>
+                  </a:ext>
+                </a:extLst>
+              </a:tr>
+              <a:tr h="964598">
+                <a:tc>
+                  <a:txBody>
+                    <a:bodyPr/>
+                    <a:lstStyle/>
+                    <a:p>
+                      <a:pPr marL="0" marR="0" algn="l">
+                        <a:lnSpc>
+                          <a:spcPct val="107000"/>
+                        </a:lnSpc>
+                        <a:spcBef>
+                          <a:spcPts val="0"/>
+                        </a:spcBef>
+                        <a:spcAft>
+                          <a:spcPts val="0"/>
+                        </a:spcAft>
+                      </a:pPr>
+                      <a:r>
+                        <a:rPr lang="en-US" sz="3300">
+                          <a:effectLst/>
+                        </a:rPr>
+                        <a:t>Decrease Production Cost</a:t>
+                      </a:r>
+                      <a:endParaRPr lang="en-US" sz="3300">
+                        <a:effectLst/>
+                        <a:latin typeface="Calibri" panose="020F0502020204030204" pitchFamily="34" charset="0"/>
+                        <a:ea typeface="Calibri" panose="020F0502020204030204" pitchFamily="34" charset="0"/>
+                        <a:cs typeface="Times New Roman" panose="02020603050405020304" pitchFamily="18" charset="0"/>
+                      </a:endParaRPr>
+                    </a:p>
+                  </a:txBody>
+                  <a:tcPr marL="68580" marR="68580" marT="0" marB="0"/>
+                </a:tc>
+                <a:tc>
+                  <a:txBody>
+                    <a:bodyPr/>
+                    <a:lstStyle/>
+                    <a:p>
+                      <a:pPr marL="0" marR="0" algn="l">
+                        <a:lnSpc>
+                          <a:spcPct val="107000"/>
+                        </a:lnSpc>
+                        <a:spcBef>
+                          <a:spcPts val="0"/>
+                        </a:spcBef>
+                        <a:spcAft>
+                          <a:spcPts val="0"/>
+                        </a:spcAft>
+                      </a:pPr>
+                      <a:r>
+                        <a:rPr lang="en-US" sz="3300" dirty="0">
+                          <a:effectLst/>
+                        </a:rPr>
+                        <a:t>$600 per board</a:t>
+                      </a:r>
+                      <a:endParaRPr lang="en-US" sz="3300" dirty="0">
+                        <a:effectLst/>
+                        <a:latin typeface="Calibri" panose="020F0502020204030204" pitchFamily="34" charset="0"/>
+                        <a:ea typeface="Calibri" panose="020F0502020204030204" pitchFamily="34" charset="0"/>
+                        <a:cs typeface="Times New Roman" panose="02020603050405020304" pitchFamily="18" charset="0"/>
+                      </a:endParaRPr>
+                    </a:p>
+                  </a:txBody>
+                  <a:tcPr marL="68580" marR="68580" marT="0" marB="0"/>
+                </a:tc>
+                <a:tc>
+                  <a:txBody>
+                    <a:bodyPr/>
+                    <a:lstStyle/>
+                    <a:p>
+                      <a:pPr marL="0" marR="0" algn="l">
+                        <a:lnSpc>
+                          <a:spcPct val="107000"/>
+                        </a:lnSpc>
+                        <a:spcBef>
+                          <a:spcPts val="0"/>
+                        </a:spcBef>
+                        <a:spcAft>
+                          <a:spcPts val="0"/>
+                        </a:spcAft>
+                      </a:pPr>
+                      <a:r>
+                        <a:rPr lang="en-US" sz="3300">
+                          <a:effectLst/>
+                        </a:rPr>
+                        <a:t>$150 per board</a:t>
+                      </a:r>
+                      <a:endParaRPr lang="en-US" sz="3300">
+                        <a:effectLst/>
+                        <a:latin typeface="Calibri" panose="020F0502020204030204" pitchFamily="34" charset="0"/>
+                        <a:ea typeface="Calibri" panose="020F0502020204030204" pitchFamily="34" charset="0"/>
+                        <a:cs typeface="Times New Roman" panose="02020603050405020304" pitchFamily="18" charset="0"/>
+                      </a:endParaRPr>
+                    </a:p>
+                  </a:txBody>
+                  <a:tcPr marL="68580" marR="68580" marT="0" marB="0"/>
+                </a:tc>
+                <a:extLst>
+                  <a:ext uri="{0D108BD9-81ED-4DB2-BD59-A6C34878D82A}">
+                    <a16:rowId xmlns:a16="http://schemas.microsoft.com/office/drawing/2014/main" val="590984702"/>
+                  </a:ext>
+                </a:extLst>
+              </a:tr>
+              <a:tr h="1664876">
+                <a:tc>
+                  <a:txBody>
+                    <a:bodyPr/>
+                    <a:lstStyle/>
+                    <a:p>
+                      <a:pPr marL="0" marR="0" algn="l">
+                        <a:lnSpc>
+                          <a:spcPct val="107000"/>
+                        </a:lnSpc>
+                        <a:spcBef>
+                          <a:spcPts val="0"/>
+                        </a:spcBef>
+                        <a:spcAft>
+                          <a:spcPts val="0"/>
+                        </a:spcAft>
+                      </a:pPr>
+                      <a:r>
+                        <a:rPr lang="en-US" sz="3300">
+                          <a:effectLst/>
+                        </a:rPr>
+                        <a:t>Improve Quality Control and Reliability</a:t>
+                      </a:r>
+                      <a:endParaRPr lang="en-US" sz="3300">
+                        <a:effectLst/>
+                        <a:latin typeface="Calibri" panose="020F0502020204030204" pitchFamily="34" charset="0"/>
+                        <a:ea typeface="Calibri" panose="020F0502020204030204" pitchFamily="34" charset="0"/>
+                        <a:cs typeface="Times New Roman" panose="02020603050405020304" pitchFamily="18" charset="0"/>
+                      </a:endParaRPr>
+                    </a:p>
+                  </a:txBody>
+                  <a:tcPr marL="68580" marR="68580" marT="0" marB="0"/>
+                </a:tc>
+                <a:tc>
+                  <a:txBody>
+                    <a:bodyPr/>
+                    <a:lstStyle/>
+                    <a:p>
+                      <a:pPr marL="0" marR="0" algn="l">
+                        <a:lnSpc>
+                          <a:spcPct val="107000"/>
+                        </a:lnSpc>
+                        <a:spcBef>
+                          <a:spcPts val="0"/>
+                        </a:spcBef>
+                        <a:spcAft>
+                          <a:spcPts val="0"/>
+                        </a:spcAft>
+                      </a:pPr>
+                      <a:r>
+                        <a:rPr lang="en-US" sz="3300">
+                          <a:effectLst/>
+                        </a:rPr>
+                        <a:t>Intern solder fun time</a:t>
+                      </a:r>
+                      <a:endParaRPr lang="en-US" sz="3300">
+                        <a:effectLst/>
+                        <a:latin typeface="Calibri" panose="020F0502020204030204" pitchFamily="34" charset="0"/>
+                        <a:ea typeface="Calibri" panose="020F0502020204030204" pitchFamily="34" charset="0"/>
+                        <a:cs typeface="Times New Roman" panose="02020603050405020304" pitchFamily="18" charset="0"/>
+                      </a:endParaRPr>
+                    </a:p>
+                  </a:txBody>
+                  <a:tcPr marL="68580" marR="68580" marT="0" marB="0"/>
+                </a:tc>
+                <a:tc>
+                  <a:txBody>
+                    <a:bodyPr/>
+                    <a:lstStyle/>
+                    <a:p>
+                      <a:pPr marL="0" marR="0" algn="l">
+                        <a:lnSpc>
+                          <a:spcPct val="107000"/>
+                        </a:lnSpc>
+                        <a:spcBef>
+                          <a:spcPts val="0"/>
+                        </a:spcBef>
+                        <a:spcAft>
+                          <a:spcPts val="0"/>
+                        </a:spcAft>
+                      </a:pPr>
+                      <a:r>
+                        <a:rPr lang="en-US" sz="3300">
+                          <a:effectLst/>
+                        </a:rPr>
+                        <a:t>Order with one-click through small-batch assembly</a:t>
+                      </a:r>
+                      <a:endParaRPr lang="en-US" sz="3300">
+                        <a:effectLst/>
+                        <a:latin typeface="Calibri" panose="020F0502020204030204" pitchFamily="34" charset="0"/>
+                        <a:ea typeface="Calibri" panose="020F0502020204030204" pitchFamily="34" charset="0"/>
+                        <a:cs typeface="Times New Roman" panose="02020603050405020304" pitchFamily="18" charset="0"/>
+                      </a:endParaRPr>
+                    </a:p>
+                  </a:txBody>
+                  <a:tcPr marL="68580" marR="68580" marT="0" marB="0"/>
+                </a:tc>
+                <a:extLst>
+                  <a:ext uri="{0D108BD9-81ED-4DB2-BD59-A6C34878D82A}">
+                    <a16:rowId xmlns:a16="http://schemas.microsoft.com/office/drawing/2014/main" val="3179103901"/>
+                  </a:ext>
+                </a:extLst>
+              </a:tr>
+              <a:tr h="1219200">
+                <a:tc>
+                  <a:txBody>
+                    <a:bodyPr/>
+                    <a:lstStyle/>
+                    <a:p>
+                      <a:pPr marL="0" marR="0" algn="l">
+                        <a:lnSpc>
+                          <a:spcPct val="107000"/>
+                        </a:lnSpc>
+                        <a:spcBef>
+                          <a:spcPts val="0"/>
+                        </a:spcBef>
+                        <a:spcAft>
+                          <a:spcPts val="0"/>
+                        </a:spcAft>
+                      </a:pPr>
+                      <a:r>
+                        <a:rPr lang="en-US" sz="3300">
+                          <a:effectLst/>
+                        </a:rPr>
+                        <a:t>Improve Data Acquistion</a:t>
+                      </a:r>
+                    </a:p>
+                    <a:p>
+                      <a:pPr marL="0" marR="0" algn="l">
+                        <a:lnSpc>
+                          <a:spcPct val="107000"/>
+                        </a:lnSpc>
+                        <a:spcBef>
+                          <a:spcPts val="0"/>
+                        </a:spcBef>
+                        <a:spcAft>
+                          <a:spcPts val="0"/>
+                        </a:spcAft>
+                      </a:pPr>
+                      <a:r>
+                        <a:rPr lang="en-US" sz="3300">
+                          <a:effectLst/>
+                        </a:rPr>
+                        <a:t> </a:t>
+                      </a:r>
+                      <a:endParaRPr lang="en-US" sz="3300">
+                        <a:effectLst/>
+                        <a:latin typeface="Calibri" panose="020F0502020204030204" pitchFamily="34" charset="0"/>
+                        <a:ea typeface="Calibri" panose="020F0502020204030204" pitchFamily="34" charset="0"/>
+                        <a:cs typeface="Times New Roman" panose="02020603050405020304" pitchFamily="18" charset="0"/>
+                      </a:endParaRPr>
+                    </a:p>
+                  </a:txBody>
+                  <a:tcPr marL="68580" marR="68580" marT="0" marB="0"/>
+                </a:tc>
+                <a:tc>
+                  <a:txBody>
+                    <a:bodyPr/>
+                    <a:lstStyle/>
+                    <a:p>
+                      <a:pPr marL="0" marR="0" algn="l">
+                        <a:lnSpc>
+                          <a:spcPct val="107000"/>
+                        </a:lnSpc>
+                        <a:spcBef>
+                          <a:spcPts val="0"/>
+                        </a:spcBef>
+                        <a:spcAft>
+                          <a:spcPts val="0"/>
+                        </a:spcAft>
+                      </a:pPr>
+                      <a:r>
+                        <a:rPr lang="en-US" sz="3300">
+                          <a:effectLst/>
+                        </a:rPr>
+                        <a:t>10Hz with 16-bit ADC load cell data</a:t>
+                      </a:r>
+                      <a:endParaRPr lang="en-US" sz="3300">
+                        <a:effectLst/>
+                        <a:latin typeface="Calibri" panose="020F0502020204030204" pitchFamily="34" charset="0"/>
+                        <a:ea typeface="Calibri" panose="020F0502020204030204" pitchFamily="34" charset="0"/>
+                        <a:cs typeface="Times New Roman" panose="02020603050405020304" pitchFamily="18" charset="0"/>
+                      </a:endParaRPr>
+                    </a:p>
+                  </a:txBody>
+                  <a:tcPr marL="68580" marR="68580" marT="0" marB="0"/>
+                </a:tc>
+                <a:tc>
+                  <a:txBody>
+                    <a:bodyPr/>
+                    <a:lstStyle/>
+                    <a:p>
+                      <a:pPr marL="0" marR="0" algn="l">
+                        <a:lnSpc>
+                          <a:spcPct val="107000"/>
+                        </a:lnSpc>
+                        <a:spcBef>
+                          <a:spcPts val="0"/>
+                        </a:spcBef>
+                        <a:spcAft>
+                          <a:spcPts val="0"/>
+                        </a:spcAft>
+                      </a:pPr>
+                      <a:r>
+                        <a:rPr lang="en-US" sz="3300">
+                          <a:effectLst/>
+                        </a:rPr>
+                        <a:t>470Hz with 24-bit ADC load cell data</a:t>
+                      </a:r>
+                      <a:endParaRPr lang="en-US" sz="3300">
+                        <a:effectLst/>
+                        <a:latin typeface="Calibri" panose="020F0502020204030204" pitchFamily="34" charset="0"/>
+                        <a:ea typeface="Calibri" panose="020F0502020204030204" pitchFamily="34" charset="0"/>
+                        <a:cs typeface="Times New Roman" panose="02020603050405020304" pitchFamily="18" charset="0"/>
+                      </a:endParaRPr>
+                    </a:p>
+                  </a:txBody>
+                  <a:tcPr marL="68580" marR="68580" marT="0" marB="0"/>
+                </a:tc>
+                <a:extLst>
+                  <a:ext uri="{0D108BD9-81ED-4DB2-BD59-A6C34878D82A}">
+                    <a16:rowId xmlns:a16="http://schemas.microsoft.com/office/drawing/2014/main" val="1901261725"/>
+                  </a:ext>
+                </a:extLst>
+              </a:tr>
+              <a:tr h="1569825">
+                <a:tc>
+                  <a:txBody>
+                    <a:bodyPr/>
+                    <a:lstStyle/>
+                    <a:p>
+                      <a:pPr marL="0" marR="0" algn="l">
+                        <a:lnSpc>
+                          <a:spcPct val="107000"/>
+                        </a:lnSpc>
+                        <a:spcBef>
+                          <a:spcPts val="0"/>
+                        </a:spcBef>
+                        <a:spcAft>
+                          <a:spcPts val="0"/>
+                        </a:spcAft>
+                      </a:pPr>
+                      <a:r>
+                        <a:rPr lang="en-US" sz="3300">
+                          <a:effectLst/>
+                        </a:rPr>
+                        <a:t>Replace User Interface</a:t>
+                      </a:r>
+                      <a:endParaRPr lang="en-US" sz="3300">
+                        <a:effectLst/>
+                        <a:latin typeface="Calibri" panose="020F0502020204030204" pitchFamily="34" charset="0"/>
+                        <a:ea typeface="Calibri" panose="020F0502020204030204" pitchFamily="34" charset="0"/>
+                        <a:cs typeface="Times New Roman" panose="02020603050405020304" pitchFamily="18" charset="0"/>
+                      </a:endParaRPr>
+                    </a:p>
+                  </a:txBody>
+                  <a:tcPr marL="68580" marR="68580" marT="0" marB="0"/>
+                </a:tc>
+                <a:tc>
+                  <a:txBody>
+                    <a:bodyPr/>
+                    <a:lstStyle/>
+                    <a:p>
+                      <a:pPr marL="0" marR="0" algn="l">
+                        <a:lnSpc>
+                          <a:spcPct val="107000"/>
+                        </a:lnSpc>
+                        <a:spcBef>
+                          <a:spcPts val="0"/>
+                        </a:spcBef>
+                        <a:spcAft>
+                          <a:spcPts val="0"/>
+                        </a:spcAft>
+                      </a:pPr>
+                      <a:r>
+                        <a:rPr lang="en-US" sz="3300">
+                          <a:effectLst/>
+                        </a:rPr>
+                        <a:t>Mechanical button input</a:t>
+                      </a:r>
+                      <a:endParaRPr lang="en-US" sz="3300">
+                        <a:effectLst/>
+                        <a:latin typeface="Calibri" panose="020F0502020204030204" pitchFamily="34" charset="0"/>
+                        <a:ea typeface="Calibri" panose="020F0502020204030204" pitchFamily="34" charset="0"/>
+                        <a:cs typeface="Times New Roman" panose="02020603050405020304" pitchFamily="18" charset="0"/>
+                      </a:endParaRPr>
+                    </a:p>
+                  </a:txBody>
+                  <a:tcPr marL="68580" marR="68580" marT="0" marB="0"/>
+                </a:tc>
+                <a:tc>
+                  <a:txBody>
+                    <a:bodyPr/>
+                    <a:lstStyle/>
+                    <a:p>
+                      <a:pPr marL="0" marR="0" algn="l">
+                        <a:lnSpc>
+                          <a:spcPct val="107000"/>
+                        </a:lnSpc>
+                        <a:spcBef>
+                          <a:spcPts val="0"/>
+                        </a:spcBef>
+                        <a:spcAft>
+                          <a:spcPts val="0"/>
+                        </a:spcAft>
+                      </a:pPr>
+                      <a:r>
+                        <a:rPr lang="en-US" sz="3300">
+                          <a:effectLst/>
+                        </a:rPr>
+                        <a:t>Resistive touch-screen</a:t>
+                      </a:r>
+                      <a:endParaRPr lang="en-US" sz="3300">
+                        <a:effectLst/>
+                        <a:latin typeface="Calibri" panose="020F0502020204030204" pitchFamily="34" charset="0"/>
+                        <a:ea typeface="Calibri" panose="020F0502020204030204" pitchFamily="34" charset="0"/>
+                        <a:cs typeface="Times New Roman" panose="02020603050405020304" pitchFamily="18" charset="0"/>
+                      </a:endParaRPr>
+                    </a:p>
+                  </a:txBody>
+                  <a:tcPr marL="68580" marR="68580" marT="0" marB="0"/>
+                </a:tc>
+                <a:extLst>
+                  <a:ext uri="{0D108BD9-81ED-4DB2-BD59-A6C34878D82A}">
+                    <a16:rowId xmlns:a16="http://schemas.microsoft.com/office/drawing/2014/main" val="440605360"/>
+                  </a:ext>
+                </a:extLst>
+              </a:tr>
+              <a:tr h="1945154">
+                <a:tc>
+                  <a:txBody>
+                    <a:bodyPr/>
+                    <a:lstStyle/>
+                    <a:p>
+                      <a:pPr marL="0" marR="0" algn="l">
+                        <a:lnSpc>
+                          <a:spcPct val="107000"/>
+                        </a:lnSpc>
+                        <a:spcBef>
+                          <a:spcPts val="0"/>
+                        </a:spcBef>
+                        <a:spcAft>
+                          <a:spcPts val="0"/>
+                        </a:spcAft>
+                      </a:pPr>
+                      <a:r>
+                        <a:rPr lang="en-US" sz="3300">
+                          <a:effectLst/>
+                        </a:rPr>
+                        <a:t>Centralize Firmware Development</a:t>
+                      </a:r>
+                      <a:endParaRPr lang="en-US" sz="3300">
+                        <a:effectLst/>
+                        <a:latin typeface="Calibri" panose="020F0502020204030204" pitchFamily="34" charset="0"/>
+                        <a:ea typeface="Calibri" panose="020F0502020204030204" pitchFamily="34" charset="0"/>
+                        <a:cs typeface="Times New Roman" panose="02020603050405020304" pitchFamily="18" charset="0"/>
+                      </a:endParaRPr>
+                    </a:p>
+                  </a:txBody>
+                  <a:tcPr marL="68580" marR="68580" marT="0" marB="0"/>
+                </a:tc>
+                <a:tc>
+                  <a:txBody>
+                    <a:bodyPr/>
+                    <a:lstStyle/>
+                    <a:p>
+                      <a:pPr marL="0" marR="0" algn="l">
+                        <a:lnSpc>
+                          <a:spcPct val="107000"/>
+                        </a:lnSpc>
+                        <a:spcBef>
+                          <a:spcPts val="0"/>
+                        </a:spcBef>
+                        <a:spcAft>
+                          <a:spcPts val="0"/>
+                        </a:spcAft>
+                      </a:pPr>
+                      <a:r>
+                        <a:rPr lang="en-US" sz="3300">
+                          <a:effectLst/>
+                        </a:rPr>
+                        <a:t>Rasberry Pi and Arduino based system</a:t>
+                      </a:r>
+                      <a:endParaRPr lang="en-US" sz="3300">
+                        <a:effectLst/>
+                        <a:latin typeface="Calibri" panose="020F0502020204030204" pitchFamily="34" charset="0"/>
+                        <a:ea typeface="Calibri" panose="020F0502020204030204" pitchFamily="34" charset="0"/>
+                        <a:cs typeface="Times New Roman" panose="02020603050405020304" pitchFamily="18" charset="0"/>
+                      </a:endParaRPr>
+                    </a:p>
+                  </a:txBody>
+                  <a:tcPr marL="68580" marR="68580" marT="0" marB="0"/>
+                </a:tc>
+                <a:tc>
+                  <a:txBody>
+                    <a:bodyPr/>
+                    <a:lstStyle/>
+                    <a:p>
+                      <a:pPr marL="0" marR="0" algn="l">
+                        <a:lnSpc>
+                          <a:spcPct val="107000"/>
+                        </a:lnSpc>
+                        <a:spcBef>
+                          <a:spcPts val="0"/>
+                        </a:spcBef>
+                        <a:spcAft>
+                          <a:spcPts val="0"/>
+                        </a:spcAft>
+                      </a:pPr>
+                      <a:r>
+                        <a:rPr lang="en-US" sz="3300" dirty="0">
+                          <a:effectLst/>
+                        </a:rPr>
+                        <a:t>PIC32 C based system with </a:t>
+                      </a:r>
+                      <a:r>
+                        <a:rPr lang="en-US" sz="3300" dirty="0" err="1">
+                          <a:effectLst/>
+                        </a:rPr>
+                        <a:t>Github</a:t>
+                      </a:r>
+                      <a:r>
+                        <a:rPr lang="en-US" sz="3300" dirty="0">
+                          <a:effectLst/>
+                        </a:rPr>
+                        <a:t> code repository</a:t>
+                      </a:r>
+                      <a:endParaRPr lang="en-US" sz="3300" dirty="0">
+                        <a:effectLst/>
+                        <a:latin typeface="Calibri" panose="020F0502020204030204" pitchFamily="34" charset="0"/>
+                        <a:ea typeface="Calibri" panose="020F0502020204030204" pitchFamily="34" charset="0"/>
+                        <a:cs typeface="Times New Roman" panose="02020603050405020304" pitchFamily="18" charset="0"/>
+                      </a:endParaRPr>
+                    </a:p>
+                  </a:txBody>
+                  <a:tcPr marL="68580" marR="68580" marT="0" marB="0"/>
+                </a:tc>
+                <a:extLst>
+                  <a:ext uri="{0D108BD9-81ED-4DB2-BD59-A6C34878D82A}">
+                    <a16:rowId xmlns:a16="http://schemas.microsoft.com/office/drawing/2014/main" val="201089074"/>
+                  </a:ext>
+                </a:extLst>
+              </a:tr>
+            </a:tbl>
+          </a:graphicData>
+        </a:graphic>
+      </p:graphicFrame>
+      <p:sp>
+        <p:nvSpPr>
+          <p:cNvPr id="8" name="Rectangle 7">
+            <a:extLst>
+              <a:ext uri="{FF2B5EF4-FFF2-40B4-BE49-F238E27FC236}">
+                <a16:creationId xmlns:a16="http://schemas.microsoft.com/office/drawing/2014/main" id="{FB955D59-81D9-4847-B5C9-95F65E1DA92A}"/>
+              </a:ext>
+            </a:extLst>
+          </p:cNvPr>
+          <p:cNvSpPr/>
           <p:nvPr/>
         </p:nvSpPr>
         <p:spPr>
           <a:xfrm>
-            <a:off x="23850600" y="17391676"/>
-            <a:ext cx="8335107" cy="830997"/>
+            <a:off x="29603700" y="23584951"/>
+            <a:ext cx="6934200" cy="3733800"/>
           </a:xfrm>
           <a:prstGeom prst="rect">
             <a:avLst/>
           </a:prstGeom>
+          <a:solidFill>
+            <a:schemeClr val="bg1"/>
+          </a:solidFill>
+          <a:ln>
+            <a:solidFill>
+              <a:schemeClr val="bg1"/>
+            </a:solidFill>
+          </a:ln>
         </p:spPr>
+        <p:style>
+          <a:lnRef idx="2">
+            <a:schemeClr val="accent1">
+              <a:shade val="50000"/>
+            </a:schemeClr>
+          </a:lnRef>
+          <a:fillRef idx="1">
+            <a:schemeClr val="accent1"/>
+          </a:fillRef>
+          <a:effectRef idx="0">
+            <a:schemeClr val="accent1"/>
+          </a:effectRef>
+          <a:fontRef idx="minor">
+            <a:schemeClr val="lt1"/>
+          </a:fontRef>
+        </p:style>
         <p:txBody>
-          <a:bodyPr vert="horz" wrap="square" lIns="0" tIns="0" rIns="0" bIns="0" rtlCol="0">
-            <a:spAutoFit/>
-          </a:bodyPr>
-          <a:lstStyle>
-            <a:lvl1pPr marL="0" indent="0" algn="l" defTabSz="2438361" rtl="0" eaLnBrk="1" latinLnBrk="0" hangingPunct="1">
-              <a:lnSpc>
-                <a:spcPct val="100000"/>
-              </a:lnSpc>
-              <a:spcBef>
-                <a:spcPts val="0"/>
-              </a:spcBef>
-              <a:spcAft>
-                <a:spcPts val="2500"/>
-              </a:spcAft>
-              <a:buClr>
-                <a:schemeClr val="accent3"/>
-              </a:buClr>
-              <a:buSzPct val="120000"/>
-              <a:buFont typeface="Wingdings" charset="2"/>
-              <a:buNone/>
-              <a:defRPr sz="5400" b="1" i="0" kern="1200" cap="all" baseline="0">
-                <a:solidFill>
-                  <a:schemeClr val="tx1"/>
-                </a:solidFill>
-                <a:latin typeface="Franklin Gothic Book" panose="020B0503020102020204" pitchFamily="34" charset="0"/>
-                <a:ea typeface="Franklin Gothic Book" panose="020B0503020102020204" pitchFamily="34" charset="0"/>
-                <a:cs typeface="Franklin Gothic Book" panose="020B0503020102020204" pitchFamily="34" charset="0"/>
-              </a:defRPr>
-            </a:lvl1pPr>
-            <a:lvl2pPr marL="914362" indent="-571477" algn="l" defTabSz="2438361" rtl="0" eaLnBrk="1" latinLnBrk="0" hangingPunct="1">
-              <a:lnSpc>
-                <a:spcPts val="5300"/>
-              </a:lnSpc>
-              <a:spcBef>
-                <a:spcPts val="0"/>
-              </a:spcBef>
-              <a:spcAft>
-                <a:spcPts val="2500"/>
-              </a:spcAft>
-              <a:buClr>
-                <a:schemeClr val="accent3"/>
-              </a:buClr>
-              <a:buSzPct val="120000"/>
-              <a:buFont typeface="Wingdings" charset="2"/>
-              <a:buChar char="§"/>
-              <a:defRPr sz="3300" b="0" i="0" kern="1200">
-                <a:solidFill>
-                  <a:schemeClr val="tx1"/>
-                </a:solidFill>
-                <a:latin typeface="Franklin Gothic Book" panose="020B0503020102020204" pitchFamily="34" charset="0"/>
-                <a:ea typeface="Franklin Gothic Book" panose="020B0503020102020204" pitchFamily="34" charset="0"/>
-                <a:cs typeface="Franklin Gothic Book" panose="020B0503020102020204" pitchFamily="34" charset="0"/>
-              </a:defRPr>
-            </a:lvl2pPr>
-            <a:lvl3pPr marL="1462978" indent="-571477" algn="l" defTabSz="2438361" rtl="0" eaLnBrk="1" latinLnBrk="0" hangingPunct="1">
-              <a:lnSpc>
-                <a:spcPts val="5300"/>
-              </a:lnSpc>
-              <a:spcBef>
-                <a:spcPts val="0"/>
-              </a:spcBef>
-              <a:spcAft>
-                <a:spcPts val="2500"/>
-              </a:spcAft>
-              <a:buClr>
-                <a:schemeClr val="accent3"/>
-              </a:buClr>
-              <a:buSzPct val="120000"/>
-              <a:buFont typeface="Wingdings" charset="2"/>
-              <a:buChar char="§"/>
-              <a:defRPr sz="3300" b="0" i="0" kern="1200">
-                <a:solidFill>
-                  <a:schemeClr val="tx1"/>
-                </a:solidFill>
-                <a:latin typeface="Franklin Gothic Book" panose="020B0503020102020204" pitchFamily="34" charset="0"/>
-                <a:ea typeface="Franklin Gothic Book" panose="020B0503020102020204" pitchFamily="34" charset="0"/>
-                <a:cs typeface="Franklin Gothic Book" panose="020B0503020102020204" pitchFamily="34" charset="0"/>
-              </a:defRPr>
-            </a:lvl3pPr>
-            <a:lvl4pPr marL="2103032" indent="-571477" algn="l" defTabSz="2438361" rtl="0" eaLnBrk="1" latinLnBrk="0" hangingPunct="1">
-              <a:lnSpc>
-                <a:spcPts val="5300"/>
-              </a:lnSpc>
-              <a:spcBef>
-                <a:spcPts val="0"/>
-              </a:spcBef>
-              <a:spcAft>
-                <a:spcPts val="2500"/>
-              </a:spcAft>
-              <a:buClr>
-                <a:schemeClr val="accent3"/>
-              </a:buClr>
-              <a:buSzPct val="120000"/>
-              <a:buFont typeface="Wingdings" charset="2"/>
-              <a:buChar char="§"/>
-              <a:defRPr sz="3300" b="0" i="0" kern="1200">
-                <a:solidFill>
-                  <a:schemeClr val="tx1"/>
-                </a:solidFill>
-                <a:latin typeface="Franklin Gothic Book" panose="020B0503020102020204" pitchFamily="34" charset="0"/>
-                <a:ea typeface="Franklin Gothic Book" panose="020B0503020102020204" pitchFamily="34" charset="0"/>
-                <a:cs typeface="Franklin Gothic Book" panose="020B0503020102020204" pitchFamily="34" charset="0"/>
-              </a:defRPr>
-            </a:lvl4pPr>
-            <a:lvl5pPr marL="2651650" indent="-571477" algn="l" defTabSz="2438361" rtl="0" eaLnBrk="1" latinLnBrk="0" hangingPunct="1">
-              <a:lnSpc>
-                <a:spcPts val="5300"/>
-              </a:lnSpc>
-              <a:spcBef>
-                <a:spcPts val="0"/>
-              </a:spcBef>
-              <a:spcAft>
-                <a:spcPts val="2500"/>
-              </a:spcAft>
-              <a:buClr>
-                <a:schemeClr val="accent3"/>
-              </a:buClr>
-              <a:buSzPct val="120000"/>
-              <a:buFont typeface="Wingdings" charset="2"/>
-              <a:buChar char="§"/>
-              <a:defRPr sz="3300" b="0" i="0" kern="1200">
-                <a:solidFill>
-                  <a:schemeClr val="tx1"/>
-                </a:solidFill>
-                <a:latin typeface="Franklin Gothic Book" panose="020B0503020102020204" pitchFamily="34" charset="0"/>
-                <a:ea typeface="Franklin Gothic Book" panose="020B0503020102020204" pitchFamily="34" charset="0"/>
-                <a:cs typeface="Franklin Gothic Book" panose="020B0503020102020204" pitchFamily="34" charset="0"/>
-              </a:defRPr>
-            </a:lvl5pPr>
-            <a:lvl6pPr marL="6705487" indent="-609589" algn="l" defTabSz="2438361" rtl="0" eaLnBrk="1" latinLnBrk="0" hangingPunct="1">
-              <a:spcBef>
-                <a:spcPct val="20000"/>
-              </a:spcBef>
-              <a:buFont typeface="Arial" panose="020B0604020202020204" pitchFamily="34" charset="0"/>
-              <a:buChar char="•"/>
-              <a:defRPr sz="5300" kern="1200">
-                <a:solidFill>
-                  <a:schemeClr val="tx1"/>
-                </a:solidFill>
-                <a:latin typeface="+mn-lt"/>
-                <a:ea typeface="+mn-ea"/>
-                <a:cs typeface="+mn-cs"/>
-              </a:defRPr>
-            </a:lvl6pPr>
-            <a:lvl7pPr marL="7924669" indent="-609589" algn="l" defTabSz="2438361" rtl="0" eaLnBrk="1" latinLnBrk="0" hangingPunct="1">
-              <a:spcBef>
-                <a:spcPct val="20000"/>
-              </a:spcBef>
-              <a:buFont typeface="Arial" panose="020B0604020202020204" pitchFamily="34" charset="0"/>
-              <a:buChar char="•"/>
-              <a:defRPr sz="5300" kern="1200">
-                <a:solidFill>
-                  <a:schemeClr val="tx1"/>
-                </a:solidFill>
-                <a:latin typeface="+mn-lt"/>
-                <a:ea typeface="+mn-ea"/>
-                <a:cs typeface="+mn-cs"/>
-              </a:defRPr>
-            </a:lvl7pPr>
-            <a:lvl8pPr marL="9143849" indent="-609589" algn="l" defTabSz="2438361" rtl="0" eaLnBrk="1" latinLnBrk="0" hangingPunct="1">
-              <a:spcBef>
-                <a:spcPct val="20000"/>
-              </a:spcBef>
-              <a:buFont typeface="Arial" panose="020B0604020202020204" pitchFamily="34" charset="0"/>
-              <a:buChar char="•"/>
-              <a:defRPr sz="5300" kern="1200">
-                <a:solidFill>
-                  <a:schemeClr val="tx1"/>
-                </a:solidFill>
-                <a:latin typeface="+mn-lt"/>
-                <a:ea typeface="+mn-ea"/>
-                <a:cs typeface="+mn-cs"/>
-              </a:defRPr>
-            </a:lvl8pPr>
-            <a:lvl9pPr marL="10363028" indent="-609589" algn="l" defTabSz="2438361" rtl="0" eaLnBrk="1" latinLnBrk="0" hangingPunct="1">
-              <a:spcBef>
-                <a:spcPct val="20000"/>
-              </a:spcBef>
-              <a:buFont typeface="Arial" panose="020B0604020202020204" pitchFamily="34" charset="0"/>
-              <a:buChar char="•"/>
-              <a:defRPr sz="5300" kern="1200">
-                <a:solidFill>
-                  <a:schemeClr val="tx1"/>
-                </a:solidFill>
-                <a:latin typeface="+mn-lt"/>
-                <a:ea typeface="+mn-ea"/>
-                <a:cs typeface="+mn-cs"/>
-              </a:defRPr>
-            </a:lvl9pPr>
-          </a:lstStyle>
+          <a:bodyPr rtlCol="0" anchor="ctr"/>
+          <a:lstStyle/>
           <a:p>
-            <a:r>
-              <a:rPr lang="en-US" dirty="0"/>
-              <a:t>Impact of design</a:t>
-            </a:r>
-          </a:p>
-        </p:txBody>
-      </p:sp>
-      <p:sp>
-        <p:nvSpPr>
-          <p:cNvPr id="24" name="Text Placeholder 1">
-            <a:extLst>
-              <a:ext uri="{FF2B5EF4-FFF2-40B4-BE49-F238E27FC236}">
-                <a16:creationId xmlns:a16="http://schemas.microsoft.com/office/drawing/2014/main" id="{08E2203C-4C5D-4844-8C19-D1E8E9028A5A}"/>
-              </a:ext>
-            </a:extLst>
-          </p:cNvPr>
-          <p:cNvSpPr txBox="1">
-            <a:spLocks/>
-          </p:cNvSpPr>
-          <p:nvPr/>
-        </p:nvSpPr>
-        <p:spPr>
-          <a:xfrm>
-            <a:off x="23872371" y="23520867"/>
-            <a:ext cx="8335107" cy="830997"/>
-          </a:xfrm>
-          <a:prstGeom prst="rect">
-            <a:avLst/>
-          </a:prstGeom>
-        </p:spPr>
-        <p:txBody>
-          <a:bodyPr vert="horz" wrap="square" lIns="0" tIns="0" rIns="0" bIns="0" rtlCol="0">
-            <a:spAutoFit/>
-          </a:bodyPr>
-          <a:lstStyle>
-            <a:lvl1pPr marL="0" indent="0" algn="l" defTabSz="2438361" rtl="0" eaLnBrk="1" latinLnBrk="0" hangingPunct="1">
-              <a:lnSpc>
-                <a:spcPct val="100000"/>
-              </a:lnSpc>
-              <a:spcBef>
-                <a:spcPts val="0"/>
-              </a:spcBef>
-              <a:spcAft>
-                <a:spcPts val="2500"/>
-              </a:spcAft>
-              <a:buClr>
-                <a:schemeClr val="accent3"/>
-              </a:buClr>
-              <a:buSzPct val="120000"/>
-              <a:buFont typeface="Wingdings" charset="2"/>
-              <a:buNone/>
-              <a:defRPr sz="5400" b="1" i="0" kern="1200" cap="all" baseline="0">
-                <a:solidFill>
-                  <a:schemeClr val="tx1"/>
-                </a:solidFill>
-                <a:latin typeface="Franklin Gothic Book" panose="020B0503020102020204" pitchFamily="34" charset="0"/>
-                <a:ea typeface="Franklin Gothic Book" panose="020B0503020102020204" pitchFamily="34" charset="0"/>
-                <a:cs typeface="Franklin Gothic Book" panose="020B0503020102020204" pitchFamily="34" charset="0"/>
-              </a:defRPr>
-            </a:lvl1pPr>
-            <a:lvl2pPr marL="914362" indent="-571477" algn="l" defTabSz="2438361" rtl="0" eaLnBrk="1" latinLnBrk="0" hangingPunct="1">
-              <a:lnSpc>
-                <a:spcPts val="5300"/>
-              </a:lnSpc>
-              <a:spcBef>
-                <a:spcPts val="0"/>
-              </a:spcBef>
-              <a:spcAft>
-                <a:spcPts val="2500"/>
-              </a:spcAft>
-              <a:buClr>
-                <a:schemeClr val="accent3"/>
-              </a:buClr>
-              <a:buSzPct val="120000"/>
-              <a:buFont typeface="Wingdings" charset="2"/>
-              <a:buChar char="§"/>
-              <a:defRPr sz="3300" b="0" i="0" kern="1200">
-                <a:solidFill>
-                  <a:schemeClr val="tx1"/>
-                </a:solidFill>
-                <a:latin typeface="Franklin Gothic Book" panose="020B0503020102020204" pitchFamily="34" charset="0"/>
-                <a:ea typeface="Franklin Gothic Book" panose="020B0503020102020204" pitchFamily="34" charset="0"/>
-                <a:cs typeface="Franklin Gothic Book" panose="020B0503020102020204" pitchFamily="34" charset="0"/>
-              </a:defRPr>
-            </a:lvl2pPr>
-            <a:lvl3pPr marL="1462978" indent="-571477" algn="l" defTabSz="2438361" rtl="0" eaLnBrk="1" latinLnBrk="0" hangingPunct="1">
-              <a:lnSpc>
-                <a:spcPts val="5300"/>
-              </a:lnSpc>
-              <a:spcBef>
-                <a:spcPts val="0"/>
-              </a:spcBef>
-              <a:spcAft>
-                <a:spcPts val="2500"/>
-              </a:spcAft>
-              <a:buClr>
-                <a:schemeClr val="accent3"/>
-              </a:buClr>
-              <a:buSzPct val="120000"/>
-              <a:buFont typeface="Wingdings" charset="2"/>
-              <a:buChar char="§"/>
-              <a:defRPr sz="3300" b="0" i="0" kern="1200">
-                <a:solidFill>
-                  <a:schemeClr val="tx1"/>
-                </a:solidFill>
-                <a:latin typeface="Franklin Gothic Book" panose="020B0503020102020204" pitchFamily="34" charset="0"/>
-                <a:ea typeface="Franklin Gothic Book" panose="020B0503020102020204" pitchFamily="34" charset="0"/>
-                <a:cs typeface="Franklin Gothic Book" panose="020B0503020102020204" pitchFamily="34" charset="0"/>
-              </a:defRPr>
-            </a:lvl3pPr>
-            <a:lvl4pPr marL="2103032" indent="-571477" algn="l" defTabSz="2438361" rtl="0" eaLnBrk="1" latinLnBrk="0" hangingPunct="1">
-              <a:lnSpc>
-                <a:spcPts val="5300"/>
-              </a:lnSpc>
-              <a:spcBef>
-                <a:spcPts val="0"/>
-              </a:spcBef>
-              <a:spcAft>
-                <a:spcPts val="2500"/>
-              </a:spcAft>
-              <a:buClr>
-                <a:schemeClr val="accent3"/>
-              </a:buClr>
-              <a:buSzPct val="120000"/>
-              <a:buFont typeface="Wingdings" charset="2"/>
-              <a:buChar char="§"/>
-              <a:defRPr sz="3300" b="0" i="0" kern="1200">
-                <a:solidFill>
-                  <a:schemeClr val="tx1"/>
-                </a:solidFill>
-                <a:latin typeface="Franklin Gothic Book" panose="020B0503020102020204" pitchFamily="34" charset="0"/>
-                <a:ea typeface="Franklin Gothic Book" panose="020B0503020102020204" pitchFamily="34" charset="0"/>
-                <a:cs typeface="Franklin Gothic Book" panose="020B0503020102020204" pitchFamily="34" charset="0"/>
-              </a:defRPr>
-            </a:lvl4pPr>
-            <a:lvl5pPr marL="2651650" indent="-571477" algn="l" defTabSz="2438361" rtl="0" eaLnBrk="1" latinLnBrk="0" hangingPunct="1">
-              <a:lnSpc>
-                <a:spcPts val="5300"/>
-              </a:lnSpc>
-              <a:spcBef>
-                <a:spcPts val="0"/>
-              </a:spcBef>
-              <a:spcAft>
-                <a:spcPts val="2500"/>
-              </a:spcAft>
-              <a:buClr>
-                <a:schemeClr val="accent3"/>
-              </a:buClr>
-              <a:buSzPct val="120000"/>
-              <a:buFont typeface="Wingdings" charset="2"/>
-              <a:buChar char="§"/>
-              <a:defRPr sz="3300" b="0" i="0" kern="1200">
-                <a:solidFill>
-                  <a:schemeClr val="tx1"/>
-                </a:solidFill>
-                <a:latin typeface="Franklin Gothic Book" panose="020B0503020102020204" pitchFamily="34" charset="0"/>
-                <a:ea typeface="Franklin Gothic Book" panose="020B0503020102020204" pitchFamily="34" charset="0"/>
-                <a:cs typeface="Franklin Gothic Book" panose="020B0503020102020204" pitchFamily="34" charset="0"/>
-              </a:defRPr>
-            </a:lvl5pPr>
-            <a:lvl6pPr marL="6705487" indent="-609589" algn="l" defTabSz="2438361" rtl="0" eaLnBrk="1" latinLnBrk="0" hangingPunct="1">
-              <a:spcBef>
-                <a:spcPct val="20000"/>
-              </a:spcBef>
-              <a:buFont typeface="Arial" panose="020B0604020202020204" pitchFamily="34" charset="0"/>
-              <a:buChar char="•"/>
-              <a:defRPr sz="5300" kern="1200">
-                <a:solidFill>
-                  <a:schemeClr val="tx1"/>
-                </a:solidFill>
-                <a:latin typeface="+mn-lt"/>
-                <a:ea typeface="+mn-ea"/>
-                <a:cs typeface="+mn-cs"/>
-              </a:defRPr>
-            </a:lvl6pPr>
-            <a:lvl7pPr marL="7924669" indent="-609589" algn="l" defTabSz="2438361" rtl="0" eaLnBrk="1" latinLnBrk="0" hangingPunct="1">
-              <a:spcBef>
-                <a:spcPct val="20000"/>
-              </a:spcBef>
-              <a:buFont typeface="Arial" panose="020B0604020202020204" pitchFamily="34" charset="0"/>
-              <a:buChar char="•"/>
-              <a:defRPr sz="5300" kern="1200">
-                <a:solidFill>
-                  <a:schemeClr val="tx1"/>
-                </a:solidFill>
-                <a:latin typeface="+mn-lt"/>
-                <a:ea typeface="+mn-ea"/>
-                <a:cs typeface="+mn-cs"/>
-              </a:defRPr>
-            </a:lvl7pPr>
-            <a:lvl8pPr marL="9143849" indent="-609589" algn="l" defTabSz="2438361" rtl="0" eaLnBrk="1" latinLnBrk="0" hangingPunct="1">
-              <a:spcBef>
-                <a:spcPct val="20000"/>
-              </a:spcBef>
-              <a:buFont typeface="Arial" panose="020B0604020202020204" pitchFamily="34" charset="0"/>
-              <a:buChar char="•"/>
-              <a:defRPr sz="5300" kern="1200">
-                <a:solidFill>
-                  <a:schemeClr val="tx1"/>
-                </a:solidFill>
-                <a:latin typeface="+mn-lt"/>
-                <a:ea typeface="+mn-ea"/>
-                <a:cs typeface="+mn-cs"/>
-              </a:defRPr>
-            </a:lvl8pPr>
-            <a:lvl9pPr marL="10363028" indent="-609589" algn="l" defTabSz="2438361" rtl="0" eaLnBrk="1" latinLnBrk="0" hangingPunct="1">
-              <a:spcBef>
-                <a:spcPct val="20000"/>
-              </a:spcBef>
-              <a:buFont typeface="Arial" panose="020B0604020202020204" pitchFamily="34" charset="0"/>
-              <a:buChar char="•"/>
-              <a:defRPr sz="5300" kern="1200">
-                <a:solidFill>
-                  <a:schemeClr val="tx1"/>
-                </a:solidFill>
-                <a:latin typeface="+mn-lt"/>
-                <a:ea typeface="+mn-ea"/>
-                <a:cs typeface="+mn-cs"/>
-              </a:defRPr>
-            </a:lvl9pPr>
-          </a:lstStyle>
-          <a:p>
-            <a:r>
-              <a:rPr lang="en-US" dirty="0"/>
-              <a:t>Acknowledgements</a:t>
-            </a:r>
+            <a:pPr algn="ctr"/>
+            <a:endParaRPr lang="en-US" dirty="0"/>
           </a:p>
         </p:txBody>
       </p:sp>

--- a/docs/prez/expo poster.pptx
+++ b/docs/prez/expo poster.pptx
@@ -122,7 +122,18 @@
       </p14:sectionLst>
     </p:ext>
     <p:ext uri="{EFAFB233-063F-42B5-8137-9DF3F51BA10A}">
-      <p15:sldGuideLst xmlns:p15="http://schemas.microsoft.com/office/powerpoint/2012/main"/>
+      <p15:sldGuideLst xmlns:p15="http://schemas.microsoft.com/office/powerpoint/2012/main">
+        <p15:guide id="1" orient="horz" pos="8640" userDrawn="1">
+          <p15:clr>
+            <a:srgbClr val="A4A3A4"/>
+          </p15:clr>
+        </p15:guide>
+        <p15:guide id="2" pos="11520" userDrawn="1">
+          <p15:clr>
+            <a:srgbClr val="A4A3A4"/>
+          </p15:clr>
+        </p15:guide>
+      </p15:sldGuideLst>
     </p:ext>
     <p:ext uri="{2D200454-40CA-4A62-9FC3-DE9A4176ACB9}">
       <p15:notesGuideLst xmlns:p15="http://schemas.microsoft.com/office/powerpoint/2012/main"/>
@@ -3096,6 +3107,60 @@
       </p:grpSpPr>
       <p:sp>
         <p:nvSpPr>
+          <p:cNvPr id="8" name="Rectangle 7">
+            <a:extLst>
+              <a:ext uri="{FF2B5EF4-FFF2-40B4-BE49-F238E27FC236}">
+                <a16:creationId xmlns:a16="http://schemas.microsoft.com/office/drawing/2014/main" id="{FB955D59-81D9-4847-B5C9-95F65E1DA92A}"/>
+              </a:ext>
+            </a:extLst>
+          </p:cNvPr>
+          <p:cNvSpPr/>
+          <p:nvPr/>
+        </p:nvSpPr>
+        <p:spPr>
+          <a:xfrm>
+            <a:off x="29603700" y="23584951"/>
+            <a:ext cx="6934200" cy="3733800"/>
+          </a:xfrm>
+          <a:prstGeom prst="rect">
+            <a:avLst/>
+          </a:prstGeom>
+          <a:solidFill>
+            <a:schemeClr val="bg1"/>
+          </a:solidFill>
+          <a:ln>
+            <a:solidFill>
+              <a:schemeClr val="bg1"/>
+            </a:solidFill>
+          </a:ln>
+        </p:spPr>
+        <p:style>
+          <a:lnRef idx="2">
+            <a:schemeClr val="accent1">
+              <a:shade val="50000"/>
+            </a:schemeClr>
+          </a:lnRef>
+          <a:fillRef idx="1">
+            <a:schemeClr val="accent1"/>
+          </a:fillRef>
+          <a:effectRef idx="0">
+            <a:schemeClr val="accent1"/>
+          </a:effectRef>
+          <a:fontRef idx="minor">
+            <a:schemeClr val="lt1"/>
+          </a:fontRef>
+        </p:style>
+        <p:txBody>
+          <a:bodyPr rtlCol="0" anchor="ctr"/>
+          <a:lstStyle/>
+          <a:p>
+            <a:pPr algn="ctr"/>
+            <a:endParaRPr lang="en-US" dirty="0"/>
+          </a:p>
+        </p:txBody>
+      </p:sp>
+      <p:sp>
+        <p:nvSpPr>
           <p:cNvPr id="4" name="Text Placeholder 3">
             <a:extLst>
               <a:ext uri="{FF2B5EF4-FFF2-40B4-BE49-F238E27FC236}">
@@ -3112,8 +3177,8 @@
         </p:nvSpPr>
         <p:spPr>
           <a:xfrm>
-            <a:off x="26776827" y="4541923"/>
-            <a:ext cx="10399432" cy="15419606"/>
+            <a:off x="25610306" y="4572000"/>
+            <a:ext cx="10051294" cy="11403122"/>
           </a:xfrm>
         </p:spPr>
         <p:txBody>
@@ -3124,10 +3189,13 @@
               <a:lnSpc>
                 <a:spcPct val="100000"/>
               </a:lnSpc>
+              <a:spcAft>
+                <a:spcPts val="1800"/>
+              </a:spcAft>
             </a:pPr>
             <a:r>
               <a:rPr lang="en-US" dirty="0"/>
-              <a:t>24-bit Load Cell Interface X3</a:t>
+              <a:t>USB 2.0 Embedded Host for Bulk Data Transfer &amp; Human Interface Devices</a:t>
             </a:r>
           </a:p>
           <a:p>
@@ -3135,21 +3203,21 @@
               <a:lnSpc>
                 <a:spcPct val="100000"/>
               </a:lnSpc>
+              <a:spcAft>
+                <a:spcPts val="1800"/>
+              </a:spcAft>
             </a:pPr>
             <a:r>
               <a:rPr lang="en-US" dirty="0"/>
-              <a:t>USB 2.0 Embedded Host Interface</a:t>
-            </a:r>
-          </a:p>
-          <a:p>
-            <a:pPr lvl="1">
-              <a:lnSpc>
-                <a:spcPct val="100000"/>
-              </a:lnSpc>
-            </a:pPr>
-            <a:r>
-              <a:rPr lang="en-US" dirty="0"/>
-              <a:t>Supports flash drives &amp; barcode scanner</a:t>
+              <a:t>Three 24-bit ∆</a:t>
+            </a:r>
+            <a:r>
+              <a:rPr lang="el-GR" dirty="0"/>
+              <a:t>Σ</a:t>
+            </a:r>
+            <a:r>
+              <a:rPr lang="en-US" dirty="0"/>
+              <a:t> ADC Channels for Fluke Load Cell Force Measurements</a:t>
             </a:r>
           </a:p>
           <a:p>
@@ -3157,21 +3225,13 @@
               <a:lnSpc>
                 <a:spcPct val="100000"/>
               </a:lnSpc>
+              <a:spcAft>
+                <a:spcPts val="1800"/>
+              </a:spcAft>
             </a:pPr>
             <a:r>
               <a:rPr lang="en-US" dirty="0"/>
-              <a:t>Rotary/Linear Encoder Interface</a:t>
-            </a:r>
-          </a:p>
-          <a:p>
-            <a:pPr lvl="1">
-              <a:lnSpc>
-                <a:spcPct val="100000"/>
-              </a:lnSpc>
-            </a:pPr>
-            <a:r>
-              <a:rPr lang="en-US" dirty="0"/>
-              <a:t>Configurable for 3.3V/5V</a:t>
+              <a:t>Graphic Processing Unit for 800x480 7” TFT LCD GUI Control and Resistive Touchscreen Feedback</a:t>
             </a:r>
           </a:p>
           <a:p>
@@ -3179,10 +3239,13 @@
               <a:lnSpc>
                 <a:spcPct val="100000"/>
               </a:lnSpc>
+              <a:spcAft>
+                <a:spcPts val="1800"/>
+              </a:spcAft>
             </a:pPr>
             <a:r>
               <a:rPr lang="en-US" dirty="0"/>
-              <a:t>Ultrasonic Ranging Module Interface</a:t>
+              <a:t>160W DC Motor Driver for Linear Actuator Control</a:t>
             </a:r>
           </a:p>
           <a:p>
@@ -3190,10 +3253,13 @@
               <a:lnSpc>
                 <a:spcPct val="100000"/>
               </a:lnSpc>
+              <a:spcAft>
+                <a:spcPts val="1800"/>
+              </a:spcAft>
             </a:pPr>
             <a:r>
               <a:rPr lang="en-US" dirty="0"/>
-              <a:t>Embedded Temperature and Humidity Sensor</a:t>
+              <a:t>SD Card for Non-volatile Embedded Data Storage</a:t>
             </a:r>
           </a:p>
           <a:p>
@@ -3201,21 +3267,13 @@
               <a:lnSpc>
                 <a:spcPct val="100000"/>
               </a:lnSpc>
+              <a:spcAft>
+                <a:spcPts val="1800"/>
+              </a:spcAft>
             </a:pPr>
             <a:r>
               <a:rPr lang="en-US" dirty="0"/>
-              <a:t>Embedded Accelerometer</a:t>
-            </a:r>
-          </a:p>
-          <a:p>
-            <a:pPr lvl="1">
-              <a:lnSpc>
-                <a:spcPct val="100000"/>
-              </a:lnSpc>
-            </a:pPr>
-            <a:r>
-              <a:rPr lang="en-US" dirty="0"/>
-              <a:t>Provides tilt/angle of unit</a:t>
+              <a:t>Configurable 3.3V/5V Rotary Encoder Interface</a:t>
             </a:r>
           </a:p>
           <a:p>
@@ -3223,14 +3281,13 @@
               <a:lnSpc>
                 <a:spcPct val="100000"/>
               </a:lnSpc>
+              <a:spcAft>
+                <a:spcPts val="1800"/>
+              </a:spcAft>
             </a:pPr>
             <a:r>
-              <a:rPr lang="en-US" dirty="0" err="1"/>
-              <a:t>uSD</a:t>
-            </a:r>
-            <a:r>
-              <a:rPr lang="en-US" dirty="0"/>
-              <a:t> Card Interface</a:t>
+              <a:rPr lang="en-US" dirty="0"/>
+              <a:t>ADC for Linear Actuator Positioning Potentiometer</a:t>
             </a:r>
           </a:p>
           <a:p>
@@ -3238,32 +3295,13 @@
               <a:lnSpc>
                 <a:spcPct val="100000"/>
               </a:lnSpc>
+              <a:spcAft>
+                <a:spcPts val="1800"/>
+              </a:spcAft>
             </a:pPr>
             <a:r>
               <a:rPr lang="en-US" dirty="0"/>
-              <a:t>Embedded Graphic Processing Unit</a:t>
-            </a:r>
-          </a:p>
-          <a:p>
-            <a:pPr lvl="1">
-              <a:lnSpc>
-                <a:spcPct val="100000"/>
-              </a:lnSpc>
-            </a:pPr>
-            <a:r>
-              <a:rPr lang="en-US" dirty="0"/>
-              <a:t>Creates GUI on 800x480 7” TFT LCD</a:t>
-            </a:r>
-          </a:p>
-          <a:p>
-            <a:pPr lvl="1">
-              <a:lnSpc>
-                <a:spcPct val="100000"/>
-              </a:lnSpc>
-            </a:pPr>
-            <a:r>
-              <a:rPr lang="en-US" dirty="0"/>
-              <a:t>Supports resistive touchscreen</a:t>
+              <a:t>GPS Receiver with Onboard Antenna for Time, Date, and Test Location</a:t>
             </a:r>
           </a:p>
           <a:p>
@@ -3271,21 +3309,13 @@
               <a:lnSpc>
                 <a:spcPct val="100000"/>
               </a:lnSpc>
+              <a:spcAft>
+                <a:spcPts val="1800"/>
+              </a:spcAft>
             </a:pPr>
             <a:r>
               <a:rPr lang="en-US" dirty="0"/>
-              <a:t>GNSS Receiver w/ Onboard Antenna</a:t>
-            </a:r>
-          </a:p>
-          <a:p>
-            <a:pPr lvl="1">
-              <a:lnSpc>
-                <a:spcPct val="100000"/>
-              </a:lnSpc>
-            </a:pPr>
-            <a:r>
-              <a:rPr lang="en-US" dirty="0"/>
-              <a:t>Provides time, date, and location data</a:t>
+              <a:t>Ultrasonic Ranging Module Interface</a:t>
             </a:r>
           </a:p>
           <a:p>
@@ -3293,14 +3323,13 @@
               <a:lnSpc>
                 <a:spcPct val="100000"/>
               </a:lnSpc>
+              <a:spcAft>
+                <a:spcPts val="1800"/>
+              </a:spcAft>
             </a:pPr>
             <a:r>
-              <a:rPr lang="en-US" dirty="0" err="1"/>
-              <a:t>microUSB</a:t>
-            </a:r>
-            <a:r>
-              <a:rPr lang="en-US" dirty="0"/>
-              <a:t> Power Port</a:t>
+              <a:rPr lang="en-US" dirty="0"/>
+              <a:t>Accelerometer for Tilt Measurement</a:t>
             </a:r>
           </a:p>
           <a:p>
@@ -3308,10 +3337,13 @@
               <a:lnSpc>
                 <a:spcPct val="100000"/>
               </a:lnSpc>
+              <a:spcAft>
+                <a:spcPts val="1800"/>
+              </a:spcAft>
             </a:pPr>
             <a:r>
               <a:rPr lang="en-US" dirty="0"/>
-              <a:t>Onboard stepper motor driver</a:t>
+              <a:t>Temperature and Humidity Sensor</a:t>
             </a:r>
           </a:p>
           <a:p>
@@ -3319,10 +3351,13 @@
               <a:lnSpc>
                 <a:spcPct val="100000"/>
               </a:lnSpc>
+              <a:spcAft>
+                <a:spcPts val="1800"/>
+              </a:spcAft>
             </a:pPr>
             <a:r>
               <a:rPr lang="en-US" dirty="0"/>
-              <a:t>Onboard DC motor driver</a:t>
+              <a:t>Stepper Motor Controller</a:t>
             </a:r>
           </a:p>
           <a:p>
@@ -3330,10 +3365,13 @@
               <a:lnSpc>
                 <a:spcPct val="100000"/>
               </a:lnSpc>
+              <a:spcAft>
+                <a:spcPts val="1800"/>
+              </a:spcAft>
             </a:pPr>
             <a:r>
               <a:rPr lang="en-US" dirty="0"/>
-              <a:t>Peripheral Header for Daughter Module</a:t>
+              <a:t>USB Power Port</a:t>
             </a:r>
           </a:p>
         </p:txBody>
@@ -3354,19 +3392,34 @@
             <p:ph type="title"/>
           </p:nvPr>
         </p:nvSpPr>
-        <p:spPr/>
+        <p:spPr>
+          <a:xfrm>
+            <a:off x="9287497" y="304799"/>
+            <a:ext cx="23935703" cy="3124200"/>
+          </a:xfrm>
+        </p:spPr>
         <p:txBody>
-          <a:bodyPr/>
+          <a:bodyPr>
+            <a:normAutofit/>
+          </a:bodyPr>
           <a:lstStyle/>
           <a:p>
             <a:r>
-              <a:rPr lang="en-US" dirty="0"/>
+              <a:rPr lang="en-US" sz="9600" dirty="0"/>
               <a:t>cereal grain Data Acquisition device</a:t>
             </a:r>
             <a:br>
               <a:rPr lang="en-US" dirty="0"/>
             </a:br>
-            <a:endParaRPr lang="en-US" dirty="0"/>
+            <a:r>
+              <a:rPr lang="en-US" sz="4800" b="0" dirty="0"/>
+              <a:t>Designed by Ryan Donahue &amp; Kennedy </a:t>
+            </a:r>
+            <a:r>
+              <a:rPr lang="en-US" sz="4800" b="0" dirty="0" err="1"/>
+              <a:t>Caisley</a:t>
+            </a:r>
+            <a:endParaRPr lang="en-US" sz="4800" b="0" dirty="0"/>
           </a:p>
         </p:txBody>
       </p:sp>
@@ -3386,7 +3439,7 @@
         </p:nvSpPr>
         <p:spPr>
           <a:xfrm>
-            <a:off x="708027" y="3462865"/>
+            <a:off x="896520" y="3462865"/>
             <a:ext cx="8018880" cy="830997"/>
           </a:xfrm>
           <a:prstGeom prst="rect">
@@ -3587,7 +3640,7 @@
           <a:p>
             <a:r>
               <a:rPr lang="en-US" dirty="0"/>
-              <a:t>Project SCOPE</a:t>
+              <a:t>Project Background</a:t>
             </a:r>
           </a:p>
         </p:txBody>
@@ -3608,8 +3661,8 @@
         </p:nvSpPr>
         <p:spPr>
           <a:xfrm>
-            <a:off x="762001" y="4285396"/>
-            <a:ext cx="12214666" cy="5005729"/>
+            <a:off x="924166" y="4285396"/>
+            <a:ext cx="10034800" cy="4005455"/>
           </a:xfrm>
           <a:prstGeom prst="rect">
             <a:avLst/>
@@ -3810,11 +3863,8 @@
             <a:pPr algn="just"/>
             <a:r>
               <a:rPr lang="en-US" dirty="0"/>
-              <a:t>Wind-induced crop failure results in economic losses totaling tens of billions of dollars each year. A data acquisition computing platform has been designed that will enable researchers to understand this issue and breed more resilient crop varieties. The device features custom electronics hardware and embedded firmware, with an emphasis on design for manufacturability and reliability.</a:t>
-            </a:r>
-          </a:p>
-          <a:p>
-            <a:endParaRPr lang="en-US" dirty="0"/>
+              <a:t>After more than a century of research, wind induced crop failure remains an unsolved problem resulting in tens of billions of dollars in economic losses each year. Research from the University of Idaho is patenting tools that will allow plant breeders to develop crop varieties highly resistant to stalk failure. </a:t>
+            </a:r>
           </a:p>
         </p:txBody>
       </p:sp>
@@ -3840,8 +3890,8 @@
         </p:blipFill>
         <p:spPr>
           <a:xfrm>
-            <a:off x="13619582" y="15443427"/>
-            <a:ext cx="12138178" cy="5266004"/>
+            <a:off x="11870656" y="12801600"/>
+            <a:ext cx="12821833" cy="8903176"/>
           </a:xfrm>
           <a:prstGeom prst="rect">
             <a:avLst/>
@@ -3870,8 +3920,8 @@
         </p:blipFill>
         <p:spPr>
           <a:xfrm>
-            <a:off x="13619582" y="8780931"/>
-            <a:ext cx="12138178" cy="5620844"/>
+            <a:off x="11890238" y="3657599"/>
+            <a:ext cx="12802251" cy="8079711"/>
           </a:xfrm>
           <a:prstGeom prst="rect">
             <a:avLst/>
@@ -3894,8 +3944,8 @@
         </p:nvSpPr>
         <p:spPr>
           <a:xfrm>
-            <a:off x="26842001" y="3462865"/>
-            <a:ext cx="9733999" cy="830997"/>
+            <a:off x="25594467" y="3462865"/>
+            <a:ext cx="10943433" cy="830997"/>
           </a:xfrm>
           <a:prstGeom prst="rect">
             <a:avLst/>
@@ -4095,451 +4145,7 @@
           <a:p>
             <a:r>
               <a:rPr lang="en-US" dirty="0"/>
-              <a:t>Technical specifications</a:t>
-            </a:r>
-          </a:p>
-        </p:txBody>
-      </p:sp>
-      <p:sp>
-        <p:nvSpPr>
-          <p:cNvPr id="18" name="Text Placeholder 1">
-            <a:extLst>
-              <a:ext uri="{FF2B5EF4-FFF2-40B4-BE49-F238E27FC236}">
-                <a16:creationId xmlns:a16="http://schemas.microsoft.com/office/drawing/2014/main" id="{2AE0D402-ACA1-4941-9B44-225271C5DCB2}"/>
-              </a:ext>
-            </a:extLst>
-          </p:cNvPr>
-          <p:cNvSpPr txBox="1">
-            <a:spLocks/>
-          </p:cNvSpPr>
-          <p:nvPr/>
-        </p:nvSpPr>
-        <p:spPr>
-          <a:xfrm>
-            <a:off x="733427" y="8584618"/>
-            <a:ext cx="9733999" cy="830997"/>
-          </a:xfrm>
-          <a:prstGeom prst="rect">
-            <a:avLst/>
-          </a:prstGeom>
-        </p:spPr>
-        <p:txBody>
-          <a:bodyPr vert="horz" wrap="square" lIns="0" tIns="0" rIns="0" bIns="0" rtlCol="0">
-            <a:spAutoFit/>
-          </a:bodyPr>
-          <a:lstStyle>
-            <a:lvl1pPr marL="0" indent="0" algn="l" defTabSz="2438361" rtl="0" eaLnBrk="1" latinLnBrk="0" hangingPunct="1">
-              <a:lnSpc>
-                <a:spcPct val="100000"/>
-              </a:lnSpc>
-              <a:spcBef>
-                <a:spcPts val="0"/>
-              </a:spcBef>
-              <a:spcAft>
-                <a:spcPts val="2500"/>
-              </a:spcAft>
-              <a:buClr>
-                <a:schemeClr val="accent3"/>
-              </a:buClr>
-              <a:buSzPct val="120000"/>
-              <a:buFont typeface="Wingdings" charset="2"/>
-              <a:buNone/>
-              <a:defRPr sz="5400" b="1" i="0" kern="1200" cap="all" baseline="0">
-                <a:solidFill>
-                  <a:schemeClr val="tx1"/>
-                </a:solidFill>
-                <a:latin typeface="Franklin Gothic Book" panose="020B0503020102020204" pitchFamily="34" charset="0"/>
-                <a:ea typeface="Franklin Gothic Book" panose="020B0503020102020204" pitchFamily="34" charset="0"/>
-                <a:cs typeface="Franklin Gothic Book" panose="020B0503020102020204" pitchFamily="34" charset="0"/>
-              </a:defRPr>
-            </a:lvl1pPr>
-            <a:lvl2pPr marL="914362" indent="-571477" algn="l" defTabSz="2438361" rtl="0" eaLnBrk="1" latinLnBrk="0" hangingPunct="1">
-              <a:lnSpc>
-                <a:spcPts val="5300"/>
-              </a:lnSpc>
-              <a:spcBef>
-                <a:spcPts val="0"/>
-              </a:spcBef>
-              <a:spcAft>
-                <a:spcPts val="2500"/>
-              </a:spcAft>
-              <a:buClr>
-                <a:schemeClr val="accent3"/>
-              </a:buClr>
-              <a:buSzPct val="120000"/>
-              <a:buFont typeface="Wingdings" charset="2"/>
-              <a:buChar char="§"/>
-              <a:defRPr sz="3300" b="0" i="0" kern="1200">
-                <a:solidFill>
-                  <a:schemeClr val="tx1"/>
-                </a:solidFill>
-                <a:latin typeface="Franklin Gothic Book" panose="020B0503020102020204" pitchFamily="34" charset="0"/>
-                <a:ea typeface="Franklin Gothic Book" panose="020B0503020102020204" pitchFamily="34" charset="0"/>
-                <a:cs typeface="Franklin Gothic Book" panose="020B0503020102020204" pitchFamily="34" charset="0"/>
-              </a:defRPr>
-            </a:lvl2pPr>
-            <a:lvl3pPr marL="1462978" indent="-571477" algn="l" defTabSz="2438361" rtl="0" eaLnBrk="1" latinLnBrk="0" hangingPunct="1">
-              <a:lnSpc>
-                <a:spcPts val="5300"/>
-              </a:lnSpc>
-              <a:spcBef>
-                <a:spcPts val="0"/>
-              </a:spcBef>
-              <a:spcAft>
-                <a:spcPts val="2500"/>
-              </a:spcAft>
-              <a:buClr>
-                <a:schemeClr val="accent3"/>
-              </a:buClr>
-              <a:buSzPct val="120000"/>
-              <a:buFont typeface="Wingdings" charset="2"/>
-              <a:buChar char="§"/>
-              <a:defRPr sz="3300" b="0" i="0" kern="1200">
-                <a:solidFill>
-                  <a:schemeClr val="tx1"/>
-                </a:solidFill>
-                <a:latin typeface="Franklin Gothic Book" panose="020B0503020102020204" pitchFamily="34" charset="0"/>
-                <a:ea typeface="Franklin Gothic Book" panose="020B0503020102020204" pitchFamily="34" charset="0"/>
-                <a:cs typeface="Franklin Gothic Book" panose="020B0503020102020204" pitchFamily="34" charset="0"/>
-              </a:defRPr>
-            </a:lvl3pPr>
-            <a:lvl4pPr marL="2103032" indent="-571477" algn="l" defTabSz="2438361" rtl="0" eaLnBrk="1" latinLnBrk="0" hangingPunct="1">
-              <a:lnSpc>
-                <a:spcPts val="5300"/>
-              </a:lnSpc>
-              <a:spcBef>
-                <a:spcPts val="0"/>
-              </a:spcBef>
-              <a:spcAft>
-                <a:spcPts val="2500"/>
-              </a:spcAft>
-              <a:buClr>
-                <a:schemeClr val="accent3"/>
-              </a:buClr>
-              <a:buSzPct val="120000"/>
-              <a:buFont typeface="Wingdings" charset="2"/>
-              <a:buChar char="§"/>
-              <a:defRPr sz="3300" b="0" i="0" kern="1200">
-                <a:solidFill>
-                  <a:schemeClr val="tx1"/>
-                </a:solidFill>
-                <a:latin typeface="Franklin Gothic Book" panose="020B0503020102020204" pitchFamily="34" charset="0"/>
-                <a:ea typeface="Franklin Gothic Book" panose="020B0503020102020204" pitchFamily="34" charset="0"/>
-                <a:cs typeface="Franklin Gothic Book" panose="020B0503020102020204" pitchFamily="34" charset="0"/>
-              </a:defRPr>
-            </a:lvl4pPr>
-            <a:lvl5pPr marL="2651650" indent="-571477" algn="l" defTabSz="2438361" rtl="0" eaLnBrk="1" latinLnBrk="0" hangingPunct="1">
-              <a:lnSpc>
-                <a:spcPts val="5300"/>
-              </a:lnSpc>
-              <a:spcBef>
-                <a:spcPts val="0"/>
-              </a:spcBef>
-              <a:spcAft>
-                <a:spcPts val="2500"/>
-              </a:spcAft>
-              <a:buClr>
-                <a:schemeClr val="accent3"/>
-              </a:buClr>
-              <a:buSzPct val="120000"/>
-              <a:buFont typeface="Wingdings" charset="2"/>
-              <a:buChar char="§"/>
-              <a:defRPr sz="3300" b="0" i="0" kern="1200">
-                <a:solidFill>
-                  <a:schemeClr val="tx1"/>
-                </a:solidFill>
-                <a:latin typeface="Franklin Gothic Book" panose="020B0503020102020204" pitchFamily="34" charset="0"/>
-                <a:ea typeface="Franklin Gothic Book" panose="020B0503020102020204" pitchFamily="34" charset="0"/>
-                <a:cs typeface="Franklin Gothic Book" panose="020B0503020102020204" pitchFamily="34" charset="0"/>
-              </a:defRPr>
-            </a:lvl5pPr>
-            <a:lvl6pPr marL="6705487" indent="-609589" algn="l" defTabSz="2438361" rtl="0" eaLnBrk="1" latinLnBrk="0" hangingPunct="1">
-              <a:spcBef>
-                <a:spcPct val="20000"/>
-              </a:spcBef>
-              <a:buFont typeface="Arial" panose="020B0604020202020204" pitchFamily="34" charset="0"/>
-              <a:buChar char="•"/>
-              <a:defRPr sz="5300" kern="1200">
-                <a:solidFill>
-                  <a:schemeClr val="tx1"/>
-                </a:solidFill>
-                <a:latin typeface="+mn-lt"/>
-                <a:ea typeface="+mn-ea"/>
-                <a:cs typeface="+mn-cs"/>
-              </a:defRPr>
-            </a:lvl6pPr>
-            <a:lvl7pPr marL="7924669" indent="-609589" algn="l" defTabSz="2438361" rtl="0" eaLnBrk="1" latinLnBrk="0" hangingPunct="1">
-              <a:spcBef>
-                <a:spcPct val="20000"/>
-              </a:spcBef>
-              <a:buFont typeface="Arial" panose="020B0604020202020204" pitchFamily="34" charset="0"/>
-              <a:buChar char="•"/>
-              <a:defRPr sz="5300" kern="1200">
-                <a:solidFill>
-                  <a:schemeClr val="tx1"/>
-                </a:solidFill>
-                <a:latin typeface="+mn-lt"/>
-                <a:ea typeface="+mn-ea"/>
-                <a:cs typeface="+mn-cs"/>
-              </a:defRPr>
-            </a:lvl7pPr>
-            <a:lvl8pPr marL="9143849" indent="-609589" algn="l" defTabSz="2438361" rtl="0" eaLnBrk="1" latinLnBrk="0" hangingPunct="1">
-              <a:spcBef>
-                <a:spcPct val="20000"/>
-              </a:spcBef>
-              <a:buFont typeface="Arial" panose="020B0604020202020204" pitchFamily="34" charset="0"/>
-              <a:buChar char="•"/>
-              <a:defRPr sz="5300" kern="1200">
-                <a:solidFill>
-                  <a:schemeClr val="tx1"/>
-                </a:solidFill>
-                <a:latin typeface="+mn-lt"/>
-                <a:ea typeface="+mn-ea"/>
-                <a:cs typeface="+mn-cs"/>
-              </a:defRPr>
-            </a:lvl8pPr>
-            <a:lvl9pPr marL="10363028" indent="-609589" algn="l" defTabSz="2438361" rtl="0" eaLnBrk="1" latinLnBrk="0" hangingPunct="1">
-              <a:spcBef>
-                <a:spcPct val="20000"/>
-              </a:spcBef>
-              <a:buFont typeface="Arial" panose="020B0604020202020204" pitchFamily="34" charset="0"/>
-              <a:buChar char="•"/>
-              <a:defRPr sz="5300" kern="1200">
-                <a:solidFill>
-                  <a:schemeClr val="tx1"/>
-                </a:solidFill>
-                <a:latin typeface="+mn-lt"/>
-                <a:ea typeface="+mn-ea"/>
-                <a:cs typeface="+mn-cs"/>
-              </a:defRPr>
-            </a:lvl9pPr>
-          </a:lstStyle>
-          <a:p>
-            <a:r>
-              <a:rPr lang="en-US" dirty="0"/>
-              <a:t>Design outcomes</a:t>
-            </a:r>
-          </a:p>
-        </p:txBody>
-      </p:sp>
-      <p:sp>
-        <p:nvSpPr>
-          <p:cNvPr id="22" name="Text Placeholder 1">
-            <a:extLst>
-              <a:ext uri="{FF2B5EF4-FFF2-40B4-BE49-F238E27FC236}">
-                <a16:creationId xmlns:a16="http://schemas.microsoft.com/office/drawing/2014/main" id="{E7ADEA24-FDD5-4489-B928-71F70306F82E}"/>
-              </a:ext>
-            </a:extLst>
-          </p:cNvPr>
-          <p:cNvSpPr txBox="1">
-            <a:spLocks/>
-          </p:cNvSpPr>
-          <p:nvPr/>
-        </p:nvSpPr>
-        <p:spPr>
-          <a:xfrm>
-            <a:off x="10744200" y="1980149"/>
-            <a:ext cx="24545303" cy="738664"/>
-          </a:xfrm>
-          <a:prstGeom prst="rect">
-            <a:avLst/>
-          </a:prstGeom>
-        </p:spPr>
-        <p:txBody>
-          <a:bodyPr vert="horz" wrap="square" lIns="0" tIns="0" rIns="0" bIns="0" rtlCol="0">
-            <a:spAutoFit/>
-          </a:bodyPr>
-          <a:lstStyle>
-            <a:lvl1pPr marL="0" indent="0" algn="l" defTabSz="2438361" rtl="0" eaLnBrk="1" latinLnBrk="0" hangingPunct="1">
-              <a:lnSpc>
-                <a:spcPct val="100000"/>
-              </a:lnSpc>
-              <a:spcBef>
-                <a:spcPts val="0"/>
-              </a:spcBef>
-              <a:spcAft>
-                <a:spcPts val="2500"/>
-              </a:spcAft>
-              <a:buClr>
-                <a:schemeClr val="accent3"/>
-              </a:buClr>
-              <a:buSzPct val="120000"/>
-              <a:buFont typeface="Wingdings" charset="2"/>
-              <a:buNone/>
-              <a:defRPr sz="5400" b="1" i="0" kern="1200" cap="all" baseline="0">
-                <a:solidFill>
-                  <a:schemeClr val="tx1"/>
-                </a:solidFill>
-                <a:latin typeface="Franklin Gothic Book" panose="020B0503020102020204" pitchFamily="34" charset="0"/>
-                <a:ea typeface="Franklin Gothic Book" panose="020B0503020102020204" pitchFamily="34" charset="0"/>
-                <a:cs typeface="Franklin Gothic Book" panose="020B0503020102020204" pitchFamily="34" charset="0"/>
-              </a:defRPr>
-            </a:lvl1pPr>
-            <a:lvl2pPr marL="914362" indent="-571477" algn="l" defTabSz="2438361" rtl="0" eaLnBrk="1" latinLnBrk="0" hangingPunct="1">
-              <a:lnSpc>
-                <a:spcPts val="5300"/>
-              </a:lnSpc>
-              <a:spcBef>
-                <a:spcPts val="0"/>
-              </a:spcBef>
-              <a:spcAft>
-                <a:spcPts val="2500"/>
-              </a:spcAft>
-              <a:buClr>
-                <a:schemeClr val="accent3"/>
-              </a:buClr>
-              <a:buSzPct val="120000"/>
-              <a:buFont typeface="Wingdings" charset="2"/>
-              <a:buChar char="§"/>
-              <a:defRPr sz="3300" b="0" i="0" kern="1200">
-                <a:solidFill>
-                  <a:schemeClr val="tx1"/>
-                </a:solidFill>
-                <a:latin typeface="Franklin Gothic Book" panose="020B0503020102020204" pitchFamily="34" charset="0"/>
-                <a:ea typeface="Franklin Gothic Book" panose="020B0503020102020204" pitchFamily="34" charset="0"/>
-                <a:cs typeface="Franklin Gothic Book" panose="020B0503020102020204" pitchFamily="34" charset="0"/>
-              </a:defRPr>
-            </a:lvl2pPr>
-            <a:lvl3pPr marL="1462978" indent="-571477" algn="l" defTabSz="2438361" rtl="0" eaLnBrk="1" latinLnBrk="0" hangingPunct="1">
-              <a:lnSpc>
-                <a:spcPts val="5300"/>
-              </a:lnSpc>
-              <a:spcBef>
-                <a:spcPts val="0"/>
-              </a:spcBef>
-              <a:spcAft>
-                <a:spcPts val="2500"/>
-              </a:spcAft>
-              <a:buClr>
-                <a:schemeClr val="accent3"/>
-              </a:buClr>
-              <a:buSzPct val="120000"/>
-              <a:buFont typeface="Wingdings" charset="2"/>
-              <a:buChar char="§"/>
-              <a:defRPr sz="3300" b="0" i="0" kern="1200">
-                <a:solidFill>
-                  <a:schemeClr val="tx1"/>
-                </a:solidFill>
-                <a:latin typeface="Franklin Gothic Book" panose="020B0503020102020204" pitchFamily="34" charset="0"/>
-                <a:ea typeface="Franklin Gothic Book" panose="020B0503020102020204" pitchFamily="34" charset="0"/>
-                <a:cs typeface="Franklin Gothic Book" panose="020B0503020102020204" pitchFamily="34" charset="0"/>
-              </a:defRPr>
-            </a:lvl3pPr>
-            <a:lvl4pPr marL="2103032" indent="-571477" algn="l" defTabSz="2438361" rtl="0" eaLnBrk="1" latinLnBrk="0" hangingPunct="1">
-              <a:lnSpc>
-                <a:spcPts val="5300"/>
-              </a:lnSpc>
-              <a:spcBef>
-                <a:spcPts val="0"/>
-              </a:spcBef>
-              <a:spcAft>
-                <a:spcPts val="2500"/>
-              </a:spcAft>
-              <a:buClr>
-                <a:schemeClr val="accent3"/>
-              </a:buClr>
-              <a:buSzPct val="120000"/>
-              <a:buFont typeface="Wingdings" charset="2"/>
-              <a:buChar char="§"/>
-              <a:defRPr sz="3300" b="0" i="0" kern="1200">
-                <a:solidFill>
-                  <a:schemeClr val="tx1"/>
-                </a:solidFill>
-                <a:latin typeface="Franklin Gothic Book" panose="020B0503020102020204" pitchFamily="34" charset="0"/>
-                <a:ea typeface="Franklin Gothic Book" panose="020B0503020102020204" pitchFamily="34" charset="0"/>
-                <a:cs typeface="Franklin Gothic Book" panose="020B0503020102020204" pitchFamily="34" charset="0"/>
-              </a:defRPr>
-            </a:lvl4pPr>
-            <a:lvl5pPr marL="2651650" indent="-571477" algn="l" defTabSz="2438361" rtl="0" eaLnBrk="1" latinLnBrk="0" hangingPunct="1">
-              <a:lnSpc>
-                <a:spcPts val="5300"/>
-              </a:lnSpc>
-              <a:spcBef>
-                <a:spcPts val="0"/>
-              </a:spcBef>
-              <a:spcAft>
-                <a:spcPts val="2500"/>
-              </a:spcAft>
-              <a:buClr>
-                <a:schemeClr val="accent3"/>
-              </a:buClr>
-              <a:buSzPct val="120000"/>
-              <a:buFont typeface="Wingdings" charset="2"/>
-              <a:buChar char="§"/>
-              <a:defRPr sz="3300" b="0" i="0" kern="1200">
-                <a:solidFill>
-                  <a:schemeClr val="tx1"/>
-                </a:solidFill>
-                <a:latin typeface="Franklin Gothic Book" panose="020B0503020102020204" pitchFamily="34" charset="0"/>
-                <a:ea typeface="Franklin Gothic Book" panose="020B0503020102020204" pitchFamily="34" charset="0"/>
-                <a:cs typeface="Franklin Gothic Book" panose="020B0503020102020204" pitchFamily="34" charset="0"/>
-              </a:defRPr>
-            </a:lvl5pPr>
-            <a:lvl6pPr marL="6705487" indent="-609589" algn="l" defTabSz="2438361" rtl="0" eaLnBrk="1" latinLnBrk="0" hangingPunct="1">
-              <a:spcBef>
-                <a:spcPct val="20000"/>
-              </a:spcBef>
-              <a:buFont typeface="Arial" panose="020B0604020202020204" pitchFamily="34" charset="0"/>
-              <a:buChar char="•"/>
-              <a:defRPr sz="5300" kern="1200">
-                <a:solidFill>
-                  <a:schemeClr val="tx1"/>
-                </a:solidFill>
-                <a:latin typeface="+mn-lt"/>
-                <a:ea typeface="+mn-ea"/>
-                <a:cs typeface="+mn-cs"/>
-              </a:defRPr>
-            </a:lvl6pPr>
-            <a:lvl7pPr marL="7924669" indent="-609589" algn="l" defTabSz="2438361" rtl="0" eaLnBrk="1" latinLnBrk="0" hangingPunct="1">
-              <a:spcBef>
-                <a:spcPct val="20000"/>
-              </a:spcBef>
-              <a:buFont typeface="Arial" panose="020B0604020202020204" pitchFamily="34" charset="0"/>
-              <a:buChar char="•"/>
-              <a:defRPr sz="5300" kern="1200">
-                <a:solidFill>
-                  <a:schemeClr val="tx1"/>
-                </a:solidFill>
-                <a:latin typeface="+mn-lt"/>
-                <a:ea typeface="+mn-ea"/>
-                <a:cs typeface="+mn-cs"/>
-              </a:defRPr>
-            </a:lvl7pPr>
-            <a:lvl8pPr marL="9143849" indent="-609589" algn="l" defTabSz="2438361" rtl="0" eaLnBrk="1" latinLnBrk="0" hangingPunct="1">
-              <a:spcBef>
-                <a:spcPct val="20000"/>
-              </a:spcBef>
-              <a:buFont typeface="Arial" panose="020B0604020202020204" pitchFamily="34" charset="0"/>
-              <a:buChar char="•"/>
-              <a:defRPr sz="5300" kern="1200">
-                <a:solidFill>
-                  <a:schemeClr val="tx1"/>
-                </a:solidFill>
-                <a:latin typeface="+mn-lt"/>
-                <a:ea typeface="+mn-ea"/>
-                <a:cs typeface="+mn-cs"/>
-              </a:defRPr>
-            </a:lvl8pPr>
-            <a:lvl9pPr marL="10363028" indent="-609589" algn="l" defTabSz="2438361" rtl="0" eaLnBrk="1" latinLnBrk="0" hangingPunct="1">
-              <a:spcBef>
-                <a:spcPct val="20000"/>
-              </a:spcBef>
-              <a:buFont typeface="Arial" panose="020B0604020202020204" pitchFamily="34" charset="0"/>
-              <a:buChar char="•"/>
-              <a:defRPr sz="5300" kern="1200">
-                <a:solidFill>
-                  <a:schemeClr val="tx1"/>
-                </a:solidFill>
-                <a:latin typeface="+mn-lt"/>
-                <a:ea typeface="+mn-ea"/>
-                <a:cs typeface="+mn-cs"/>
-              </a:defRPr>
-            </a:lvl9pPr>
-          </a:lstStyle>
-          <a:p>
-            <a:r>
-              <a:rPr lang="en-US" sz="4800" dirty="0"/>
-              <a:t>Designed by Ryan Donahue &amp; Kennedy Caisley, for Dr. Daniel Robertson</a:t>
+              <a:t>Design Features</a:t>
             </a:r>
           </a:p>
         </p:txBody>
@@ -4560,7 +4166,7 @@
         </p:nvSpPr>
         <p:spPr>
           <a:xfrm>
-            <a:off x="17477697" y="22936200"/>
+            <a:off x="25610306" y="24162603"/>
             <a:ext cx="8335107" cy="830997"/>
           </a:xfrm>
           <a:prstGeom prst="rect">
@@ -4781,14 +4387,14 @@
           <p:nvPr>
             <p:extLst>
               <p:ext uri="{D42A27DB-BD31-4B8C-83A1-F6EECF244321}">
-                <p14:modId xmlns:p14="http://schemas.microsoft.com/office/powerpoint/2010/main" val="1447593012"/>
+                <p14:modId xmlns:p14="http://schemas.microsoft.com/office/powerpoint/2010/main" val="2089522813"/>
               </p:ext>
             </p:extLst>
           </p:nvPr>
         </p:nvGraphicFramePr>
         <p:xfrm>
-          <a:off x="762000" y="9535552"/>
-          <a:ext cx="12214666" cy="10220071"/>
+          <a:off x="924166" y="12940482"/>
+          <a:ext cx="10041529" cy="13580063"/>
         </p:xfrm>
         <a:graphic>
           <a:graphicData uri="http://schemas.openxmlformats.org/drawingml/2006/table">
@@ -4797,21 +4403,21 @@
                 <a:tableStyleId>{5FD0F851-EC5A-4D38-B0AD-8093EC10F338}</a:tableStyleId>
               </a:tblPr>
               <a:tblGrid>
-                <a:gridCol w="2971800">
+                <a:gridCol w="2631009">
                   <a:extLst>
                     <a:ext uri="{9D8B030D-6E8A-4147-A177-3AD203B41FA5}">
                       <a16:colId xmlns:a16="http://schemas.microsoft.com/office/drawing/2014/main" val="1294045590"/>
                     </a:ext>
                   </a:extLst>
                 </a:gridCol>
-                <a:gridCol w="4876800">
+                <a:gridCol w="3821230">
                   <a:extLst>
                     <a:ext uri="{9D8B030D-6E8A-4147-A177-3AD203B41FA5}">
                       <a16:colId xmlns:a16="http://schemas.microsoft.com/office/drawing/2014/main" val="2569233694"/>
                     </a:ext>
                   </a:extLst>
                 </a:gridCol>
-                <a:gridCol w="4366066">
+                <a:gridCol w="3589290">
                   <a:extLst>
                     <a:ext uri="{9D8B030D-6E8A-4147-A177-3AD203B41FA5}">
                       <a16:colId xmlns:a16="http://schemas.microsoft.com/office/drawing/2014/main" val="1909227648"/>
@@ -4819,7 +4425,7 @@
                   </a:extLst>
                 </a:gridCol>
               </a:tblGrid>
-              <a:tr h="827648">
+              <a:tr h="802579">
                 <a:tc>
                   <a:txBody>
                     <a:bodyPr/>
@@ -4872,7 +4478,7 @@
                         <a:rPr lang="en-US" sz="3300" dirty="0">
                           <a:effectLst/>
                         </a:rPr>
-                        <a:t>Past Design/Prototype</a:t>
+                        <a:t>Prototype Devices</a:t>
                       </a:r>
                       <a:endParaRPr lang="en-US" sz="3300" dirty="0">
                         <a:effectLst/>
@@ -4922,39 +4528,7 @@
                   </a:ext>
                 </a:extLst>
               </a:tr>
-              <a:tr h="1569825">
-                <a:tc>
-                  <a:txBody>
-                    <a:bodyPr/>
-                    <a:lstStyle/>
-                    <a:p>
-                      <a:pPr marL="0" marR="0" algn="l">
-                        <a:lnSpc>
-                          <a:spcPct val="107000"/>
-                        </a:lnSpc>
-                        <a:spcBef>
-                          <a:spcPts val="0"/>
-                        </a:spcBef>
-                        <a:spcAft>
-                          <a:spcPts val="0"/>
-                        </a:spcAft>
-                      </a:pPr>
-                      <a:r>
-                        <a:rPr lang="en-US" sz="3300">
-                          <a:effectLst/>
-                        </a:rPr>
-                        <a:t>Reduce Assembly Time</a:t>
-                      </a:r>
-                      <a:endParaRPr lang="en-US" sz="3300">
-                        <a:effectLst/>
-                        <a:latin typeface="Calibri" panose="020F0502020204030204" pitchFamily="34" charset="0"/>
-                        <a:ea typeface="Calibri" panose="020F0502020204030204" pitchFamily="34" charset="0"/>
-                        <a:cs typeface="Times New Roman" panose="02020603050405020304" pitchFamily="18" charset="0"/>
-                      </a:endParaRPr>
-                    </a:p>
-                  </a:txBody>
-                  <a:tcPr marL="68580" marR="68580" marT="0" marB="0"/>
-                </a:tc>
+              <a:tr h="1589154">
                 <a:tc>
                   <a:txBody>
                     <a:bodyPr/>
@@ -4975,7 +4549,7 @@
                         <a:rPr lang="en-US" sz="3300" dirty="0">
                           <a:effectLst/>
                         </a:rPr>
-                        <a:t>20 hours</a:t>
+                        <a:t>Reduced Assembly Time</a:t>
                       </a:r>
                       <a:endParaRPr lang="en-US" sz="3300" dirty="0">
                         <a:effectLst/>
@@ -5007,7 +4581,39 @@
                         <a:rPr lang="en-US" sz="3300" dirty="0">
                           <a:effectLst/>
                         </a:rPr>
-                        <a:t>1 hour</a:t>
+                        <a:t>20 hours of intern solder fun time</a:t>
+                      </a:r>
+                      <a:endParaRPr lang="en-US" sz="3300" dirty="0">
+                        <a:effectLst/>
+                        <a:latin typeface="Calibri" panose="020F0502020204030204" pitchFamily="34" charset="0"/>
+                        <a:ea typeface="Calibri" panose="020F0502020204030204" pitchFamily="34" charset="0"/>
+                        <a:cs typeface="Times New Roman" panose="02020603050405020304" pitchFamily="18" charset="0"/>
+                      </a:endParaRPr>
+                    </a:p>
+                  </a:txBody>
+                  <a:tcPr marL="68580" marR="68580" marT="0" marB="0"/>
+                </a:tc>
+                <a:tc>
+                  <a:txBody>
+                    <a:bodyPr/>
+                    <a:lstStyle/>
+                    <a:p>
+                      <a:pPr marL="0" marR="0" algn="l">
+                        <a:lnSpc>
+                          <a:spcPct val="107000"/>
+                        </a:lnSpc>
+                        <a:spcBef>
+                          <a:spcPts val="0"/>
+                        </a:spcBef>
+                        <a:spcAft>
+                          <a:spcPts val="0"/>
+                        </a:spcAft>
+                      </a:pPr>
+                      <a:r>
+                        <a:rPr lang="en-US" sz="3300" dirty="0">
+                          <a:effectLst/>
+                        </a:rPr>
+                        <a:t>One-click orders through small-batch assembly</a:t>
                       </a:r>
                       <a:endParaRPr lang="en-US" sz="3300" dirty="0">
                         <a:effectLst/>
@@ -5025,7 +4631,7 @@
                   </a:ext>
                 </a:extLst>
               </a:tr>
-              <a:tr h="964598">
+              <a:tr h="1051484">
                 <a:tc>
                   <a:txBody>
                     <a:bodyPr/>
@@ -5043,12 +4649,31 @@
                         </a:spcAft>
                       </a:pPr>
                       <a:r>
-                        <a:rPr lang="en-US" sz="3300">
+                        <a:rPr lang="en-US" sz="3300" dirty="0">
                           <a:effectLst/>
                         </a:rPr>
-                        <a:t>Decrease Production Cost</a:t>
+                        <a:t>Reduced</a:t>
                       </a:r>
-                      <a:endParaRPr lang="en-US" sz="3300">
+                    </a:p>
+                    <a:p>
+                      <a:pPr marL="0" marR="0" algn="l">
+                        <a:lnSpc>
+                          <a:spcPct val="107000"/>
+                        </a:lnSpc>
+                        <a:spcBef>
+                          <a:spcPts val="0"/>
+                        </a:spcBef>
+                        <a:spcAft>
+                          <a:spcPts val="0"/>
+                        </a:spcAft>
+                      </a:pPr>
+                      <a:r>
+                        <a:rPr lang="en-US" sz="3300" dirty="0">
+                          <a:effectLst/>
+                        </a:rPr>
+                        <a:t>Cost</a:t>
+                      </a:r>
+                      <a:endParaRPr lang="en-US" sz="3300" dirty="0">
                         <a:effectLst/>
                         <a:latin typeface="Calibri" panose="020F0502020204030204" pitchFamily="34" charset="0"/>
                         <a:ea typeface="Calibri" panose="020F0502020204030204" pitchFamily="34" charset="0"/>
@@ -5107,12 +4732,12 @@
                         </a:spcAft>
                       </a:pPr>
                       <a:r>
-                        <a:rPr lang="en-US" sz="3300">
+                        <a:rPr lang="en-US" sz="3300" dirty="0">
                           <a:effectLst/>
                         </a:rPr>
                         <a:t>$150 per board</a:t>
                       </a:r>
-                      <a:endParaRPr lang="en-US" sz="3300">
+                      <a:endParaRPr lang="en-US" sz="3300" dirty="0">
                         <a:effectLst/>
                         <a:latin typeface="Calibri" panose="020F0502020204030204" pitchFamily="34" charset="0"/>
                         <a:ea typeface="Calibri" panose="020F0502020204030204" pitchFamily="34" charset="0"/>
@@ -5128,7 +4753,7 @@
                   </a:ext>
                 </a:extLst>
               </a:tr>
-              <a:tr h="1664876">
+              <a:tr h="1155242">
                 <a:tc>
                   <a:txBody>
                     <a:bodyPr/>
@@ -5146,12 +4771,38 @@
                         </a:spcAft>
                       </a:pPr>
                       <a:r>
-                        <a:rPr lang="en-US" sz="3300">
+                        <a:rPr lang="en-US" sz="3300" dirty="0">
                           <a:effectLst/>
                         </a:rPr>
-                        <a:t>Improve Quality Control and Reliability</a:t>
+                        <a:t>Better Data Acquisition</a:t>
                       </a:r>
-                      <a:endParaRPr lang="en-US" sz="3300">
+                    </a:p>
+                  </a:txBody>
+                  <a:tcPr marL="68580" marR="68580" marT="0" marB="0"/>
+                </a:tc>
+                <a:tc>
+                  <a:txBody>
+                    <a:bodyPr/>
+                    <a:lstStyle/>
+                    <a:p>
+                      <a:pPr marL="0" marR="0" algn="l">
+                        <a:lnSpc>
+                          <a:spcPct val="107000"/>
+                        </a:lnSpc>
+                        <a:spcBef>
+                          <a:spcPts val="0"/>
+                        </a:spcBef>
+                        <a:spcAft>
+                          <a:spcPts val="0"/>
+                        </a:spcAft>
+                      </a:pPr>
+                      <a:r>
+                        <a:rPr lang="en-US" sz="3300" dirty="0">
+                          <a:effectLst/>
+                        </a:rPr>
+                        <a:t>15Hz with 16-bit ADC load cell data</a:t>
+                      </a:r>
+                      <a:endParaRPr lang="en-US" sz="3300" dirty="0">
                         <a:effectLst/>
                         <a:latin typeface="Calibri" panose="020F0502020204030204" pitchFamily="34" charset="0"/>
                         <a:ea typeface="Calibri" panose="020F0502020204030204" pitchFamily="34" charset="0"/>
@@ -5178,12 +4829,51 @@
                         </a:spcAft>
                       </a:pPr>
                       <a:r>
-                        <a:rPr lang="en-US" sz="3300">
+                        <a:rPr lang="en-US" sz="3300" dirty="0">
                           <a:effectLst/>
                         </a:rPr>
-                        <a:t>Intern solder fun time</a:t>
+                        <a:t>470Hz with 24-bit ADC load cell data</a:t>
                       </a:r>
-                      <a:endParaRPr lang="en-US" sz="3300">
+                      <a:endParaRPr lang="en-US" sz="3300" dirty="0">
+                        <a:effectLst/>
+                        <a:latin typeface="Calibri" panose="020F0502020204030204" pitchFamily="34" charset="0"/>
+                        <a:ea typeface="Calibri" panose="020F0502020204030204" pitchFamily="34" charset="0"/>
+                        <a:cs typeface="Times New Roman" panose="02020603050405020304" pitchFamily="18" charset="0"/>
+                      </a:endParaRPr>
+                    </a:p>
+                  </a:txBody>
+                  <a:tcPr marL="68580" marR="68580" marT="0" marB="0"/>
+                </a:tc>
+                <a:extLst>
+                  <a:ext uri="{0D108BD9-81ED-4DB2-BD59-A6C34878D82A}">
+                    <a16:rowId xmlns:a16="http://schemas.microsoft.com/office/drawing/2014/main" val="1901261725"/>
+                  </a:ext>
+                </a:extLst>
+              </a:tr>
+              <a:tr h="1651568">
+                <a:tc>
+                  <a:txBody>
+                    <a:bodyPr/>
+                    <a:lstStyle/>
+                    <a:p>
+                      <a:pPr marL="0" marR="0" algn="l">
+                        <a:lnSpc>
+                          <a:spcPct val="107000"/>
+                        </a:lnSpc>
+                        <a:spcBef>
+                          <a:spcPts val="0"/>
+                        </a:spcBef>
+                        <a:spcAft>
+                          <a:spcPts val="0"/>
+                        </a:spcAft>
+                      </a:pPr>
+                      <a:r>
+                        <a:rPr lang="en-US" sz="3300" dirty="0">
+                          <a:effectLst/>
+                        </a:rPr>
+                        <a:t>Improved User Input</a:t>
+                      </a:r>
+                      <a:endParaRPr lang="en-US" sz="3300" dirty="0">
                         <a:effectLst/>
                         <a:latin typeface="Calibri" panose="020F0502020204030204" pitchFamily="34" charset="0"/>
                         <a:ea typeface="Calibri" panose="020F0502020204030204" pitchFamily="34" charset="0"/>
@@ -5210,70 +4900,12 @@
                         </a:spcAft>
                       </a:pPr>
                       <a:r>
-                        <a:rPr lang="en-US" sz="3300">
+                        <a:rPr lang="en-US" sz="3300" dirty="0">
                           <a:effectLst/>
                         </a:rPr>
-                        <a:t>Order with one-click through small-batch assembly</a:t>
+                        <a:t>Mechanical button input with delayed screen update rates</a:t>
                       </a:r>
-                      <a:endParaRPr lang="en-US" sz="3300">
-                        <a:effectLst/>
-                        <a:latin typeface="Calibri" panose="020F0502020204030204" pitchFamily="34" charset="0"/>
-                        <a:ea typeface="Calibri" panose="020F0502020204030204" pitchFamily="34" charset="0"/>
-                        <a:cs typeface="Times New Roman" panose="02020603050405020304" pitchFamily="18" charset="0"/>
-                      </a:endParaRPr>
-                    </a:p>
-                  </a:txBody>
-                  <a:tcPr marL="68580" marR="68580" marT="0" marB="0"/>
-                </a:tc>
-                <a:extLst>
-                  <a:ext uri="{0D108BD9-81ED-4DB2-BD59-A6C34878D82A}">
-                    <a16:rowId xmlns:a16="http://schemas.microsoft.com/office/drawing/2014/main" val="3179103901"/>
-                  </a:ext>
-                </a:extLst>
-              </a:tr>
-              <a:tr h="1219200">
-                <a:tc>
-                  <a:txBody>
-                    <a:bodyPr/>
-                    <a:lstStyle/>
-                    <a:p>
-                      <a:pPr marL="0" marR="0" algn="l">
-                        <a:lnSpc>
-                          <a:spcPct val="107000"/>
-                        </a:lnSpc>
-                        <a:spcBef>
-                          <a:spcPts val="0"/>
-                        </a:spcBef>
-                        <a:spcAft>
-                          <a:spcPts val="0"/>
-                        </a:spcAft>
-                      </a:pPr>
-                      <a:r>
-                        <a:rPr lang="en-US" sz="3300">
-                          <a:effectLst/>
-                        </a:rPr>
-                        <a:t>Improve Data Acquistion</a:t>
-                      </a:r>
-                    </a:p>
-                    <a:p>
-                      <a:pPr marL="0" marR="0" algn="l">
-                        <a:lnSpc>
-                          <a:spcPct val="107000"/>
-                        </a:lnSpc>
-                        <a:spcBef>
-                          <a:spcPts val="0"/>
-                        </a:spcBef>
-                        <a:spcAft>
-                          <a:spcPts val="0"/>
-                        </a:spcAft>
-                      </a:pPr>
-                      <a:r>
-                        <a:rPr lang="en-US" sz="3300">
-                          <a:effectLst/>
-                        </a:rPr>
-                        <a:t> </a:t>
-                      </a:r>
-                      <a:endParaRPr lang="en-US" sz="3300">
+                      <a:endParaRPr lang="en-US" sz="3300" dirty="0">
                         <a:effectLst/>
                         <a:latin typeface="Calibri" panose="020F0502020204030204" pitchFamily="34" charset="0"/>
                         <a:ea typeface="Calibri" panose="020F0502020204030204" pitchFamily="34" charset="0"/>
@@ -5300,12 +4932,461 @@
                         </a:spcAft>
                       </a:pPr>
                       <a:r>
-                        <a:rPr lang="en-US" sz="3300">
+                        <a:rPr lang="en-US" sz="3300" dirty="0">
                           <a:effectLst/>
                         </a:rPr>
-                        <a:t>10Hz with 16-bit ADC load cell data</a:t>
+                        <a:t>Resistive touch-screen with </a:t>
                       </a:r>
-                      <a:endParaRPr lang="en-US" sz="3300">
+                      <a:r>
+                        <a:rPr lang="en-US" sz="3300" dirty="0" err="1">
+                          <a:effectLst/>
+                        </a:rPr>
+                        <a:t>ms</a:t>
+                      </a:r>
+                      <a:r>
+                        <a:rPr lang="en-US" sz="3300" dirty="0">
+                          <a:effectLst/>
+                        </a:rPr>
+                        <a:t> update rate</a:t>
+                      </a:r>
+                      <a:endParaRPr lang="en-US" sz="3300" dirty="0">
+                        <a:effectLst/>
+                        <a:latin typeface="Calibri" panose="020F0502020204030204" pitchFamily="34" charset="0"/>
+                        <a:ea typeface="Calibri" panose="020F0502020204030204" pitchFamily="34" charset="0"/>
+                        <a:cs typeface="Times New Roman" panose="02020603050405020304" pitchFamily="18" charset="0"/>
+                      </a:endParaRPr>
+                    </a:p>
+                  </a:txBody>
+                  <a:tcPr marL="68580" marR="68580" marT="0" marB="0"/>
+                </a:tc>
+                <a:extLst>
+                  <a:ext uri="{0D108BD9-81ED-4DB2-BD59-A6C34878D82A}">
+                    <a16:rowId xmlns:a16="http://schemas.microsoft.com/office/drawing/2014/main" val="440605360"/>
+                  </a:ext>
+                </a:extLst>
+              </a:tr>
+              <a:tr h="1114386">
+                <a:tc>
+                  <a:txBody>
+                    <a:bodyPr/>
+                    <a:lstStyle/>
+                    <a:p>
+                      <a:pPr marL="0" marR="0" algn="l">
+                        <a:lnSpc>
+                          <a:spcPct val="107000"/>
+                        </a:lnSpc>
+                        <a:spcBef>
+                          <a:spcPts val="0"/>
+                        </a:spcBef>
+                        <a:spcAft>
+                          <a:spcPts val="0"/>
+                        </a:spcAft>
+                      </a:pPr>
+                      <a:r>
+                        <a:rPr lang="en-US" sz="3300" dirty="0">
+                          <a:effectLst/>
+                          <a:latin typeface="Calibri" panose="020F0502020204030204" pitchFamily="34" charset="0"/>
+                          <a:ea typeface="Calibri" panose="020F0502020204030204" pitchFamily="34" charset="0"/>
+                          <a:cs typeface="Times New Roman" panose="02020603050405020304" pitchFamily="18" charset="0"/>
+                        </a:rPr>
+                        <a:t>Quick Test</a:t>
+                      </a:r>
+                    </a:p>
+                    <a:p>
+                      <a:pPr marL="0" marR="0" algn="l">
+                        <a:lnSpc>
+                          <a:spcPct val="107000"/>
+                        </a:lnSpc>
+                        <a:spcBef>
+                          <a:spcPts val="0"/>
+                        </a:spcBef>
+                        <a:spcAft>
+                          <a:spcPts val="0"/>
+                        </a:spcAft>
+                      </a:pPr>
+                      <a:r>
+                        <a:rPr lang="en-US" sz="3300" dirty="0">
+                          <a:effectLst/>
+                          <a:latin typeface="Calibri" panose="020F0502020204030204" pitchFamily="34" charset="0"/>
+                          <a:ea typeface="Calibri" panose="020F0502020204030204" pitchFamily="34" charset="0"/>
+                          <a:cs typeface="Times New Roman" panose="02020603050405020304" pitchFamily="18" charset="0"/>
+                        </a:rPr>
+                        <a:t>Identification</a:t>
+                      </a:r>
+                    </a:p>
+                  </a:txBody>
+                  <a:tcPr marL="68580" marR="68580" marT="0" marB="0"/>
+                </a:tc>
+                <a:tc>
+                  <a:txBody>
+                    <a:bodyPr/>
+                    <a:lstStyle/>
+                    <a:p>
+                      <a:pPr marL="0" marR="0" algn="l">
+                        <a:lnSpc>
+                          <a:spcPct val="107000"/>
+                        </a:lnSpc>
+                        <a:spcBef>
+                          <a:spcPts val="0"/>
+                        </a:spcBef>
+                        <a:spcAft>
+                          <a:spcPts val="0"/>
+                        </a:spcAft>
+                      </a:pPr>
+                      <a:r>
+                        <a:rPr lang="en-US" sz="3300" dirty="0">
+                          <a:effectLst/>
+                          <a:latin typeface="Calibri" panose="020F0502020204030204" pitchFamily="34" charset="0"/>
+                          <a:ea typeface="Calibri" panose="020F0502020204030204" pitchFamily="34" charset="0"/>
+                          <a:cs typeface="Times New Roman" panose="02020603050405020304" pitchFamily="18" charset="0"/>
+                        </a:rPr>
+                        <a:t>Keyboard entry</a:t>
+                      </a:r>
+                    </a:p>
+                  </a:txBody>
+                  <a:tcPr marL="68580" marR="68580" marT="0" marB="0"/>
+                </a:tc>
+                <a:tc>
+                  <a:txBody>
+                    <a:bodyPr/>
+                    <a:lstStyle/>
+                    <a:p>
+                      <a:pPr marL="0" marR="0" algn="l">
+                        <a:lnSpc>
+                          <a:spcPct val="107000"/>
+                        </a:lnSpc>
+                        <a:spcBef>
+                          <a:spcPts val="0"/>
+                        </a:spcBef>
+                        <a:spcAft>
+                          <a:spcPts val="0"/>
+                        </a:spcAft>
+                      </a:pPr>
+                      <a:r>
+                        <a:rPr lang="en-US" sz="3300" dirty="0">
+                          <a:effectLst/>
+                          <a:latin typeface="Calibri" panose="020F0502020204030204" pitchFamily="34" charset="0"/>
+                          <a:ea typeface="Calibri" panose="020F0502020204030204" pitchFamily="34" charset="0"/>
+                          <a:cs typeface="Times New Roman" panose="02020603050405020304" pitchFamily="18" charset="0"/>
+                        </a:rPr>
+                        <a:t>Keyboard entry and barcode scanning</a:t>
+                      </a:r>
+                    </a:p>
+                  </a:txBody>
+                  <a:tcPr marL="68580" marR="68580" marT="0" marB="0"/>
+                </a:tc>
+                <a:extLst>
+                  <a:ext uri="{0D108BD9-81ED-4DB2-BD59-A6C34878D82A}">
+                    <a16:rowId xmlns:a16="http://schemas.microsoft.com/office/drawing/2014/main" val="2722583613"/>
+                  </a:ext>
+                </a:extLst>
+              </a:tr>
+              <a:tr h="1114875">
+                <a:tc>
+                  <a:txBody>
+                    <a:bodyPr/>
+                    <a:lstStyle/>
+                    <a:p>
+                      <a:pPr marL="0" marR="0" algn="l">
+                        <a:lnSpc>
+                          <a:spcPct val="107000"/>
+                        </a:lnSpc>
+                        <a:spcBef>
+                          <a:spcPts val="0"/>
+                        </a:spcBef>
+                        <a:spcAft>
+                          <a:spcPts val="0"/>
+                        </a:spcAft>
+                      </a:pPr>
+                      <a:r>
+                        <a:rPr lang="en-US" sz="3300" b="1" dirty="0">
+                          <a:effectLst/>
+                          <a:latin typeface="Calibri" panose="020F0502020204030204" pitchFamily="34" charset="0"/>
+                          <a:ea typeface="Calibri" panose="020F0502020204030204" pitchFamily="34" charset="0"/>
+                          <a:cs typeface="Times New Roman" panose="02020603050405020304" pitchFamily="18" charset="0"/>
+                        </a:rPr>
+                        <a:t>Increased Reliability</a:t>
+                      </a:r>
+                    </a:p>
+                  </a:txBody>
+                  <a:tcPr marL="68580" marR="68580" marT="0" marB="0"/>
+                </a:tc>
+                <a:tc>
+                  <a:txBody>
+                    <a:bodyPr/>
+                    <a:lstStyle/>
+                    <a:p>
+                      <a:pPr marL="0" marR="0" algn="l">
+                        <a:lnSpc>
+                          <a:spcPct val="107000"/>
+                        </a:lnSpc>
+                        <a:spcBef>
+                          <a:spcPts val="0"/>
+                        </a:spcBef>
+                        <a:spcAft>
+                          <a:spcPts val="0"/>
+                        </a:spcAft>
+                      </a:pPr>
+                      <a:r>
+                        <a:rPr lang="en-US" sz="3300" dirty="0">
+                          <a:effectLst/>
+                          <a:latin typeface="Calibri" panose="020F0502020204030204" pitchFamily="34" charset="0"/>
+                          <a:ea typeface="Calibri" panose="020F0502020204030204" pitchFamily="34" charset="0"/>
+                          <a:cs typeface="Times New Roman" panose="02020603050405020304" pitchFamily="18" charset="0"/>
+                        </a:rPr>
+                        <a:t>No ESD protection</a:t>
+                      </a:r>
+                    </a:p>
+                  </a:txBody>
+                  <a:tcPr marL="68580" marR="68580" marT="0" marB="0"/>
+                </a:tc>
+                <a:tc>
+                  <a:txBody>
+                    <a:bodyPr/>
+                    <a:lstStyle/>
+                    <a:p>
+                      <a:pPr marL="0" marR="0" algn="l">
+                        <a:lnSpc>
+                          <a:spcPct val="107000"/>
+                        </a:lnSpc>
+                        <a:spcBef>
+                          <a:spcPts val="0"/>
+                        </a:spcBef>
+                        <a:spcAft>
+                          <a:spcPts val="0"/>
+                        </a:spcAft>
+                      </a:pPr>
+                      <a:r>
+                        <a:rPr lang="en-US" sz="3300" dirty="0">
+                          <a:effectLst/>
+                          <a:latin typeface="Calibri" panose="020F0502020204030204" pitchFamily="34" charset="0"/>
+                          <a:ea typeface="Calibri" panose="020F0502020204030204" pitchFamily="34" charset="0"/>
+                          <a:cs typeface="Times New Roman" panose="02020603050405020304" pitchFamily="18" charset="0"/>
+                        </a:rPr>
+                        <a:t>IEC 61400-4 ESD protection</a:t>
+                      </a:r>
+                    </a:p>
+                  </a:txBody>
+                  <a:tcPr marL="68580" marR="68580" marT="0" marB="0"/>
+                </a:tc>
+                <a:extLst>
+                  <a:ext uri="{0D108BD9-81ED-4DB2-BD59-A6C34878D82A}">
+                    <a16:rowId xmlns:a16="http://schemas.microsoft.com/office/drawing/2014/main" val="4066393568"/>
+                  </a:ext>
+                </a:extLst>
+              </a:tr>
+              <a:tr h="1102009">
+                <a:tc>
+                  <a:txBody>
+                    <a:bodyPr/>
+                    <a:lstStyle/>
+                    <a:p>
+                      <a:pPr marL="0" marR="0" algn="l">
+                        <a:lnSpc>
+                          <a:spcPct val="107000"/>
+                        </a:lnSpc>
+                        <a:spcBef>
+                          <a:spcPts val="0"/>
+                        </a:spcBef>
+                        <a:spcAft>
+                          <a:spcPts val="0"/>
+                        </a:spcAft>
+                      </a:pPr>
+                      <a:r>
+                        <a:rPr lang="en-US" sz="3300" b="1" dirty="0">
+                          <a:effectLst/>
+                          <a:latin typeface="Calibri" panose="020F0502020204030204" pitchFamily="34" charset="0"/>
+                          <a:ea typeface="Calibri" panose="020F0502020204030204" pitchFamily="34" charset="0"/>
+                          <a:cs typeface="Times New Roman" panose="02020603050405020304" pitchFamily="18" charset="0"/>
+                        </a:rPr>
+                        <a:t>Easier Data Transfer</a:t>
+                      </a:r>
+                    </a:p>
+                  </a:txBody>
+                  <a:tcPr marL="68580" marR="68580" marT="0" marB="0"/>
+                </a:tc>
+                <a:tc>
+                  <a:txBody>
+                    <a:bodyPr/>
+                    <a:lstStyle/>
+                    <a:p>
+                      <a:pPr marL="0" marR="0" algn="l">
+                        <a:lnSpc>
+                          <a:spcPct val="107000"/>
+                        </a:lnSpc>
+                        <a:spcBef>
+                          <a:spcPts val="0"/>
+                        </a:spcBef>
+                        <a:spcAft>
+                          <a:spcPts val="0"/>
+                        </a:spcAft>
+                      </a:pPr>
+                      <a:r>
+                        <a:rPr lang="en-US" sz="3300" dirty="0">
+                          <a:effectLst/>
+                          <a:latin typeface="Calibri" panose="020F0502020204030204" pitchFamily="34" charset="0"/>
+                          <a:ea typeface="Calibri" panose="020F0502020204030204" pitchFamily="34" charset="0"/>
+                          <a:cs typeface="Times New Roman" panose="02020603050405020304" pitchFamily="18" charset="0"/>
+                        </a:rPr>
+                        <a:t>Obstructed SD card interface</a:t>
+                      </a:r>
+                    </a:p>
+                  </a:txBody>
+                  <a:tcPr marL="68580" marR="68580" marT="0" marB="0"/>
+                </a:tc>
+                <a:tc>
+                  <a:txBody>
+                    <a:bodyPr/>
+                    <a:lstStyle/>
+                    <a:p>
+                      <a:pPr marL="0" marR="0" algn="l">
+                        <a:lnSpc>
+                          <a:spcPct val="107000"/>
+                        </a:lnSpc>
+                        <a:spcBef>
+                          <a:spcPts val="0"/>
+                        </a:spcBef>
+                        <a:spcAft>
+                          <a:spcPts val="0"/>
+                        </a:spcAft>
+                      </a:pPr>
+                      <a:r>
+                        <a:rPr lang="en-US" sz="3300" dirty="0">
+                          <a:effectLst/>
+                          <a:latin typeface="Calibri" panose="020F0502020204030204" pitchFamily="34" charset="0"/>
+                          <a:ea typeface="Calibri" panose="020F0502020204030204" pitchFamily="34" charset="0"/>
+                          <a:cs typeface="Times New Roman" panose="02020603050405020304" pitchFamily="18" charset="0"/>
+                        </a:rPr>
+                        <a:t>USB bulk-transfer</a:t>
+                      </a:r>
+                    </a:p>
+                  </a:txBody>
+                  <a:tcPr marL="68580" marR="68580" marT="0" marB="0"/>
+                </a:tc>
+                <a:extLst>
+                  <a:ext uri="{0D108BD9-81ED-4DB2-BD59-A6C34878D82A}">
+                    <a16:rowId xmlns:a16="http://schemas.microsoft.com/office/drawing/2014/main" val="775106812"/>
+                  </a:ext>
+                </a:extLst>
+              </a:tr>
+              <a:tr h="1051484">
+                <a:tc>
+                  <a:txBody>
+                    <a:bodyPr/>
+                    <a:lstStyle/>
+                    <a:p>
+                      <a:pPr marL="0" marR="0" algn="l">
+                        <a:lnSpc>
+                          <a:spcPct val="107000"/>
+                        </a:lnSpc>
+                        <a:spcBef>
+                          <a:spcPts val="0"/>
+                        </a:spcBef>
+                        <a:spcAft>
+                          <a:spcPts val="0"/>
+                        </a:spcAft>
+                      </a:pPr>
+                      <a:r>
+                        <a:rPr lang="en-US" sz="3300" b="1" dirty="0">
+                          <a:effectLst/>
+                          <a:latin typeface="Calibri" panose="020F0502020204030204" pitchFamily="34" charset="0"/>
+                          <a:ea typeface="Calibri" panose="020F0502020204030204" pitchFamily="34" charset="0"/>
+                          <a:cs typeface="Times New Roman" panose="02020603050405020304" pitchFamily="18" charset="0"/>
+                        </a:rPr>
+                        <a:t>Decreased Size</a:t>
+                      </a:r>
+                    </a:p>
+                  </a:txBody>
+                  <a:tcPr marL="68580" marR="68580" marT="0" marB="0"/>
+                </a:tc>
+                <a:tc>
+                  <a:txBody>
+                    <a:bodyPr/>
+                    <a:lstStyle/>
+                    <a:p>
+                      <a:pPr marL="0" marR="0" algn="l">
+                        <a:lnSpc>
+                          <a:spcPct val="107000"/>
+                        </a:lnSpc>
+                        <a:spcBef>
+                          <a:spcPts val="0"/>
+                        </a:spcBef>
+                        <a:spcAft>
+                          <a:spcPts val="0"/>
+                        </a:spcAft>
+                      </a:pPr>
+                      <a:r>
+                        <a:rPr lang="en-US" sz="3300" dirty="0">
+                          <a:effectLst/>
+                          <a:latin typeface="Calibri" panose="020F0502020204030204" pitchFamily="34" charset="0"/>
+                          <a:ea typeface="Calibri" panose="020F0502020204030204" pitchFamily="34" charset="0"/>
+                          <a:cs typeface="Times New Roman" panose="02020603050405020304" pitchFamily="18" charset="0"/>
+                        </a:rPr>
+                        <a:t>Two boards with 15 feet of cabling</a:t>
+                      </a:r>
+                    </a:p>
+                  </a:txBody>
+                  <a:tcPr marL="68580" marR="68580" marT="0" marB="0"/>
+                </a:tc>
+                <a:tc>
+                  <a:txBody>
+                    <a:bodyPr/>
+                    <a:lstStyle/>
+                    <a:p>
+                      <a:pPr marL="0" marR="0" algn="l">
+                        <a:lnSpc>
+                          <a:spcPct val="107000"/>
+                        </a:lnSpc>
+                        <a:spcBef>
+                          <a:spcPts val="0"/>
+                        </a:spcBef>
+                        <a:spcAft>
+                          <a:spcPts val="0"/>
+                        </a:spcAft>
+                      </a:pPr>
+                      <a:r>
+                        <a:rPr lang="en-US" sz="3300" dirty="0">
+                          <a:effectLst/>
+                          <a:latin typeface="Calibri" panose="020F0502020204030204" pitchFamily="34" charset="0"/>
+                          <a:ea typeface="Calibri" panose="020F0502020204030204" pitchFamily="34" charset="0"/>
+                          <a:cs typeface="Times New Roman" panose="02020603050405020304" pitchFamily="18" charset="0"/>
+                        </a:rPr>
+                        <a:t>One board ½ inch total height</a:t>
+                      </a:r>
+                    </a:p>
+                  </a:txBody>
+                  <a:tcPr marL="68580" marR="68580" marT="0" marB="0"/>
+                </a:tc>
+                <a:extLst>
+                  <a:ext uri="{0D108BD9-81ED-4DB2-BD59-A6C34878D82A}">
+                    <a16:rowId xmlns:a16="http://schemas.microsoft.com/office/drawing/2014/main" val="831113760"/>
+                  </a:ext>
+                </a:extLst>
+              </a:tr>
+              <a:tr h="1699513">
+                <a:tc>
+                  <a:txBody>
+                    <a:bodyPr/>
+                    <a:lstStyle/>
+                    <a:p>
+                      <a:pPr marL="0" marR="0" algn="l">
+                        <a:lnSpc>
+                          <a:spcPct val="107000"/>
+                        </a:lnSpc>
+                        <a:spcBef>
+                          <a:spcPts val="0"/>
+                        </a:spcBef>
+                        <a:spcAft>
+                          <a:spcPts val="0"/>
+                        </a:spcAft>
+                      </a:pPr>
+                      <a:r>
+                        <a:rPr lang="en-US" sz="3300" dirty="0">
+                          <a:effectLst/>
+                        </a:rPr>
+                        <a:t>Centralized Firmware Development</a:t>
+                      </a:r>
+                      <a:endParaRPr lang="en-US" sz="3300" dirty="0">
                         <a:effectLst/>
                         <a:latin typeface="Calibri" panose="020F0502020204030204" pitchFamily="34" charset="0"/>
                         <a:ea typeface="Calibri" panose="020F0502020204030204" pitchFamily="34" charset="0"/>
@@ -5332,186 +5413,12 @@
                         </a:spcAft>
                       </a:pPr>
                       <a:r>
-                        <a:rPr lang="en-US" sz="3300">
+                        <a:rPr lang="en-US" sz="3300" dirty="0">
                           <a:effectLst/>
                         </a:rPr>
-                        <a:t>470Hz with 24-bit ADC load cell data</a:t>
+                        <a:t>Raspberry Pi and Arduino based systems</a:t>
                       </a:r>
-                      <a:endParaRPr lang="en-US" sz="3300">
-                        <a:effectLst/>
-                        <a:latin typeface="Calibri" panose="020F0502020204030204" pitchFamily="34" charset="0"/>
-                        <a:ea typeface="Calibri" panose="020F0502020204030204" pitchFamily="34" charset="0"/>
-                        <a:cs typeface="Times New Roman" panose="02020603050405020304" pitchFamily="18" charset="0"/>
-                      </a:endParaRPr>
-                    </a:p>
-                  </a:txBody>
-                  <a:tcPr marL="68580" marR="68580" marT="0" marB="0"/>
-                </a:tc>
-                <a:extLst>
-                  <a:ext uri="{0D108BD9-81ED-4DB2-BD59-A6C34878D82A}">
-                    <a16:rowId xmlns:a16="http://schemas.microsoft.com/office/drawing/2014/main" val="1901261725"/>
-                  </a:ext>
-                </a:extLst>
-              </a:tr>
-              <a:tr h="1569825">
-                <a:tc>
-                  <a:txBody>
-                    <a:bodyPr/>
-                    <a:lstStyle/>
-                    <a:p>
-                      <a:pPr marL="0" marR="0" algn="l">
-                        <a:lnSpc>
-                          <a:spcPct val="107000"/>
-                        </a:lnSpc>
-                        <a:spcBef>
-                          <a:spcPts val="0"/>
-                        </a:spcBef>
-                        <a:spcAft>
-                          <a:spcPts val="0"/>
-                        </a:spcAft>
-                      </a:pPr>
-                      <a:r>
-                        <a:rPr lang="en-US" sz="3300">
-                          <a:effectLst/>
-                        </a:rPr>
-                        <a:t>Replace User Interface</a:t>
-                      </a:r>
-                      <a:endParaRPr lang="en-US" sz="3300">
-                        <a:effectLst/>
-                        <a:latin typeface="Calibri" panose="020F0502020204030204" pitchFamily="34" charset="0"/>
-                        <a:ea typeface="Calibri" panose="020F0502020204030204" pitchFamily="34" charset="0"/>
-                        <a:cs typeface="Times New Roman" panose="02020603050405020304" pitchFamily="18" charset="0"/>
-                      </a:endParaRPr>
-                    </a:p>
-                  </a:txBody>
-                  <a:tcPr marL="68580" marR="68580" marT="0" marB="0"/>
-                </a:tc>
-                <a:tc>
-                  <a:txBody>
-                    <a:bodyPr/>
-                    <a:lstStyle/>
-                    <a:p>
-                      <a:pPr marL="0" marR="0" algn="l">
-                        <a:lnSpc>
-                          <a:spcPct val="107000"/>
-                        </a:lnSpc>
-                        <a:spcBef>
-                          <a:spcPts val="0"/>
-                        </a:spcBef>
-                        <a:spcAft>
-                          <a:spcPts val="0"/>
-                        </a:spcAft>
-                      </a:pPr>
-                      <a:r>
-                        <a:rPr lang="en-US" sz="3300">
-                          <a:effectLst/>
-                        </a:rPr>
-                        <a:t>Mechanical button input</a:t>
-                      </a:r>
-                      <a:endParaRPr lang="en-US" sz="3300">
-                        <a:effectLst/>
-                        <a:latin typeface="Calibri" panose="020F0502020204030204" pitchFamily="34" charset="0"/>
-                        <a:ea typeface="Calibri" panose="020F0502020204030204" pitchFamily="34" charset="0"/>
-                        <a:cs typeface="Times New Roman" panose="02020603050405020304" pitchFamily="18" charset="0"/>
-                      </a:endParaRPr>
-                    </a:p>
-                  </a:txBody>
-                  <a:tcPr marL="68580" marR="68580" marT="0" marB="0"/>
-                </a:tc>
-                <a:tc>
-                  <a:txBody>
-                    <a:bodyPr/>
-                    <a:lstStyle/>
-                    <a:p>
-                      <a:pPr marL="0" marR="0" algn="l">
-                        <a:lnSpc>
-                          <a:spcPct val="107000"/>
-                        </a:lnSpc>
-                        <a:spcBef>
-                          <a:spcPts val="0"/>
-                        </a:spcBef>
-                        <a:spcAft>
-                          <a:spcPts val="0"/>
-                        </a:spcAft>
-                      </a:pPr>
-                      <a:r>
-                        <a:rPr lang="en-US" sz="3300">
-                          <a:effectLst/>
-                        </a:rPr>
-                        <a:t>Resistive touch-screen</a:t>
-                      </a:r>
-                      <a:endParaRPr lang="en-US" sz="3300">
-                        <a:effectLst/>
-                        <a:latin typeface="Calibri" panose="020F0502020204030204" pitchFamily="34" charset="0"/>
-                        <a:ea typeface="Calibri" panose="020F0502020204030204" pitchFamily="34" charset="0"/>
-                        <a:cs typeface="Times New Roman" panose="02020603050405020304" pitchFamily="18" charset="0"/>
-                      </a:endParaRPr>
-                    </a:p>
-                  </a:txBody>
-                  <a:tcPr marL="68580" marR="68580" marT="0" marB="0"/>
-                </a:tc>
-                <a:extLst>
-                  <a:ext uri="{0D108BD9-81ED-4DB2-BD59-A6C34878D82A}">
-                    <a16:rowId xmlns:a16="http://schemas.microsoft.com/office/drawing/2014/main" val="440605360"/>
-                  </a:ext>
-                </a:extLst>
-              </a:tr>
-              <a:tr h="1945154">
-                <a:tc>
-                  <a:txBody>
-                    <a:bodyPr/>
-                    <a:lstStyle/>
-                    <a:p>
-                      <a:pPr marL="0" marR="0" algn="l">
-                        <a:lnSpc>
-                          <a:spcPct val="107000"/>
-                        </a:lnSpc>
-                        <a:spcBef>
-                          <a:spcPts val="0"/>
-                        </a:spcBef>
-                        <a:spcAft>
-                          <a:spcPts val="0"/>
-                        </a:spcAft>
-                      </a:pPr>
-                      <a:r>
-                        <a:rPr lang="en-US" sz="3300">
-                          <a:effectLst/>
-                        </a:rPr>
-                        <a:t>Centralize Firmware Development</a:t>
-                      </a:r>
-                      <a:endParaRPr lang="en-US" sz="3300">
-                        <a:effectLst/>
-                        <a:latin typeface="Calibri" panose="020F0502020204030204" pitchFamily="34" charset="0"/>
-                        <a:ea typeface="Calibri" panose="020F0502020204030204" pitchFamily="34" charset="0"/>
-                        <a:cs typeface="Times New Roman" panose="02020603050405020304" pitchFamily="18" charset="0"/>
-                      </a:endParaRPr>
-                    </a:p>
-                  </a:txBody>
-                  <a:tcPr marL="68580" marR="68580" marT="0" marB="0"/>
-                </a:tc>
-                <a:tc>
-                  <a:txBody>
-                    <a:bodyPr/>
-                    <a:lstStyle/>
-                    <a:p>
-                      <a:pPr marL="0" marR="0" algn="l">
-                        <a:lnSpc>
-                          <a:spcPct val="107000"/>
-                        </a:lnSpc>
-                        <a:spcBef>
-                          <a:spcPts val="0"/>
-                        </a:spcBef>
-                        <a:spcAft>
-                          <a:spcPts val="0"/>
-                        </a:spcAft>
-                      </a:pPr>
-                      <a:r>
-                        <a:rPr lang="en-US" sz="3300">
-                          <a:effectLst/>
-                        </a:rPr>
-                        <a:t>Rasberry Pi and Arduino based system</a:t>
-                      </a:r>
-                      <a:endParaRPr lang="en-US" sz="3300">
+                      <a:endParaRPr lang="en-US" sz="3300" dirty="0">
                         <a:effectLst/>
                         <a:latin typeface="Calibri" panose="020F0502020204030204" pitchFamily="34" charset="0"/>
                         <a:ea typeface="Calibri" panose="020F0502020204030204" pitchFamily="34" charset="0"/>
@@ -5571,60 +5478,2418 @@
                   </a:ext>
                 </a:extLst>
               </a:tr>
+              <a:tr h="1244826">
+                <a:tc>
+                  <a:txBody>
+                    <a:bodyPr/>
+                    <a:lstStyle/>
+                    <a:p>
+                      <a:pPr marL="0" marR="0" algn="l">
+                        <a:lnSpc>
+                          <a:spcPct val="107000"/>
+                        </a:lnSpc>
+                        <a:spcBef>
+                          <a:spcPts val="0"/>
+                        </a:spcBef>
+                        <a:spcAft>
+                          <a:spcPts val="0"/>
+                        </a:spcAft>
+                      </a:pPr>
+                      <a:r>
+                        <a:rPr lang="en-US" sz="3300" dirty="0">
+                          <a:effectLst/>
+                          <a:latin typeface="Calibri" panose="020F0502020204030204" pitchFamily="34" charset="0"/>
+                          <a:ea typeface="Calibri" panose="020F0502020204030204" pitchFamily="34" charset="0"/>
+                          <a:cs typeface="Times New Roman" panose="02020603050405020304" pitchFamily="18" charset="0"/>
+                        </a:rPr>
+                        <a:t>Expandable</a:t>
+                      </a:r>
+                    </a:p>
+                  </a:txBody>
+                  <a:tcPr marL="68580" marR="68580" marT="0" marB="0"/>
+                </a:tc>
+                <a:tc>
+                  <a:txBody>
+                    <a:bodyPr/>
+                    <a:lstStyle/>
+                    <a:p>
+                      <a:pPr marL="0" marR="0" algn="l">
+                        <a:lnSpc>
+                          <a:spcPct val="107000"/>
+                        </a:lnSpc>
+                        <a:spcBef>
+                          <a:spcPts val="0"/>
+                        </a:spcBef>
+                        <a:spcAft>
+                          <a:spcPts val="0"/>
+                        </a:spcAft>
+                      </a:pPr>
+                      <a:r>
+                        <a:rPr lang="en-US" sz="3300" dirty="0">
+                          <a:effectLst/>
+                          <a:latin typeface="Calibri" panose="020F0502020204030204" pitchFamily="34" charset="0"/>
+                          <a:ea typeface="Calibri" panose="020F0502020204030204" pitchFamily="34" charset="0"/>
+                          <a:cs typeface="Times New Roman" panose="02020603050405020304" pitchFamily="18" charset="0"/>
+                        </a:rPr>
+                        <a:t>Requires new PCB for additional circuitry</a:t>
+                      </a:r>
+                    </a:p>
+                  </a:txBody>
+                  <a:tcPr marL="68580" marR="68580" marT="0" marB="0"/>
+                </a:tc>
+                <a:tc>
+                  <a:txBody>
+                    <a:bodyPr/>
+                    <a:lstStyle/>
+                    <a:p>
+                      <a:pPr marL="0" marR="0" algn="l">
+                        <a:lnSpc>
+                          <a:spcPct val="107000"/>
+                        </a:lnSpc>
+                        <a:spcBef>
+                          <a:spcPts val="0"/>
+                        </a:spcBef>
+                        <a:spcAft>
+                          <a:spcPts val="0"/>
+                        </a:spcAft>
+                      </a:pPr>
+                      <a:r>
+                        <a:rPr lang="en-US" sz="3300" dirty="0">
+                          <a:effectLst/>
+                          <a:latin typeface="Calibri" panose="020F0502020204030204" pitchFamily="34" charset="0"/>
+                          <a:ea typeface="Calibri" panose="020F0502020204030204" pitchFamily="34" charset="0"/>
+                          <a:cs typeface="Times New Roman" panose="02020603050405020304" pitchFamily="18" charset="0"/>
+                        </a:rPr>
+                        <a:t>Robust options for daughter boards</a:t>
+                      </a:r>
+                    </a:p>
+                  </a:txBody>
+                  <a:tcPr marL="68580" marR="68580" marT="0" marB="0"/>
+                </a:tc>
+                <a:extLst>
+                  <a:ext uri="{0D108BD9-81ED-4DB2-BD59-A6C34878D82A}">
+                    <a16:rowId xmlns:a16="http://schemas.microsoft.com/office/drawing/2014/main" val="1224624016"/>
+                  </a:ext>
+                </a:extLst>
+              </a:tr>
             </a:tbl>
           </a:graphicData>
         </a:graphic>
       </p:graphicFrame>
       <p:sp>
         <p:nvSpPr>
-          <p:cNvPr id="8" name="Rectangle 7">
+          <p:cNvPr id="17" name="Text Placeholder 1">
             <a:extLst>
               <a:ext uri="{FF2B5EF4-FFF2-40B4-BE49-F238E27FC236}">
-                <a16:creationId xmlns:a16="http://schemas.microsoft.com/office/drawing/2014/main" id="{FB955D59-81D9-4847-B5C9-95F65E1DA92A}"/>
+                <a16:creationId xmlns:a16="http://schemas.microsoft.com/office/drawing/2014/main" id="{AE680DD8-CD50-4A62-AF39-CDA7318CFE9A}"/>
               </a:ext>
             </a:extLst>
           </p:cNvPr>
-          <p:cNvSpPr/>
+          <p:cNvSpPr txBox="1">
+            <a:spLocks/>
+          </p:cNvSpPr>
           <p:nvPr/>
         </p:nvSpPr>
         <p:spPr>
           <a:xfrm>
-            <a:off x="29603700" y="23584951"/>
-            <a:ext cx="6934200" cy="3733800"/>
+            <a:off x="914400" y="8610600"/>
+            <a:ext cx="8018880" cy="830997"/>
           </a:xfrm>
           <a:prstGeom prst="rect">
             <a:avLst/>
           </a:prstGeom>
-          <a:solidFill>
-            <a:schemeClr val="bg1"/>
-          </a:solidFill>
-          <a:ln>
-            <a:solidFill>
-              <a:schemeClr val="bg1"/>
-            </a:solidFill>
-          </a:ln>
         </p:spPr>
-        <p:style>
-          <a:lnRef idx="2">
-            <a:schemeClr val="accent1">
-              <a:shade val="50000"/>
-            </a:schemeClr>
-          </a:lnRef>
-          <a:fillRef idx="1">
-            <a:schemeClr val="accent1"/>
-          </a:fillRef>
-          <a:effectRef idx="0">
-            <a:schemeClr val="accent1"/>
-          </a:effectRef>
-          <a:fontRef idx="minor">
-            <a:schemeClr val="lt1"/>
-          </a:fontRef>
-        </p:style>
         <p:txBody>
-          <a:bodyPr rtlCol="0" anchor="ctr"/>
-          <a:lstStyle/>
+          <a:bodyPr vert="horz" wrap="square" lIns="0" tIns="0" rIns="0" bIns="0" rtlCol="0">
+            <a:spAutoFit/>
+          </a:bodyPr>
+          <a:lstStyle>
+            <a:lvl1pPr marL="0" indent="0" algn="l" defTabSz="2438361" rtl="0" eaLnBrk="1" latinLnBrk="0" hangingPunct="1">
+              <a:lnSpc>
+                <a:spcPct val="100000"/>
+              </a:lnSpc>
+              <a:spcBef>
+                <a:spcPts val="0"/>
+              </a:spcBef>
+              <a:spcAft>
+                <a:spcPts val="2500"/>
+              </a:spcAft>
+              <a:buClr>
+                <a:schemeClr val="accent3"/>
+              </a:buClr>
+              <a:buSzPct val="120000"/>
+              <a:buFont typeface="Wingdings" charset="2"/>
+              <a:buNone/>
+              <a:defRPr sz="5400" b="1" i="0" kern="1200" cap="all" baseline="0">
+                <a:solidFill>
+                  <a:schemeClr val="tx1"/>
+                </a:solidFill>
+                <a:latin typeface="Franklin Gothic Book" panose="020B0503020102020204" pitchFamily="34" charset="0"/>
+                <a:ea typeface="Franklin Gothic Book" panose="020B0503020102020204" pitchFamily="34" charset="0"/>
+                <a:cs typeface="Franklin Gothic Book" panose="020B0503020102020204" pitchFamily="34" charset="0"/>
+              </a:defRPr>
+            </a:lvl1pPr>
+            <a:lvl2pPr marL="914362" indent="-571477" algn="l" defTabSz="2438361" rtl="0" eaLnBrk="1" latinLnBrk="0" hangingPunct="1">
+              <a:lnSpc>
+                <a:spcPts val="5300"/>
+              </a:lnSpc>
+              <a:spcBef>
+                <a:spcPts val="0"/>
+              </a:spcBef>
+              <a:spcAft>
+                <a:spcPts val="2500"/>
+              </a:spcAft>
+              <a:buClr>
+                <a:schemeClr val="accent3"/>
+              </a:buClr>
+              <a:buSzPct val="120000"/>
+              <a:buFont typeface="Wingdings" charset="2"/>
+              <a:buChar char="§"/>
+              <a:defRPr sz="3300" b="0" i="0" kern="1200">
+                <a:solidFill>
+                  <a:schemeClr val="tx1"/>
+                </a:solidFill>
+                <a:latin typeface="Franklin Gothic Book" panose="020B0503020102020204" pitchFamily="34" charset="0"/>
+                <a:ea typeface="Franklin Gothic Book" panose="020B0503020102020204" pitchFamily="34" charset="0"/>
+                <a:cs typeface="Franklin Gothic Book" panose="020B0503020102020204" pitchFamily="34" charset="0"/>
+              </a:defRPr>
+            </a:lvl2pPr>
+            <a:lvl3pPr marL="1462978" indent="-571477" algn="l" defTabSz="2438361" rtl="0" eaLnBrk="1" latinLnBrk="0" hangingPunct="1">
+              <a:lnSpc>
+                <a:spcPts val="5300"/>
+              </a:lnSpc>
+              <a:spcBef>
+                <a:spcPts val="0"/>
+              </a:spcBef>
+              <a:spcAft>
+                <a:spcPts val="2500"/>
+              </a:spcAft>
+              <a:buClr>
+                <a:schemeClr val="accent3"/>
+              </a:buClr>
+              <a:buSzPct val="120000"/>
+              <a:buFont typeface="Wingdings" charset="2"/>
+              <a:buChar char="§"/>
+              <a:defRPr sz="3300" b="0" i="0" kern="1200">
+                <a:solidFill>
+                  <a:schemeClr val="tx1"/>
+                </a:solidFill>
+                <a:latin typeface="Franklin Gothic Book" panose="020B0503020102020204" pitchFamily="34" charset="0"/>
+                <a:ea typeface="Franklin Gothic Book" panose="020B0503020102020204" pitchFamily="34" charset="0"/>
+                <a:cs typeface="Franklin Gothic Book" panose="020B0503020102020204" pitchFamily="34" charset="0"/>
+              </a:defRPr>
+            </a:lvl3pPr>
+            <a:lvl4pPr marL="2103032" indent="-571477" algn="l" defTabSz="2438361" rtl="0" eaLnBrk="1" latinLnBrk="0" hangingPunct="1">
+              <a:lnSpc>
+                <a:spcPts val="5300"/>
+              </a:lnSpc>
+              <a:spcBef>
+                <a:spcPts val="0"/>
+              </a:spcBef>
+              <a:spcAft>
+                <a:spcPts val="2500"/>
+              </a:spcAft>
+              <a:buClr>
+                <a:schemeClr val="accent3"/>
+              </a:buClr>
+              <a:buSzPct val="120000"/>
+              <a:buFont typeface="Wingdings" charset="2"/>
+              <a:buChar char="§"/>
+              <a:defRPr sz="3300" b="0" i="0" kern="1200">
+                <a:solidFill>
+                  <a:schemeClr val="tx1"/>
+                </a:solidFill>
+                <a:latin typeface="Franklin Gothic Book" panose="020B0503020102020204" pitchFamily="34" charset="0"/>
+                <a:ea typeface="Franklin Gothic Book" panose="020B0503020102020204" pitchFamily="34" charset="0"/>
+                <a:cs typeface="Franklin Gothic Book" panose="020B0503020102020204" pitchFamily="34" charset="0"/>
+              </a:defRPr>
+            </a:lvl4pPr>
+            <a:lvl5pPr marL="2651650" indent="-571477" algn="l" defTabSz="2438361" rtl="0" eaLnBrk="1" latinLnBrk="0" hangingPunct="1">
+              <a:lnSpc>
+                <a:spcPts val="5300"/>
+              </a:lnSpc>
+              <a:spcBef>
+                <a:spcPts val="0"/>
+              </a:spcBef>
+              <a:spcAft>
+                <a:spcPts val="2500"/>
+              </a:spcAft>
+              <a:buClr>
+                <a:schemeClr val="accent3"/>
+              </a:buClr>
+              <a:buSzPct val="120000"/>
+              <a:buFont typeface="Wingdings" charset="2"/>
+              <a:buChar char="§"/>
+              <a:defRPr sz="3300" b="0" i="0" kern="1200">
+                <a:solidFill>
+                  <a:schemeClr val="tx1"/>
+                </a:solidFill>
+                <a:latin typeface="Franklin Gothic Book" panose="020B0503020102020204" pitchFamily="34" charset="0"/>
+                <a:ea typeface="Franklin Gothic Book" panose="020B0503020102020204" pitchFamily="34" charset="0"/>
+                <a:cs typeface="Franklin Gothic Book" panose="020B0503020102020204" pitchFamily="34" charset="0"/>
+              </a:defRPr>
+            </a:lvl5pPr>
+            <a:lvl6pPr marL="6705487" indent="-609589" algn="l" defTabSz="2438361" rtl="0" eaLnBrk="1" latinLnBrk="0" hangingPunct="1">
+              <a:spcBef>
+                <a:spcPct val="20000"/>
+              </a:spcBef>
+              <a:buFont typeface="Arial" panose="020B0604020202020204" pitchFamily="34" charset="0"/>
+              <a:buChar char="•"/>
+              <a:defRPr sz="5300" kern="1200">
+                <a:solidFill>
+                  <a:schemeClr val="tx1"/>
+                </a:solidFill>
+                <a:latin typeface="+mn-lt"/>
+                <a:ea typeface="+mn-ea"/>
+                <a:cs typeface="+mn-cs"/>
+              </a:defRPr>
+            </a:lvl6pPr>
+            <a:lvl7pPr marL="7924669" indent="-609589" algn="l" defTabSz="2438361" rtl="0" eaLnBrk="1" latinLnBrk="0" hangingPunct="1">
+              <a:spcBef>
+                <a:spcPct val="20000"/>
+              </a:spcBef>
+              <a:buFont typeface="Arial" panose="020B0604020202020204" pitchFamily="34" charset="0"/>
+              <a:buChar char="•"/>
+              <a:defRPr sz="5300" kern="1200">
+                <a:solidFill>
+                  <a:schemeClr val="tx1"/>
+                </a:solidFill>
+                <a:latin typeface="+mn-lt"/>
+                <a:ea typeface="+mn-ea"/>
+                <a:cs typeface="+mn-cs"/>
+              </a:defRPr>
+            </a:lvl7pPr>
+            <a:lvl8pPr marL="9143849" indent="-609589" algn="l" defTabSz="2438361" rtl="0" eaLnBrk="1" latinLnBrk="0" hangingPunct="1">
+              <a:spcBef>
+                <a:spcPct val="20000"/>
+              </a:spcBef>
+              <a:buFont typeface="Arial" panose="020B0604020202020204" pitchFamily="34" charset="0"/>
+              <a:buChar char="•"/>
+              <a:defRPr sz="5300" kern="1200">
+                <a:solidFill>
+                  <a:schemeClr val="tx1"/>
+                </a:solidFill>
+                <a:latin typeface="+mn-lt"/>
+                <a:ea typeface="+mn-ea"/>
+                <a:cs typeface="+mn-cs"/>
+              </a:defRPr>
+            </a:lvl8pPr>
+            <a:lvl9pPr marL="10363028" indent="-609589" algn="l" defTabSz="2438361" rtl="0" eaLnBrk="1" latinLnBrk="0" hangingPunct="1">
+              <a:spcBef>
+                <a:spcPct val="20000"/>
+              </a:spcBef>
+              <a:buFont typeface="Arial" panose="020B0604020202020204" pitchFamily="34" charset="0"/>
+              <a:buChar char="•"/>
+              <a:defRPr sz="5300" kern="1200">
+                <a:solidFill>
+                  <a:schemeClr val="tx1"/>
+                </a:solidFill>
+                <a:latin typeface="+mn-lt"/>
+                <a:ea typeface="+mn-ea"/>
+                <a:cs typeface="+mn-cs"/>
+              </a:defRPr>
+            </a:lvl9pPr>
+          </a:lstStyle>
+          <a:p>
+            <a:r>
+              <a:rPr lang="en-US" dirty="0"/>
+              <a:t>Design outcomes</a:t>
+            </a:r>
+          </a:p>
+        </p:txBody>
+      </p:sp>
+      <p:sp>
+        <p:nvSpPr>
+          <p:cNvPr id="19" name="Text Placeholder 2">
+            <a:extLst>
+              <a:ext uri="{FF2B5EF4-FFF2-40B4-BE49-F238E27FC236}">
+                <a16:creationId xmlns:a16="http://schemas.microsoft.com/office/drawing/2014/main" id="{9DF4FB31-0C84-418C-8A98-1BFF0F54B3EA}"/>
+              </a:ext>
+            </a:extLst>
+          </p:cNvPr>
+          <p:cNvSpPr txBox="1">
+            <a:spLocks/>
+          </p:cNvSpPr>
+          <p:nvPr/>
+        </p:nvSpPr>
+        <p:spPr>
+          <a:xfrm>
+            <a:off x="942046" y="9433131"/>
+            <a:ext cx="10010793" cy="3325782"/>
+          </a:xfrm>
+          <a:prstGeom prst="rect">
+            <a:avLst/>
+          </a:prstGeom>
+        </p:spPr>
+        <p:txBody>
+          <a:bodyPr vert="horz" wrap="square" lIns="0" tIns="0" rIns="0" bIns="0" rtlCol="0">
+            <a:spAutoFit/>
+          </a:bodyPr>
+          <a:lstStyle>
+            <a:lvl1pPr marL="0" marR="0" indent="0" algn="l" defTabSz="2438361" rtl="0" eaLnBrk="1" fontAlgn="auto" latinLnBrk="0" hangingPunct="1">
+              <a:lnSpc>
+                <a:spcPts val="5300"/>
+              </a:lnSpc>
+              <a:spcBef>
+                <a:spcPts val="0"/>
+              </a:spcBef>
+              <a:spcAft>
+                <a:spcPts val="2500"/>
+              </a:spcAft>
+              <a:buClrTx/>
+              <a:buSzTx/>
+              <a:buFont typeface="Arial" panose="020B0604020202020204" pitchFamily="34" charset="0"/>
+              <a:buNone/>
+              <a:tabLst/>
+              <a:defRPr lang="en-US" sz="3300" b="0" i="0" kern="1200" baseline="0" smtClean="0">
+                <a:solidFill>
+                  <a:schemeClr val="tx1"/>
+                </a:solidFill>
+                <a:effectLst/>
+                <a:latin typeface="Franklin Gothic Book" panose="020B0503020102020204" pitchFamily="34" charset="0"/>
+                <a:ea typeface="Franklin Gothic Book" panose="020B0503020102020204" pitchFamily="34" charset="0"/>
+                <a:cs typeface="Franklin Gothic Book" panose="020B0503020102020204" pitchFamily="34" charset="0"/>
+              </a:defRPr>
+            </a:lvl1pPr>
+            <a:lvl2pPr marL="914362" indent="-571477" algn="l" defTabSz="2438361" rtl="0" eaLnBrk="1" latinLnBrk="0" hangingPunct="1">
+              <a:lnSpc>
+                <a:spcPts val="5300"/>
+              </a:lnSpc>
+              <a:spcBef>
+                <a:spcPts val="0"/>
+              </a:spcBef>
+              <a:spcAft>
+                <a:spcPts val="2500"/>
+              </a:spcAft>
+              <a:buClr>
+                <a:schemeClr val="accent3"/>
+              </a:buClr>
+              <a:buSzPct val="120000"/>
+              <a:buFont typeface="Wingdings" charset="2"/>
+              <a:buChar char="§"/>
+              <a:defRPr sz="3300" b="0" i="0" kern="1200">
+                <a:solidFill>
+                  <a:schemeClr val="tx1"/>
+                </a:solidFill>
+                <a:latin typeface="Franklin Gothic Book" panose="020B0503020102020204" pitchFamily="34" charset="0"/>
+                <a:ea typeface="Franklin Gothic Book" panose="020B0503020102020204" pitchFamily="34" charset="0"/>
+                <a:cs typeface="Franklin Gothic Book" panose="020B0503020102020204" pitchFamily="34" charset="0"/>
+              </a:defRPr>
+            </a:lvl2pPr>
+            <a:lvl3pPr marL="1462978" indent="-571477" algn="l" defTabSz="2438361" rtl="0" eaLnBrk="1" latinLnBrk="0" hangingPunct="1">
+              <a:lnSpc>
+                <a:spcPts val="5300"/>
+              </a:lnSpc>
+              <a:spcBef>
+                <a:spcPts val="0"/>
+              </a:spcBef>
+              <a:spcAft>
+                <a:spcPts val="2500"/>
+              </a:spcAft>
+              <a:buClr>
+                <a:schemeClr val="accent3"/>
+              </a:buClr>
+              <a:buSzPct val="120000"/>
+              <a:buFont typeface="Wingdings" charset="2"/>
+              <a:buChar char="§"/>
+              <a:defRPr sz="3300" b="0" i="0" kern="1200">
+                <a:solidFill>
+                  <a:schemeClr val="tx1"/>
+                </a:solidFill>
+                <a:latin typeface="Franklin Gothic Book" panose="020B0503020102020204" pitchFamily="34" charset="0"/>
+                <a:ea typeface="Franklin Gothic Book" panose="020B0503020102020204" pitchFamily="34" charset="0"/>
+                <a:cs typeface="Franklin Gothic Book" panose="020B0503020102020204" pitchFamily="34" charset="0"/>
+              </a:defRPr>
+            </a:lvl3pPr>
+            <a:lvl4pPr marL="2103032" indent="-571477" algn="l" defTabSz="2438361" rtl="0" eaLnBrk="1" latinLnBrk="0" hangingPunct="1">
+              <a:lnSpc>
+                <a:spcPts val="5300"/>
+              </a:lnSpc>
+              <a:spcBef>
+                <a:spcPts val="0"/>
+              </a:spcBef>
+              <a:spcAft>
+                <a:spcPts val="2500"/>
+              </a:spcAft>
+              <a:buClr>
+                <a:schemeClr val="accent3"/>
+              </a:buClr>
+              <a:buSzPct val="120000"/>
+              <a:buFont typeface="Wingdings" charset="2"/>
+              <a:buChar char="§"/>
+              <a:defRPr sz="3300" b="0" i="0" kern="1200">
+                <a:solidFill>
+                  <a:schemeClr val="tx1"/>
+                </a:solidFill>
+                <a:latin typeface="Franklin Gothic Book" panose="020B0503020102020204" pitchFamily="34" charset="0"/>
+                <a:ea typeface="Franklin Gothic Book" panose="020B0503020102020204" pitchFamily="34" charset="0"/>
+                <a:cs typeface="Franklin Gothic Book" panose="020B0503020102020204" pitchFamily="34" charset="0"/>
+              </a:defRPr>
+            </a:lvl4pPr>
+            <a:lvl5pPr marL="2651650" indent="-571477" algn="l" defTabSz="2438361" rtl="0" eaLnBrk="1" latinLnBrk="0" hangingPunct="1">
+              <a:lnSpc>
+                <a:spcPts val="5300"/>
+              </a:lnSpc>
+              <a:spcBef>
+                <a:spcPts val="0"/>
+              </a:spcBef>
+              <a:spcAft>
+                <a:spcPts val="2500"/>
+              </a:spcAft>
+              <a:buClr>
+                <a:schemeClr val="accent3"/>
+              </a:buClr>
+              <a:buSzPct val="120000"/>
+              <a:buFont typeface="Wingdings" charset="2"/>
+              <a:buChar char="§"/>
+              <a:defRPr sz="3300" b="0" i="0" kern="1200">
+                <a:solidFill>
+                  <a:schemeClr val="tx1"/>
+                </a:solidFill>
+                <a:latin typeface="Franklin Gothic Book" panose="020B0503020102020204" pitchFamily="34" charset="0"/>
+                <a:ea typeface="Franklin Gothic Book" panose="020B0503020102020204" pitchFamily="34" charset="0"/>
+                <a:cs typeface="Franklin Gothic Book" panose="020B0503020102020204" pitchFamily="34" charset="0"/>
+              </a:defRPr>
+            </a:lvl5pPr>
+            <a:lvl6pPr marL="6705487" indent="-609589" algn="l" defTabSz="2438361" rtl="0" eaLnBrk="1" latinLnBrk="0" hangingPunct="1">
+              <a:spcBef>
+                <a:spcPct val="20000"/>
+              </a:spcBef>
+              <a:buFont typeface="Arial" panose="020B0604020202020204" pitchFamily="34" charset="0"/>
+              <a:buChar char="•"/>
+              <a:defRPr sz="5300" kern="1200">
+                <a:solidFill>
+                  <a:schemeClr val="tx1"/>
+                </a:solidFill>
+                <a:latin typeface="+mn-lt"/>
+                <a:ea typeface="+mn-ea"/>
+                <a:cs typeface="+mn-cs"/>
+              </a:defRPr>
+            </a:lvl6pPr>
+            <a:lvl7pPr marL="7924669" indent="-609589" algn="l" defTabSz="2438361" rtl="0" eaLnBrk="1" latinLnBrk="0" hangingPunct="1">
+              <a:spcBef>
+                <a:spcPct val="20000"/>
+              </a:spcBef>
+              <a:buFont typeface="Arial" panose="020B0604020202020204" pitchFamily="34" charset="0"/>
+              <a:buChar char="•"/>
+              <a:defRPr sz="5300" kern="1200">
+                <a:solidFill>
+                  <a:schemeClr val="tx1"/>
+                </a:solidFill>
+                <a:latin typeface="+mn-lt"/>
+                <a:ea typeface="+mn-ea"/>
+                <a:cs typeface="+mn-cs"/>
+              </a:defRPr>
+            </a:lvl7pPr>
+            <a:lvl8pPr marL="9143849" indent="-609589" algn="l" defTabSz="2438361" rtl="0" eaLnBrk="1" latinLnBrk="0" hangingPunct="1">
+              <a:spcBef>
+                <a:spcPct val="20000"/>
+              </a:spcBef>
+              <a:buFont typeface="Arial" panose="020B0604020202020204" pitchFamily="34" charset="0"/>
+              <a:buChar char="•"/>
+              <a:defRPr sz="5300" kern="1200">
+                <a:solidFill>
+                  <a:schemeClr val="tx1"/>
+                </a:solidFill>
+                <a:latin typeface="+mn-lt"/>
+                <a:ea typeface="+mn-ea"/>
+                <a:cs typeface="+mn-cs"/>
+              </a:defRPr>
+            </a:lvl8pPr>
+            <a:lvl9pPr marL="10363028" indent="-609589" algn="l" defTabSz="2438361" rtl="0" eaLnBrk="1" latinLnBrk="0" hangingPunct="1">
+              <a:spcBef>
+                <a:spcPct val="20000"/>
+              </a:spcBef>
+              <a:buFont typeface="Arial" panose="020B0604020202020204" pitchFamily="34" charset="0"/>
+              <a:buChar char="•"/>
+              <a:defRPr sz="5300" kern="1200">
+                <a:solidFill>
+                  <a:schemeClr val="tx1"/>
+                </a:solidFill>
+                <a:latin typeface="+mn-lt"/>
+                <a:ea typeface="+mn-ea"/>
+                <a:cs typeface="+mn-cs"/>
+              </a:defRPr>
+            </a:lvl9pPr>
+          </a:lstStyle>
+          <a:p>
+            <a:pPr algn="just"/>
+            <a:r>
+              <a:rPr lang="en-US" dirty="0"/>
+              <a:t>Plans for a commercially viable data acquisition platform were designed then sent to a contract manufacturer for assembly. The new embedded hardware improved upon the prototype devices, currently being used by the client, in a number of ways:</a:t>
+            </a:r>
+          </a:p>
+        </p:txBody>
+      </p:sp>
+      <p:sp>
+        <p:nvSpPr>
+          <p:cNvPr id="20" name="Text Placeholder 1">
+            <a:extLst>
+              <a:ext uri="{FF2B5EF4-FFF2-40B4-BE49-F238E27FC236}">
+                <a16:creationId xmlns:a16="http://schemas.microsoft.com/office/drawing/2014/main" id="{E323CA98-B0DA-4832-9660-3FA6A56CB4A0}"/>
+              </a:ext>
+            </a:extLst>
+          </p:cNvPr>
+          <p:cNvSpPr txBox="1">
+            <a:spLocks/>
+          </p:cNvSpPr>
+          <p:nvPr/>
+        </p:nvSpPr>
+        <p:spPr>
+          <a:xfrm>
+            <a:off x="25610306" y="16230600"/>
+            <a:ext cx="8335107" cy="830997"/>
+          </a:xfrm>
+          <a:prstGeom prst="rect">
+            <a:avLst/>
+          </a:prstGeom>
+        </p:spPr>
+        <p:txBody>
+          <a:bodyPr vert="horz" wrap="square" lIns="0" tIns="0" rIns="0" bIns="0" rtlCol="0">
+            <a:spAutoFit/>
+          </a:bodyPr>
+          <a:lstStyle>
+            <a:lvl1pPr marL="0" indent="0" algn="l" defTabSz="2438361" rtl="0" eaLnBrk="1" latinLnBrk="0" hangingPunct="1">
+              <a:lnSpc>
+                <a:spcPct val="100000"/>
+              </a:lnSpc>
+              <a:spcBef>
+                <a:spcPts val="0"/>
+              </a:spcBef>
+              <a:spcAft>
+                <a:spcPts val="2500"/>
+              </a:spcAft>
+              <a:buClr>
+                <a:schemeClr val="accent3"/>
+              </a:buClr>
+              <a:buSzPct val="120000"/>
+              <a:buFont typeface="Wingdings" charset="2"/>
+              <a:buNone/>
+              <a:defRPr sz="5400" b="1" i="0" kern="1200" cap="all" baseline="0">
+                <a:solidFill>
+                  <a:schemeClr val="tx1"/>
+                </a:solidFill>
+                <a:latin typeface="Franklin Gothic Book" panose="020B0503020102020204" pitchFamily="34" charset="0"/>
+                <a:ea typeface="Franklin Gothic Book" panose="020B0503020102020204" pitchFamily="34" charset="0"/>
+                <a:cs typeface="Franklin Gothic Book" panose="020B0503020102020204" pitchFamily="34" charset="0"/>
+              </a:defRPr>
+            </a:lvl1pPr>
+            <a:lvl2pPr marL="914362" indent="-571477" algn="l" defTabSz="2438361" rtl="0" eaLnBrk="1" latinLnBrk="0" hangingPunct="1">
+              <a:lnSpc>
+                <a:spcPts val="5300"/>
+              </a:lnSpc>
+              <a:spcBef>
+                <a:spcPts val="0"/>
+              </a:spcBef>
+              <a:spcAft>
+                <a:spcPts val="2500"/>
+              </a:spcAft>
+              <a:buClr>
+                <a:schemeClr val="accent3"/>
+              </a:buClr>
+              <a:buSzPct val="120000"/>
+              <a:buFont typeface="Wingdings" charset="2"/>
+              <a:buChar char="§"/>
+              <a:defRPr sz="3300" b="0" i="0" kern="1200">
+                <a:solidFill>
+                  <a:schemeClr val="tx1"/>
+                </a:solidFill>
+                <a:latin typeface="Franklin Gothic Book" panose="020B0503020102020204" pitchFamily="34" charset="0"/>
+                <a:ea typeface="Franklin Gothic Book" panose="020B0503020102020204" pitchFamily="34" charset="0"/>
+                <a:cs typeface="Franklin Gothic Book" panose="020B0503020102020204" pitchFamily="34" charset="0"/>
+              </a:defRPr>
+            </a:lvl2pPr>
+            <a:lvl3pPr marL="1462978" indent="-571477" algn="l" defTabSz="2438361" rtl="0" eaLnBrk="1" latinLnBrk="0" hangingPunct="1">
+              <a:lnSpc>
+                <a:spcPts val="5300"/>
+              </a:lnSpc>
+              <a:spcBef>
+                <a:spcPts val="0"/>
+              </a:spcBef>
+              <a:spcAft>
+                <a:spcPts val="2500"/>
+              </a:spcAft>
+              <a:buClr>
+                <a:schemeClr val="accent3"/>
+              </a:buClr>
+              <a:buSzPct val="120000"/>
+              <a:buFont typeface="Wingdings" charset="2"/>
+              <a:buChar char="§"/>
+              <a:defRPr sz="3300" b="0" i="0" kern="1200">
+                <a:solidFill>
+                  <a:schemeClr val="tx1"/>
+                </a:solidFill>
+                <a:latin typeface="Franklin Gothic Book" panose="020B0503020102020204" pitchFamily="34" charset="0"/>
+                <a:ea typeface="Franklin Gothic Book" panose="020B0503020102020204" pitchFamily="34" charset="0"/>
+                <a:cs typeface="Franklin Gothic Book" panose="020B0503020102020204" pitchFamily="34" charset="0"/>
+              </a:defRPr>
+            </a:lvl3pPr>
+            <a:lvl4pPr marL="2103032" indent="-571477" algn="l" defTabSz="2438361" rtl="0" eaLnBrk="1" latinLnBrk="0" hangingPunct="1">
+              <a:lnSpc>
+                <a:spcPts val="5300"/>
+              </a:lnSpc>
+              <a:spcBef>
+                <a:spcPts val="0"/>
+              </a:spcBef>
+              <a:spcAft>
+                <a:spcPts val="2500"/>
+              </a:spcAft>
+              <a:buClr>
+                <a:schemeClr val="accent3"/>
+              </a:buClr>
+              <a:buSzPct val="120000"/>
+              <a:buFont typeface="Wingdings" charset="2"/>
+              <a:buChar char="§"/>
+              <a:defRPr sz="3300" b="0" i="0" kern="1200">
+                <a:solidFill>
+                  <a:schemeClr val="tx1"/>
+                </a:solidFill>
+                <a:latin typeface="Franklin Gothic Book" panose="020B0503020102020204" pitchFamily="34" charset="0"/>
+                <a:ea typeface="Franklin Gothic Book" panose="020B0503020102020204" pitchFamily="34" charset="0"/>
+                <a:cs typeface="Franklin Gothic Book" panose="020B0503020102020204" pitchFamily="34" charset="0"/>
+              </a:defRPr>
+            </a:lvl4pPr>
+            <a:lvl5pPr marL="2651650" indent="-571477" algn="l" defTabSz="2438361" rtl="0" eaLnBrk="1" latinLnBrk="0" hangingPunct="1">
+              <a:lnSpc>
+                <a:spcPts val="5300"/>
+              </a:lnSpc>
+              <a:spcBef>
+                <a:spcPts val="0"/>
+              </a:spcBef>
+              <a:spcAft>
+                <a:spcPts val="2500"/>
+              </a:spcAft>
+              <a:buClr>
+                <a:schemeClr val="accent3"/>
+              </a:buClr>
+              <a:buSzPct val="120000"/>
+              <a:buFont typeface="Wingdings" charset="2"/>
+              <a:buChar char="§"/>
+              <a:defRPr sz="3300" b="0" i="0" kern="1200">
+                <a:solidFill>
+                  <a:schemeClr val="tx1"/>
+                </a:solidFill>
+                <a:latin typeface="Franklin Gothic Book" panose="020B0503020102020204" pitchFamily="34" charset="0"/>
+                <a:ea typeface="Franklin Gothic Book" panose="020B0503020102020204" pitchFamily="34" charset="0"/>
+                <a:cs typeface="Franklin Gothic Book" panose="020B0503020102020204" pitchFamily="34" charset="0"/>
+              </a:defRPr>
+            </a:lvl5pPr>
+            <a:lvl6pPr marL="6705487" indent="-609589" algn="l" defTabSz="2438361" rtl="0" eaLnBrk="1" latinLnBrk="0" hangingPunct="1">
+              <a:spcBef>
+                <a:spcPct val="20000"/>
+              </a:spcBef>
+              <a:buFont typeface="Arial" panose="020B0604020202020204" pitchFamily="34" charset="0"/>
+              <a:buChar char="•"/>
+              <a:defRPr sz="5300" kern="1200">
+                <a:solidFill>
+                  <a:schemeClr val="tx1"/>
+                </a:solidFill>
+                <a:latin typeface="+mn-lt"/>
+                <a:ea typeface="+mn-ea"/>
+                <a:cs typeface="+mn-cs"/>
+              </a:defRPr>
+            </a:lvl6pPr>
+            <a:lvl7pPr marL="7924669" indent="-609589" algn="l" defTabSz="2438361" rtl="0" eaLnBrk="1" latinLnBrk="0" hangingPunct="1">
+              <a:spcBef>
+                <a:spcPct val="20000"/>
+              </a:spcBef>
+              <a:buFont typeface="Arial" panose="020B0604020202020204" pitchFamily="34" charset="0"/>
+              <a:buChar char="•"/>
+              <a:defRPr sz="5300" kern="1200">
+                <a:solidFill>
+                  <a:schemeClr val="tx1"/>
+                </a:solidFill>
+                <a:latin typeface="+mn-lt"/>
+                <a:ea typeface="+mn-ea"/>
+                <a:cs typeface="+mn-cs"/>
+              </a:defRPr>
+            </a:lvl7pPr>
+            <a:lvl8pPr marL="9143849" indent="-609589" algn="l" defTabSz="2438361" rtl="0" eaLnBrk="1" latinLnBrk="0" hangingPunct="1">
+              <a:spcBef>
+                <a:spcPct val="20000"/>
+              </a:spcBef>
+              <a:buFont typeface="Arial" panose="020B0604020202020204" pitchFamily="34" charset="0"/>
+              <a:buChar char="•"/>
+              <a:defRPr sz="5300" kern="1200">
+                <a:solidFill>
+                  <a:schemeClr val="tx1"/>
+                </a:solidFill>
+                <a:latin typeface="+mn-lt"/>
+                <a:ea typeface="+mn-ea"/>
+                <a:cs typeface="+mn-cs"/>
+              </a:defRPr>
+            </a:lvl8pPr>
+            <a:lvl9pPr marL="10363028" indent="-609589" algn="l" defTabSz="2438361" rtl="0" eaLnBrk="1" latinLnBrk="0" hangingPunct="1">
+              <a:spcBef>
+                <a:spcPct val="20000"/>
+              </a:spcBef>
+              <a:buFont typeface="Arial" panose="020B0604020202020204" pitchFamily="34" charset="0"/>
+              <a:buChar char="•"/>
+              <a:defRPr sz="5300" kern="1200">
+                <a:solidFill>
+                  <a:schemeClr val="tx1"/>
+                </a:solidFill>
+                <a:latin typeface="+mn-lt"/>
+                <a:ea typeface="+mn-ea"/>
+                <a:cs typeface="+mn-cs"/>
+              </a:defRPr>
+            </a:lvl9pPr>
+          </a:lstStyle>
+          <a:p>
+            <a:r>
+              <a:rPr lang="en-US" dirty="0"/>
+              <a:t>Team </a:t>
+            </a:r>
+            <a:r>
+              <a:rPr lang="en-US" dirty="0" err="1"/>
+              <a:t>CropTop</a:t>
+            </a:r>
+            <a:endParaRPr lang="en-US" dirty="0"/>
+          </a:p>
+        </p:txBody>
+      </p:sp>
+      <p:sp>
+        <p:nvSpPr>
+          <p:cNvPr id="25" name="Text Placeholder 2">
+            <a:extLst>
+              <a:ext uri="{FF2B5EF4-FFF2-40B4-BE49-F238E27FC236}">
+                <a16:creationId xmlns:a16="http://schemas.microsoft.com/office/drawing/2014/main" id="{FC9581FF-70A2-41A5-BAE7-93A23871368A}"/>
+              </a:ext>
+            </a:extLst>
+          </p:cNvPr>
+          <p:cNvSpPr txBox="1">
+            <a:spLocks/>
+          </p:cNvSpPr>
+          <p:nvPr/>
+        </p:nvSpPr>
+        <p:spPr>
+          <a:xfrm>
+            <a:off x="25594467" y="24993600"/>
+            <a:ext cx="10010793" cy="1607363"/>
+          </a:xfrm>
+          <a:prstGeom prst="rect">
+            <a:avLst/>
+          </a:prstGeom>
+        </p:spPr>
+        <p:txBody>
+          <a:bodyPr vert="horz" wrap="square" lIns="0" tIns="0" rIns="0" bIns="0" rtlCol="0">
+            <a:spAutoFit/>
+          </a:bodyPr>
+          <a:lstStyle>
+            <a:lvl1pPr marL="0" marR="0" indent="0" algn="l" defTabSz="2438361" rtl="0" eaLnBrk="1" fontAlgn="auto" latinLnBrk="0" hangingPunct="1">
+              <a:lnSpc>
+                <a:spcPts val="5300"/>
+              </a:lnSpc>
+              <a:spcBef>
+                <a:spcPts val="0"/>
+              </a:spcBef>
+              <a:spcAft>
+                <a:spcPts val="2500"/>
+              </a:spcAft>
+              <a:buClrTx/>
+              <a:buSzTx/>
+              <a:buFont typeface="Arial" panose="020B0604020202020204" pitchFamily="34" charset="0"/>
+              <a:buNone/>
+              <a:tabLst/>
+              <a:defRPr lang="en-US" sz="3300" b="0" i="0" kern="1200" baseline="0" smtClean="0">
+                <a:solidFill>
+                  <a:schemeClr val="tx1"/>
+                </a:solidFill>
+                <a:effectLst/>
+                <a:latin typeface="Franklin Gothic Book" panose="020B0503020102020204" pitchFamily="34" charset="0"/>
+                <a:ea typeface="Franklin Gothic Book" panose="020B0503020102020204" pitchFamily="34" charset="0"/>
+                <a:cs typeface="Franklin Gothic Book" panose="020B0503020102020204" pitchFamily="34" charset="0"/>
+              </a:defRPr>
+            </a:lvl1pPr>
+            <a:lvl2pPr marL="914362" indent="-571477" algn="l" defTabSz="2438361" rtl="0" eaLnBrk="1" latinLnBrk="0" hangingPunct="1">
+              <a:lnSpc>
+                <a:spcPts val="5300"/>
+              </a:lnSpc>
+              <a:spcBef>
+                <a:spcPts val="0"/>
+              </a:spcBef>
+              <a:spcAft>
+                <a:spcPts val="2500"/>
+              </a:spcAft>
+              <a:buClr>
+                <a:schemeClr val="accent3"/>
+              </a:buClr>
+              <a:buSzPct val="120000"/>
+              <a:buFont typeface="Wingdings" charset="2"/>
+              <a:buChar char="§"/>
+              <a:defRPr sz="3300" b="0" i="0" kern="1200">
+                <a:solidFill>
+                  <a:schemeClr val="tx1"/>
+                </a:solidFill>
+                <a:latin typeface="Franklin Gothic Book" panose="020B0503020102020204" pitchFamily="34" charset="0"/>
+                <a:ea typeface="Franklin Gothic Book" panose="020B0503020102020204" pitchFamily="34" charset="0"/>
+                <a:cs typeface="Franklin Gothic Book" panose="020B0503020102020204" pitchFamily="34" charset="0"/>
+              </a:defRPr>
+            </a:lvl2pPr>
+            <a:lvl3pPr marL="1462978" indent="-571477" algn="l" defTabSz="2438361" rtl="0" eaLnBrk="1" latinLnBrk="0" hangingPunct="1">
+              <a:lnSpc>
+                <a:spcPts val="5300"/>
+              </a:lnSpc>
+              <a:spcBef>
+                <a:spcPts val="0"/>
+              </a:spcBef>
+              <a:spcAft>
+                <a:spcPts val="2500"/>
+              </a:spcAft>
+              <a:buClr>
+                <a:schemeClr val="accent3"/>
+              </a:buClr>
+              <a:buSzPct val="120000"/>
+              <a:buFont typeface="Wingdings" charset="2"/>
+              <a:buChar char="§"/>
+              <a:defRPr sz="3300" b="0" i="0" kern="1200">
+                <a:solidFill>
+                  <a:schemeClr val="tx1"/>
+                </a:solidFill>
+                <a:latin typeface="Franklin Gothic Book" panose="020B0503020102020204" pitchFamily="34" charset="0"/>
+                <a:ea typeface="Franklin Gothic Book" panose="020B0503020102020204" pitchFamily="34" charset="0"/>
+                <a:cs typeface="Franklin Gothic Book" panose="020B0503020102020204" pitchFamily="34" charset="0"/>
+              </a:defRPr>
+            </a:lvl3pPr>
+            <a:lvl4pPr marL="2103032" indent="-571477" algn="l" defTabSz="2438361" rtl="0" eaLnBrk="1" latinLnBrk="0" hangingPunct="1">
+              <a:lnSpc>
+                <a:spcPts val="5300"/>
+              </a:lnSpc>
+              <a:spcBef>
+                <a:spcPts val="0"/>
+              </a:spcBef>
+              <a:spcAft>
+                <a:spcPts val="2500"/>
+              </a:spcAft>
+              <a:buClr>
+                <a:schemeClr val="accent3"/>
+              </a:buClr>
+              <a:buSzPct val="120000"/>
+              <a:buFont typeface="Wingdings" charset="2"/>
+              <a:buChar char="§"/>
+              <a:defRPr sz="3300" b="0" i="0" kern="1200">
+                <a:solidFill>
+                  <a:schemeClr val="tx1"/>
+                </a:solidFill>
+                <a:latin typeface="Franklin Gothic Book" panose="020B0503020102020204" pitchFamily="34" charset="0"/>
+                <a:ea typeface="Franklin Gothic Book" panose="020B0503020102020204" pitchFamily="34" charset="0"/>
+                <a:cs typeface="Franklin Gothic Book" panose="020B0503020102020204" pitchFamily="34" charset="0"/>
+              </a:defRPr>
+            </a:lvl4pPr>
+            <a:lvl5pPr marL="2651650" indent="-571477" algn="l" defTabSz="2438361" rtl="0" eaLnBrk="1" latinLnBrk="0" hangingPunct="1">
+              <a:lnSpc>
+                <a:spcPts val="5300"/>
+              </a:lnSpc>
+              <a:spcBef>
+                <a:spcPts val="0"/>
+              </a:spcBef>
+              <a:spcAft>
+                <a:spcPts val="2500"/>
+              </a:spcAft>
+              <a:buClr>
+                <a:schemeClr val="accent3"/>
+              </a:buClr>
+              <a:buSzPct val="120000"/>
+              <a:buFont typeface="Wingdings" charset="2"/>
+              <a:buChar char="§"/>
+              <a:defRPr sz="3300" b="0" i="0" kern="1200">
+                <a:solidFill>
+                  <a:schemeClr val="tx1"/>
+                </a:solidFill>
+                <a:latin typeface="Franklin Gothic Book" panose="020B0503020102020204" pitchFamily="34" charset="0"/>
+                <a:ea typeface="Franklin Gothic Book" panose="020B0503020102020204" pitchFamily="34" charset="0"/>
+                <a:cs typeface="Franklin Gothic Book" panose="020B0503020102020204" pitchFamily="34" charset="0"/>
+              </a:defRPr>
+            </a:lvl5pPr>
+            <a:lvl6pPr marL="6705487" indent="-609589" algn="l" defTabSz="2438361" rtl="0" eaLnBrk="1" latinLnBrk="0" hangingPunct="1">
+              <a:spcBef>
+                <a:spcPct val="20000"/>
+              </a:spcBef>
+              <a:buFont typeface="Arial" panose="020B0604020202020204" pitchFamily="34" charset="0"/>
+              <a:buChar char="•"/>
+              <a:defRPr sz="5300" kern="1200">
+                <a:solidFill>
+                  <a:schemeClr val="tx1"/>
+                </a:solidFill>
+                <a:latin typeface="+mn-lt"/>
+                <a:ea typeface="+mn-ea"/>
+                <a:cs typeface="+mn-cs"/>
+              </a:defRPr>
+            </a:lvl6pPr>
+            <a:lvl7pPr marL="7924669" indent="-609589" algn="l" defTabSz="2438361" rtl="0" eaLnBrk="1" latinLnBrk="0" hangingPunct="1">
+              <a:spcBef>
+                <a:spcPct val="20000"/>
+              </a:spcBef>
+              <a:buFont typeface="Arial" panose="020B0604020202020204" pitchFamily="34" charset="0"/>
+              <a:buChar char="•"/>
+              <a:defRPr sz="5300" kern="1200">
+                <a:solidFill>
+                  <a:schemeClr val="tx1"/>
+                </a:solidFill>
+                <a:latin typeface="+mn-lt"/>
+                <a:ea typeface="+mn-ea"/>
+                <a:cs typeface="+mn-cs"/>
+              </a:defRPr>
+            </a:lvl7pPr>
+            <a:lvl8pPr marL="9143849" indent="-609589" algn="l" defTabSz="2438361" rtl="0" eaLnBrk="1" latinLnBrk="0" hangingPunct="1">
+              <a:spcBef>
+                <a:spcPct val="20000"/>
+              </a:spcBef>
+              <a:buFont typeface="Arial" panose="020B0604020202020204" pitchFamily="34" charset="0"/>
+              <a:buChar char="•"/>
+              <a:defRPr sz="5300" kern="1200">
+                <a:solidFill>
+                  <a:schemeClr val="tx1"/>
+                </a:solidFill>
+                <a:latin typeface="+mn-lt"/>
+                <a:ea typeface="+mn-ea"/>
+                <a:cs typeface="+mn-cs"/>
+              </a:defRPr>
+            </a:lvl8pPr>
+            <a:lvl9pPr marL="10363028" indent="-609589" algn="l" defTabSz="2438361" rtl="0" eaLnBrk="1" latinLnBrk="0" hangingPunct="1">
+              <a:spcBef>
+                <a:spcPct val="20000"/>
+              </a:spcBef>
+              <a:buFont typeface="Arial" panose="020B0604020202020204" pitchFamily="34" charset="0"/>
+              <a:buChar char="•"/>
+              <a:defRPr sz="5300" kern="1200">
+                <a:solidFill>
+                  <a:schemeClr val="tx1"/>
+                </a:solidFill>
+                <a:latin typeface="+mn-lt"/>
+                <a:ea typeface="+mn-ea"/>
+                <a:cs typeface="+mn-cs"/>
+              </a:defRPr>
+            </a:lvl9pPr>
+          </a:lstStyle>
+          <a:p>
+            <a:pPr algn="just"/>
+            <a:r>
+              <a:rPr lang="en-US" dirty="0"/>
+              <a:t>Conrad, Ankit, Dr. Robertson, The university, my parents</a:t>
+            </a:r>
+          </a:p>
+          <a:p>
+            <a:pPr algn="just"/>
+            <a:r>
+              <a:rPr lang="en-US" dirty="0"/>
+              <a:t>, the academy, Big </a:t>
+            </a:r>
+            <a:r>
+              <a:rPr lang="en-US" dirty="0" err="1"/>
+              <a:t>Chungus</a:t>
+            </a:r>
+            <a:r>
+              <a:rPr lang="en-US" dirty="0"/>
+              <a:t>, Dr. </a:t>
+            </a:r>
+            <a:r>
+              <a:rPr lang="en-US" dirty="0" err="1"/>
+              <a:t>Frenzel</a:t>
+            </a:r>
+            <a:endParaRPr lang="en-US" dirty="0"/>
+          </a:p>
+        </p:txBody>
+      </p:sp>
+      <p:pic>
+        <p:nvPicPr>
+          <p:cNvPr id="14" name="Picture 13" descr="A person smiling for the camera&#10;&#10;Description generated with very high confidence">
+            <a:extLst>
+              <a:ext uri="{FF2B5EF4-FFF2-40B4-BE49-F238E27FC236}">
+                <a16:creationId xmlns:a16="http://schemas.microsoft.com/office/drawing/2014/main" id="{688A931B-FA69-4308-96B2-4453CBB45470}"/>
+              </a:ext>
+            </a:extLst>
+          </p:cNvPr>
+          <p:cNvPicPr>
+            <a:picLocks noChangeAspect="1"/>
+          </p:cNvPicPr>
+          <p:nvPr/>
+        </p:nvPicPr>
+        <p:blipFill>
+          <a:blip r:embed="rId4" cstate="print">
+            <a:extLst>
+              <a:ext uri="{28A0092B-C50C-407E-A947-70E740481C1C}">
+                <a14:useLocalDpi xmlns:a14="http://schemas.microsoft.com/office/drawing/2010/main" val="0"/>
+              </a:ext>
+            </a:extLst>
+          </a:blip>
+          <a:stretch>
+            <a:fillRect/>
+          </a:stretch>
+        </p:blipFill>
+        <p:spPr>
+          <a:xfrm>
+            <a:off x="25984200" y="17158906"/>
+            <a:ext cx="9237442" cy="6158294"/>
+          </a:xfrm>
+          <a:prstGeom prst="rect">
+            <a:avLst/>
+          </a:prstGeom>
+        </p:spPr>
+      </p:pic>
+      <p:sp>
+        <p:nvSpPr>
+          <p:cNvPr id="26" name="Text Placeholder 2">
+            <a:extLst>
+              <a:ext uri="{FF2B5EF4-FFF2-40B4-BE49-F238E27FC236}">
+                <a16:creationId xmlns:a16="http://schemas.microsoft.com/office/drawing/2014/main" id="{3012BBF1-0DCD-4F71-BEE7-320A8522E41A}"/>
+              </a:ext>
+            </a:extLst>
+          </p:cNvPr>
+          <p:cNvSpPr txBox="1">
+            <a:spLocks/>
+          </p:cNvSpPr>
+          <p:nvPr/>
+        </p:nvSpPr>
+        <p:spPr>
+          <a:xfrm>
+            <a:off x="26573936" y="23317200"/>
+            <a:ext cx="8124033" cy="607089"/>
+          </a:xfrm>
+          <a:prstGeom prst="rect">
+            <a:avLst/>
+          </a:prstGeom>
+        </p:spPr>
+        <p:txBody>
+          <a:bodyPr vert="horz" wrap="square" lIns="0" tIns="0" rIns="0" bIns="0" rtlCol="0">
+            <a:spAutoFit/>
+          </a:bodyPr>
+          <a:lstStyle>
+            <a:lvl1pPr marL="0" marR="0" indent="0" algn="l" defTabSz="2438361" rtl="0" eaLnBrk="1" fontAlgn="auto" latinLnBrk="0" hangingPunct="1">
+              <a:lnSpc>
+                <a:spcPts val="5300"/>
+              </a:lnSpc>
+              <a:spcBef>
+                <a:spcPts val="0"/>
+              </a:spcBef>
+              <a:spcAft>
+                <a:spcPts val="2500"/>
+              </a:spcAft>
+              <a:buClrTx/>
+              <a:buSzTx/>
+              <a:buFont typeface="Arial" panose="020B0604020202020204" pitchFamily="34" charset="0"/>
+              <a:buNone/>
+              <a:tabLst/>
+              <a:defRPr lang="en-US" sz="3300" b="0" i="0" kern="1200" baseline="0" smtClean="0">
+                <a:solidFill>
+                  <a:schemeClr val="tx1"/>
+                </a:solidFill>
+                <a:effectLst/>
+                <a:latin typeface="Franklin Gothic Book" panose="020B0503020102020204" pitchFamily="34" charset="0"/>
+                <a:ea typeface="Franklin Gothic Book" panose="020B0503020102020204" pitchFamily="34" charset="0"/>
+                <a:cs typeface="Franklin Gothic Book" panose="020B0503020102020204" pitchFamily="34" charset="0"/>
+              </a:defRPr>
+            </a:lvl1pPr>
+            <a:lvl2pPr marL="914362" indent="-571477" algn="l" defTabSz="2438361" rtl="0" eaLnBrk="1" latinLnBrk="0" hangingPunct="1">
+              <a:lnSpc>
+                <a:spcPts val="5300"/>
+              </a:lnSpc>
+              <a:spcBef>
+                <a:spcPts val="0"/>
+              </a:spcBef>
+              <a:spcAft>
+                <a:spcPts val="2500"/>
+              </a:spcAft>
+              <a:buClr>
+                <a:schemeClr val="accent3"/>
+              </a:buClr>
+              <a:buSzPct val="120000"/>
+              <a:buFont typeface="Wingdings" charset="2"/>
+              <a:buChar char="§"/>
+              <a:defRPr sz="3300" b="0" i="0" kern="1200">
+                <a:solidFill>
+                  <a:schemeClr val="tx1"/>
+                </a:solidFill>
+                <a:latin typeface="Franklin Gothic Book" panose="020B0503020102020204" pitchFamily="34" charset="0"/>
+                <a:ea typeface="Franklin Gothic Book" panose="020B0503020102020204" pitchFamily="34" charset="0"/>
+                <a:cs typeface="Franklin Gothic Book" panose="020B0503020102020204" pitchFamily="34" charset="0"/>
+              </a:defRPr>
+            </a:lvl2pPr>
+            <a:lvl3pPr marL="1462978" indent="-571477" algn="l" defTabSz="2438361" rtl="0" eaLnBrk="1" latinLnBrk="0" hangingPunct="1">
+              <a:lnSpc>
+                <a:spcPts val="5300"/>
+              </a:lnSpc>
+              <a:spcBef>
+                <a:spcPts val="0"/>
+              </a:spcBef>
+              <a:spcAft>
+                <a:spcPts val="2500"/>
+              </a:spcAft>
+              <a:buClr>
+                <a:schemeClr val="accent3"/>
+              </a:buClr>
+              <a:buSzPct val="120000"/>
+              <a:buFont typeface="Wingdings" charset="2"/>
+              <a:buChar char="§"/>
+              <a:defRPr sz="3300" b="0" i="0" kern="1200">
+                <a:solidFill>
+                  <a:schemeClr val="tx1"/>
+                </a:solidFill>
+                <a:latin typeface="Franklin Gothic Book" panose="020B0503020102020204" pitchFamily="34" charset="0"/>
+                <a:ea typeface="Franklin Gothic Book" panose="020B0503020102020204" pitchFamily="34" charset="0"/>
+                <a:cs typeface="Franklin Gothic Book" panose="020B0503020102020204" pitchFamily="34" charset="0"/>
+              </a:defRPr>
+            </a:lvl3pPr>
+            <a:lvl4pPr marL="2103032" indent="-571477" algn="l" defTabSz="2438361" rtl="0" eaLnBrk="1" latinLnBrk="0" hangingPunct="1">
+              <a:lnSpc>
+                <a:spcPts val="5300"/>
+              </a:lnSpc>
+              <a:spcBef>
+                <a:spcPts val="0"/>
+              </a:spcBef>
+              <a:spcAft>
+                <a:spcPts val="2500"/>
+              </a:spcAft>
+              <a:buClr>
+                <a:schemeClr val="accent3"/>
+              </a:buClr>
+              <a:buSzPct val="120000"/>
+              <a:buFont typeface="Wingdings" charset="2"/>
+              <a:buChar char="§"/>
+              <a:defRPr sz="3300" b="0" i="0" kern="1200">
+                <a:solidFill>
+                  <a:schemeClr val="tx1"/>
+                </a:solidFill>
+                <a:latin typeface="Franklin Gothic Book" panose="020B0503020102020204" pitchFamily="34" charset="0"/>
+                <a:ea typeface="Franklin Gothic Book" panose="020B0503020102020204" pitchFamily="34" charset="0"/>
+                <a:cs typeface="Franklin Gothic Book" panose="020B0503020102020204" pitchFamily="34" charset="0"/>
+              </a:defRPr>
+            </a:lvl4pPr>
+            <a:lvl5pPr marL="2651650" indent="-571477" algn="l" defTabSz="2438361" rtl="0" eaLnBrk="1" latinLnBrk="0" hangingPunct="1">
+              <a:lnSpc>
+                <a:spcPts val="5300"/>
+              </a:lnSpc>
+              <a:spcBef>
+                <a:spcPts val="0"/>
+              </a:spcBef>
+              <a:spcAft>
+                <a:spcPts val="2500"/>
+              </a:spcAft>
+              <a:buClr>
+                <a:schemeClr val="accent3"/>
+              </a:buClr>
+              <a:buSzPct val="120000"/>
+              <a:buFont typeface="Wingdings" charset="2"/>
+              <a:buChar char="§"/>
+              <a:defRPr sz="3300" b="0" i="0" kern="1200">
+                <a:solidFill>
+                  <a:schemeClr val="tx1"/>
+                </a:solidFill>
+                <a:latin typeface="Franklin Gothic Book" panose="020B0503020102020204" pitchFamily="34" charset="0"/>
+                <a:ea typeface="Franklin Gothic Book" panose="020B0503020102020204" pitchFamily="34" charset="0"/>
+                <a:cs typeface="Franklin Gothic Book" panose="020B0503020102020204" pitchFamily="34" charset="0"/>
+              </a:defRPr>
+            </a:lvl5pPr>
+            <a:lvl6pPr marL="6705487" indent="-609589" algn="l" defTabSz="2438361" rtl="0" eaLnBrk="1" latinLnBrk="0" hangingPunct="1">
+              <a:spcBef>
+                <a:spcPct val="20000"/>
+              </a:spcBef>
+              <a:buFont typeface="Arial" panose="020B0604020202020204" pitchFamily="34" charset="0"/>
+              <a:buChar char="•"/>
+              <a:defRPr sz="5300" kern="1200">
+                <a:solidFill>
+                  <a:schemeClr val="tx1"/>
+                </a:solidFill>
+                <a:latin typeface="+mn-lt"/>
+                <a:ea typeface="+mn-ea"/>
+                <a:cs typeface="+mn-cs"/>
+              </a:defRPr>
+            </a:lvl6pPr>
+            <a:lvl7pPr marL="7924669" indent="-609589" algn="l" defTabSz="2438361" rtl="0" eaLnBrk="1" latinLnBrk="0" hangingPunct="1">
+              <a:spcBef>
+                <a:spcPct val="20000"/>
+              </a:spcBef>
+              <a:buFont typeface="Arial" panose="020B0604020202020204" pitchFamily="34" charset="0"/>
+              <a:buChar char="•"/>
+              <a:defRPr sz="5300" kern="1200">
+                <a:solidFill>
+                  <a:schemeClr val="tx1"/>
+                </a:solidFill>
+                <a:latin typeface="+mn-lt"/>
+                <a:ea typeface="+mn-ea"/>
+                <a:cs typeface="+mn-cs"/>
+              </a:defRPr>
+            </a:lvl7pPr>
+            <a:lvl8pPr marL="9143849" indent="-609589" algn="l" defTabSz="2438361" rtl="0" eaLnBrk="1" latinLnBrk="0" hangingPunct="1">
+              <a:spcBef>
+                <a:spcPct val="20000"/>
+              </a:spcBef>
+              <a:buFont typeface="Arial" panose="020B0604020202020204" pitchFamily="34" charset="0"/>
+              <a:buChar char="•"/>
+              <a:defRPr sz="5300" kern="1200">
+                <a:solidFill>
+                  <a:schemeClr val="tx1"/>
+                </a:solidFill>
+                <a:latin typeface="+mn-lt"/>
+                <a:ea typeface="+mn-ea"/>
+                <a:cs typeface="+mn-cs"/>
+              </a:defRPr>
+            </a:lvl8pPr>
+            <a:lvl9pPr marL="10363028" indent="-609589" algn="l" defTabSz="2438361" rtl="0" eaLnBrk="1" latinLnBrk="0" hangingPunct="1">
+              <a:spcBef>
+                <a:spcPct val="20000"/>
+              </a:spcBef>
+              <a:buFont typeface="Arial" panose="020B0604020202020204" pitchFamily="34" charset="0"/>
+              <a:buChar char="•"/>
+              <a:defRPr sz="5300" kern="1200">
+                <a:solidFill>
+                  <a:schemeClr val="tx1"/>
+                </a:solidFill>
+                <a:latin typeface="+mn-lt"/>
+                <a:ea typeface="+mn-ea"/>
+                <a:cs typeface="+mn-cs"/>
+              </a:defRPr>
+            </a:lvl9pPr>
+          </a:lstStyle>
           <a:p>
             <a:pPr algn="ctr"/>
+            <a:r>
+              <a:rPr lang="en-US" dirty="0"/>
+              <a:t>Figure X: Ryan Donahue and Kennedy </a:t>
+            </a:r>
+            <a:r>
+              <a:rPr lang="en-US" dirty="0" err="1"/>
+              <a:t>Caisley</a:t>
+            </a:r>
+            <a:endParaRPr lang="en-US" dirty="0"/>
+          </a:p>
+        </p:txBody>
+      </p:sp>
+      <p:sp>
+        <p:nvSpPr>
+          <p:cNvPr id="27" name="Text Placeholder 1">
+            <a:extLst>
+              <a:ext uri="{FF2B5EF4-FFF2-40B4-BE49-F238E27FC236}">
+                <a16:creationId xmlns:a16="http://schemas.microsoft.com/office/drawing/2014/main" id="{82924B48-245E-4A60-9B65-42F57E50B6AE}"/>
+              </a:ext>
+            </a:extLst>
+          </p:cNvPr>
+          <p:cNvSpPr txBox="1">
+            <a:spLocks/>
+          </p:cNvSpPr>
+          <p:nvPr/>
+        </p:nvSpPr>
+        <p:spPr>
+          <a:xfrm>
+            <a:off x="11933901" y="22791003"/>
+            <a:ext cx="8335107" cy="830997"/>
+          </a:xfrm>
+          <a:prstGeom prst="rect">
+            <a:avLst/>
+          </a:prstGeom>
+        </p:spPr>
+        <p:txBody>
+          <a:bodyPr vert="horz" wrap="square" lIns="0" tIns="0" rIns="0" bIns="0" rtlCol="0">
+            <a:spAutoFit/>
+          </a:bodyPr>
+          <a:lstStyle>
+            <a:lvl1pPr marL="0" indent="0" algn="l" defTabSz="2438361" rtl="0" eaLnBrk="1" latinLnBrk="0" hangingPunct="1">
+              <a:lnSpc>
+                <a:spcPct val="100000"/>
+              </a:lnSpc>
+              <a:spcBef>
+                <a:spcPts val="0"/>
+              </a:spcBef>
+              <a:spcAft>
+                <a:spcPts val="2500"/>
+              </a:spcAft>
+              <a:buClr>
+                <a:schemeClr val="accent3"/>
+              </a:buClr>
+              <a:buSzPct val="120000"/>
+              <a:buFont typeface="Wingdings" charset="2"/>
+              <a:buNone/>
+              <a:defRPr sz="5400" b="1" i="0" kern="1200" cap="all" baseline="0">
+                <a:solidFill>
+                  <a:schemeClr val="tx1"/>
+                </a:solidFill>
+                <a:latin typeface="Franklin Gothic Book" panose="020B0503020102020204" pitchFamily="34" charset="0"/>
+                <a:ea typeface="Franklin Gothic Book" panose="020B0503020102020204" pitchFamily="34" charset="0"/>
+                <a:cs typeface="Franklin Gothic Book" panose="020B0503020102020204" pitchFamily="34" charset="0"/>
+              </a:defRPr>
+            </a:lvl1pPr>
+            <a:lvl2pPr marL="914362" indent="-571477" algn="l" defTabSz="2438361" rtl="0" eaLnBrk="1" latinLnBrk="0" hangingPunct="1">
+              <a:lnSpc>
+                <a:spcPts val="5300"/>
+              </a:lnSpc>
+              <a:spcBef>
+                <a:spcPts val="0"/>
+              </a:spcBef>
+              <a:spcAft>
+                <a:spcPts val="2500"/>
+              </a:spcAft>
+              <a:buClr>
+                <a:schemeClr val="accent3"/>
+              </a:buClr>
+              <a:buSzPct val="120000"/>
+              <a:buFont typeface="Wingdings" charset="2"/>
+              <a:buChar char="§"/>
+              <a:defRPr sz="3300" b="0" i="0" kern="1200">
+                <a:solidFill>
+                  <a:schemeClr val="tx1"/>
+                </a:solidFill>
+                <a:latin typeface="Franklin Gothic Book" panose="020B0503020102020204" pitchFamily="34" charset="0"/>
+                <a:ea typeface="Franklin Gothic Book" panose="020B0503020102020204" pitchFamily="34" charset="0"/>
+                <a:cs typeface="Franklin Gothic Book" panose="020B0503020102020204" pitchFamily="34" charset="0"/>
+              </a:defRPr>
+            </a:lvl2pPr>
+            <a:lvl3pPr marL="1462978" indent="-571477" algn="l" defTabSz="2438361" rtl="0" eaLnBrk="1" latinLnBrk="0" hangingPunct="1">
+              <a:lnSpc>
+                <a:spcPts val="5300"/>
+              </a:lnSpc>
+              <a:spcBef>
+                <a:spcPts val="0"/>
+              </a:spcBef>
+              <a:spcAft>
+                <a:spcPts val="2500"/>
+              </a:spcAft>
+              <a:buClr>
+                <a:schemeClr val="accent3"/>
+              </a:buClr>
+              <a:buSzPct val="120000"/>
+              <a:buFont typeface="Wingdings" charset="2"/>
+              <a:buChar char="§"/>
+              <a:defRPr sz="3300" b="0" i="0" kern="1200">
+                <a:solidFill>
+                  <a:schemeClr val="tx1"/>
+                </a:solidFill>
+                <a:latin typeface="Franklin Gothic Book" panose="020B0503020102020204" pitchFamily="34" charset="0"/>
+                <a:ea typeface="Franklin Gothic Book" panose="020B0503020102020204" pitchFamily="34" charset="0"/>
+                <a:cs typeface="Franklin Gothic Book" panose="020B0503020102020204" pitchFamily="34" charset="0"/>
+              </a:defRPr>
+            </a:lvl3pPr>
+            <a:lvl4pPr marL="2103032" indent="-571477" algn="l" defTabSz="2438361" rtl="0" eaLnBrk="1" latinLnBrk="0" hangingPunct="1">
+              <a:lnSpc>
+                <a:spcPts val="5300"/>
+              </a:lnSpc>
+              <a:spcBef>
+                <a:spcPts val="0"/>
+              </a:spcBef>
+              <a:spcAft>
+                <a:spcPts val="2500"/>
+              </a:spcAft>
+              <a:buClr>
+                <a:schemeClr val="accent3"/>
+              </a:buClr>
+              <a:buSzPct val="120000"/>
+              <a:buFont typeface="Wingdings" charset="2"/>
+              <a:buChar char="§"/>
+              <a:defRPr sz="3300" b="0" i="0" kern="1200">
+                <a:solidFill>
+                  <a:schemeClr val="tx1"/>
+                </a:solidFill>
+                <a:latin typeface="Franklin Gothic Book" panose="020B0503020102020204" pitchFamily="34" charset="0"/>
+                <a:ea typeface="Franklin Gothic Book" panose="020B0503020102020204" pitchFamily="34" charset="0"/>
+                <a:cs typeface="Franklin Gothic Book" panose="020B0503020102020204" pitchFamily="34" charset="0"/>
+              </a:defRPr>
+            </a:lvl4pPr>
+            <a:lvl5pPr marL="2651650" indent="-571477" algn="l" defTabSz="2438361" rtl="0" eaLnBrk="1" latinLnBrk="0" hangingPunct="1">
+              <a:lnSpc>
+                <a:spcPts val="5300"/>
+              </a:lnSpc>
+              <a:spcBef>
+                <a:spcPts val="0"/>
+              </a:spcBef>
+              <a:spcAft>
+                <a:spcPts val="2500"/>
+              </a:spcAft>
+              <a:buClr>
+                <a:schemeClr val="accent3"/>
+              </a:buClr>
+              <a:buSzPct val="120000"/>
+              <a:buFont typeface="Wingdings" charset="2"/>
+              <a:buChar char="§"/>
+              <a:defRPr sz="3300" b="0" i="0" kern="1200">
+                <a:solidFill>
+                  <a:schemeClr val="tx1"/>
+                </a:solidFill>
+                <a:latin typeface="Franklin Gothic Book" panose="020B0503020102020204" pitchFamily="34" charset="0"/>
+                <a:ea typeface="Franklin Gothic Book" panose="020B0503020102020204" pitchFamily="34" charset="0"/>
+                <a:cs typeface="Franklin Gothic Book" panose="020B0503020102020204" pitchFamily="34" charset="0"/>
+              </a:defRPr>
+            </a:lvl5pPr>
+            <a:lvl6pPr marL="6705487" indent="-609589" algn="l" defTabSz="2438361" rtl="0" eaLnBrk="1" latinLnBrk="0" hangingPunct="1">
+              <a:spcBef>
+                <a:spcPct val="20000"/>
+              </a:spcBef>
+              <a:buFont typeface="Arial" panose="020B0604020202020204" pitchFamily="34" charset="0"/>
+              <a:buChar char="•"/>
+              <a:defRPr sz="5300" kern="1200">
+                <a:solidFill>
+                  <a:schemeClr val="tx1"/>
+                </a:solidFill>
+                <a:latin typeface="+mn-lt"/>
+                <a:ea typeface="+mn-ea"/>
+                <a:cs typeface="+mn-cs"/>
+              </a:defRPr>
+            </a:lvl6pPr>
+            <a:lvl7pPr marL="7924669" indent="-609589" algn="l" defTabSz="2438361" rtl="0" eaLnBrk="1" latinLnBrk="0" hangingPunct="1">
+              <a:spcBef>
+                <a:spcPct val="20000"/>
+              </a:spcBef>
+              <a:buFont typeface="Arial" panose="020B0604020202020204" pitchFamily="34" charset="0"/>
+              <a:buChar char="•"/>
+              <a:defRPr sz="5300" kern="1200">
+                <a:solidFill>
+                  <a:schemeClr val="tx1"/>
+                </a:solidFill>
+                <a:latin typeface="+mn-lt"/>
+                <a:ea typeface="+mn-ea"/>
+                <a:cs typeface="+mn-cs"/>
+              </a:defRPr>
+            </a:lvl7pPr>
+            <a:lvl8pPr marL="9143849" indent="-609589" algn="l" defTabSz="2438361" rtl="0" eaLnBrk="1" latinLnBrk="0" hangingPunct="1">
+              <a:spcBef>
+                <a:spcPct val="20000"/>
+              </a:spcBef>
+              <a:buFont typeface="Arial" panose="020B0604020202020204" pitchFamily="34" charset="0"/>
+              <a:buChar char="•"/>
+              <a:defRPr sz="5300" kern="1200">
+                <a:solidFill>
+                  <a:schemeClr val="tx1"/>
+                </a:solidFill>
+                <a:latin typeface="+mn-lt"/>
+                <a:ea typeface="+mn-ea"/>
+                <a:cs typeface="+mn-cs"/>
+              </a:defRPr>
+            </a:lvl8pPr>
+            <a:lvl9pPr marL="10363028" indent="-609589" algn="l" defTabSz="2438361" rtl="0" eaLnBrk="1" latinLnBrk="0" hangingPunct="1">
+              <a:spcBef>
+                <a:spcPct val="20000"/>
+              </a:spcBef>
+              <a:buFont typeface="Arial" panose="020B0604020202020204" pitchFamily="34" charset="0"/>
+              <a:buChar char="•"/>
+              <a:defRPr sz="5300" kern="1200">
+                <a:solidFill>
+                  <a:schemeClr val="tx1"/>
+                </a:solidFill>
+                <a:latin typeface="+mn-lt"/>
+                <a:ea typeface="+mn-ea"/>
+                <a:cs typeface="+mn-cs"/>
+              </a:defRPr>
+            </a:lvl9pPr>
+          </a:lstStyle>
+          <a:p>
+            <a:r>
+              <a:rPr lang="en-US" dirty="0"/>
+              <a:t>Future Work</a:t>
+            </a:r>
+          </a:p>
+        </p:txBody>
+      </p:sp>
+      <p:sp>
+        <p:nvSpPr>
+          <p:cNvPr id="28" name="Text Placeholder 2">
+            <a:extLst>
+              <a:ext uri="{FF2B5EF4-FFF2-40B4-BE49-F238E27FC236}">
+                <a16:creationId xmlns:a16="http://schemas.microsoft.com/office/drawing/2014/main" id="{0840A505-DBF2-4530-8D74-41180039358E}"/>
+              </a:ext>
+            </a:extLst>
+          </p:cNvPr>
+          <p:cNvSpPr txBox="1">
+            <a:spLocks/>
+          </p:cNvSpPr>
+          <p:nvPr/>
+        </p:nvSpPr>
+        <p:spPr>
+          <a:xfrm>
+            <a:off x="11933901" y="23871491"/>
+            <a:ext cx="12758588" cy="1286763"/>
+          </a:xfrm>
+          <a:prstGeom prst="rect">
+            <a:avLst/>
+          </a:prstGeom>
+        </p:spPr>
+        <p:txBody>
+          <a:bodyPr vert="horz" wrap="square" lIns="0" tIns="0" rIns="0" bIns="0" rtlCol="0">
+            <a:spAutoFit/>
+          </a:bodyPr>
+          <a:lstStyle>
+            <a:lvl1pPr marL="0" marR="0" indent="0" algn="l" defTabSz="2438361" rtl="0" eaLnBrk="1" fontAlgn="auto" latinLnBrk="0" hangingPunct="1">
+              <a:lnSpc>
+                <a:spcPts val="5300"/>
+              </a:lnSpc>
+              <a:spcBef>
+                <a:spcPts val="0"/>
+              </a:spcBef>
+              <a:spcAft>
+                <a:spcPts val="2500"/>
+              </a:spcAft>
+              <a:buClrTx/>
+              <a:buSzTx/>
+              <a:buFont typeface="Arial" panose="020B0604020202020204" pitchFamily="34" charset="0"/>
+              <a:buNone/>
+              <a:tabLst/>
+              <a:defRPr lang="en-US" sz="3300" b="0" i="0" kern="1200" baseline="0" smtClean="0">
+                <a:solidFill>
+                  <a:schemeClr val="tx1"/>
+                </a:solidFill>
+                <a:effectLst/>
+                <a:latin typeface="Franklin Gothic Book" panose="020B0503020102020204" pitchFamily="34" charset="0"/>
+                <a:ea typeface="Franklin Gothic Book" panose="020B0503020102020204" pitchFamily="34" charset="0"/>
+                <a:cs typeface="Franklin Gothic Book" panose="020B0503020102020204" pitchFamily="34" charset="0"/>
+              </a:defRPr>
+            </a:lvl1pPr>
+            <a:lvl2pPr marL="914362" indent="-571477" algn="l" defTabSz="2438361" rtl="0" eaLnBrk="1" latinLnBrk="0" hangingPunct="1">
+              <a:lnSpc>
+                <a:spcPts val="5300"/>
+              </a:lnSpc>
+              <a:spcBef>
+                <a:spcPts val="0"/>
+              </a:spcBef>
+              <a:spcAft>
+                <a:spcPts val="2500"/>
+              </a:spcAft>
+              <a:buClr>
+                <a:schemeClr val="accent3"/>
+              </a:buClr>
+              <a:buSzPct val="120000"/>
+              <a:buFont typeface="Wingdings" charset="2"/>
+              <a:buChar char="§"/>
+              <a:defRPr sz="3300" b="0" i="0" kern="1200">
+                <a:solidFill>
+                  <a:schemeClr val="tx1"/>
+                </a:solidFill>
+                <a:latin typeface="Franklin Gothic Book" panose="020B0503020102020204" pitchFamily="34" charset="0"/>
+                <a:ea typeface="Franklin Gothic Book" panose="020B0503020102020204" pitchFamily="34" charset="0"/>
+                <a:cs typeface="Franklin Gothic Book" panose="020B0503020102020204" pitchFamily="34" charset="0"/>
+              </a:defRPr>
+            </a:lvl2pPr>
+            <a:lvl3pPr marL="1462978" indent="-571477" algn="l" defTabSz="2438361" rtl="0" eaLnBrk="1" latinLnBrk="0" hangingPunct="1">
+              <a:lnSpc>
+                <a:spcPts val="5300"/>
+              </a:lnSpc>
+              <a:spcBef>
+                <a:spcPts val="0"/>
+              </a:spcBef>
+              <a:spcAft>
+                <a:spcPts val="2500"/>
+              </a:spcAft>
+              <a:buClr>
+                <a:schemeClr val="accent3"/>
+              </a:buClr>
+              <a:buSzPct val="120000"/>
+              <a:buFont typeface="Wingdings" charset="2"/>
+              <a:buChar char="§"/>
+              <a:defRPr sz="3300" b="0" i="0" kern="1200">
+                <a:solidFill>
+                  <a:schemeClr val="tx1"/>
+                </a:solidFill>
+                <a:latin typeface="Franklin Gothic Book" panose="020B0503020102020204" pitchFamily="34" charset="0"/>
+                <a:ea typeface="Franklin Gothic Book" panose="020B0503020102020204" pitchFamily="34" charset="0"/>
+                <a:cs typeface="Franklin Gothic Book" panose="020B0503020102020204" pitchFamily="34" charset="0"/>
+              </a:defRPr>
+            </a:lvl3pPr>
+            <a:lvl4pPr marL="2103032" indent="-571477" algn="l" defTabSz="2438361" rtl="0" eaLnBrk="1" latinLnBrk="0" hangingPunct="1">
+              <a:lnSpc>
+                <a:spcPts val="5300"/>
+              </a:lnSpc>
+              <a:spcBef>
+                <a:spcPts val="0"/>
+              </a:spcBef>
+              <a:spcAft>
+                <a:spcPts val="2500"/>
+              </a:spcAft>
+              <a:buClr>
+                <a:schemeClr val="accent3"/>
+              </a:buClr>
+              <a:buSzPct val="120000"/>
+              <a:buFont typeface="Wingdings" charset="2"/>
+              <a:buChar char="§"/>
+              <a:defRPr sz="3300" b="0" i="0" kern="1200">
+                <a:solidFill>
+                  <a:schemeClr val="tx1"/>
+                </a:solidFill>
+                <a:latin typeface="Franklin Gothic Book" panose="020B0503020102020204" pitchFamily="34" charset="0"/>
+                <a:ea typeface="Franklin Gothic Book" panose="020B0503020102020204" pitchFamily="34" charset="0"/>
+                <a:cs typeface="Franklin Gothic Book" panose="020B0503020102020204" pitchFamily="34" charset="0"/>
+              </a:defRPr>
+            </a:lvl4pPr>
+            <a:lvl5pPr marL="2651650" indent="-571477" algn="l" defTabSz="2438361" rtl="0" eaLnBrk="1" latinLnBrk="0" hangingPunct="1">
+              <a:lnSpc>
+                <a:spcPts val="5300"/>
+              </a:lnSpc>
+              <a:spcBef>
+                <a:spcPts val="0"/>
+              </a:spcBef>
+              <a:spcAft>
+                <a:spcPts val="2500"/>
+              </a:spcAft>
+              <a:buClr>
+                <a:schemeClr val="accent3"/>
+              </a:buClr>
+              <a:buSzPct val="120000"/>
+              <a:buFont typeface="Wingdings" charset="2"/>
+              <a:buChar char="§"/>
+              <a:defRPr sz="3300" b="0" i="0" kern="1200">
+                <a:solidFill>
+                  <a:schemeClr val="tx1"/>
+                </a:solidFill>
+                <a:latin typeface="Franklin Gothic Book" panose="020B0503020102020204" pitchFamily="34" charset="0"/>
+                <a:ea typeface="Franklin Gothic Book" panose="020B0503020102020204" pitchFamily="34" charset="0"/>
+                <a:cs typeface="Franklin Gothic Book" panose="020B0503020102020204" pitchFamily="34" charset="0"/>
+              </a:defRPr>
+            </a:lvl5pPr>
+            <a:lvl6pPr marL="6705487" indent="-609589" algn="l" defTabSz="2438361" rtl="0" eaLnBrk="1" latinLnBrk="0" hangingPunct="1">
+              <a:spcBef>
+                <a:spcPct val="20000"/>
+              </a:spcBef>
+              <a:buFont typeface="Arial" panose="020B0604020202020204" pitchFamily="34" charset="0"/>
+              <a:buChar char="•"/>
+              <a:defRPr sz="5300" kern="1200">
+                <a:solidFill>
+                  <a:schemeClr val="tx1"/>
+                </a:solidFill>
+                <a:latin typeface="+mn-lt"/>
+                <a:ea typeface="+mn-ea"/>
+                <a:cs typeface="+mn-cs"/>
+              </a:defRPr>
+            </a:lvl6pPr>
+            <a:lvl7pPr marL="7924669" indent="-609589" algn="l" defTabSz="2438361" rtl="0" eaLnBrk="1" latinLnBrk="0" hangingPunct="1">
+              <a:spcBef>
+                <a:spcPct val="20000"/>
+              </a:spcBef>
+              <a:buFont typeface="Arial" panose="020B0604020202020204" pitchFamily="34" charset="0"/>
+              <a:buChar char="•"/>
+              <a:defRPr sz="5300" kern="1200">
+                <a:solidFill>
+                  <a:schemeClr val="tx1"/>
+                </a:solidFill>
+                <a:latin typeface="+mn-lt"/>
+                <a:ea typeface="+mn-ea"/>
+                <a:cs typeface="+mn-cs"/>
+              </a:defRPr>
+            </a:lvl7pPr>
+            <a:lvl8pPr marL="9143849" indent="-609589" algn="l" defTabSz="2438361" rtl="0" eaLnBrk="1" latinLnBrk="0" hangingPunct="1">
+              <a:spcBef>
+                <a:spcPct val="20000"/>
+              </a:spcBef>
+              <a:buFont typeface="Arial" panose="020B0604020202020204" pitchFamily="34" charset="0"/>
+              <a:buChar char="•"/>
+              <a:defRPr sz="5300" kern="1200">
+                <a:solidFill>
+                  <a:schemeClr val="tx1"/>
+                </a:solidFill>
+                <a:latin typeface="+mn-lt"/>
+                <a:ea typeface="+mn-ea"/>
+                <a:cs typeface="+mn-cs"/>
+              </a:defRPr>
+            </a:lvl8pPr>
+            <a:lvl9pPr marL="10363028" indent="-609589" algn="l" defTabSz="2438361" rtl="0" eaLnBrk="1" latinLnBrk="0" hangingPunct="1">
+              <a:spcBef>
+                <a:spcPct val="20000"/>
+              </a:spcBef>
+              <a:buFont typeface="Arial" panose="020B0604020202020204" pitchFamily="34" charset="0"/>
+              <a:buChar char="•"/>
+              <a:defRPr sz="5300" kern="1200">
+                <a:solidFill>
+                  <a:schemeClr val="tx1"/>
+                </a:solidFill>
+                <a:latin typeface="+mn-lt"/>
+                <a:ea typeface="+mn-ea"/>
+                <a:cs typeface="+mn-cs"/>
+              </a:defRPr>
+            </a:lvl9pPr>
+          </a:lstStyle>
+          <a:p>
+            <a:pPr algn="just"/>
+            <a:r>
+              <a:rPr lang="en-US" dirty="0"/>
+              <a:t>Implement with the three devices, continue writing code, daughter boards</a:t>
+            </a:r>
+          </a:p>
+        </p:txBody>
+      </p:sp>
+      <p:sp>
+        <p:nvSpPr>
+          <p:cNvPr id="29" name="Text Placeholder 2">
+            <a:extLst>
+              <a:ext uri="{FF2B5EF4-FFF2-40B4-BE49-F238E27FC236}">
+                <a16:creationId xmlns:a16="http://schemas.microsoft.com/office/drawing/2014/main" id="{88134193-42B8-4BA9-B2B4-4DB420728901}"/>
+              </a:ext>
+            </a:extLst>
+          </p:cNvPr>
+          <p:cNvSpPr txBox="1">
+            <a:spLocks/>
+          </p:cNvSpPr>
+          <p:nvPr/>
+        </p:nvSpPr>
+        <p:spPr>
+          <a:xfrm>
+            <a:off x="14219555" y="21704775"/>
+            <a:ext cx="8124033" cy="607089"/>
+          </a:xfrm>
+          <a:prstGeom prst="rect">
+            <a:avLst/>
+          </a:prstGeom>
+        </p:spPr>
+        <p:txBody>
+          <a:bodyPr vert="horz" wrap="square" lIns="0" tIns="0" rIns="0" bIns="0" rtlCol="0">
+            <a:spAutoFit/>
+          </a:bodyPr>
+          <a:lstStyle>
+            <a:lvl1pPr marL="0" marR="0" indent="0" algn="l" defTabSz="2438361" rtl="0" eaLnBrk="1" fontAlgn="auto" latinLnBrk="0" hangingPunct="1">
+              <a:lnSpc>
+                <a:spcPts val="5300"/>
+              </a:lnSpc>
+              <a:spcBef>
+                <a:spcPts val="0"/>
+              </a:spcBef>
+              <a:spcAft>
+                <a:spcPts val="2500"/>
+              </a:spcAft>
+              <a:buClrTx/>
+              <a:buSzTx/>
+              <a:buFont typeface="Arial" panose="020B0604020202020204" pitchFamily="34" charset="0"/>
+              <a:buNone/>
+              <a:tabLst/>
+              <a:defRPr lang="en-US" sz="3300" b="0" i="0" kern="1200" baseline="0" smtClean="0">
+                <a:solidFill>
+                  <a:schemeClr val="tx1"/>
+                </a:solidFill>
+                <a:effectLst/>
+                <a:latin typeface="Franklin Gothic Book" panose="020B0503020102020204" pitchFamily="34" charset="0"/>
+                <a:ea typeface="Franklin Gothic Book" panose="020B0503020102020204" pitchFamily="34" charset="0"/>
+                <a:cs typeface="Franklin Gothic Book" panose="020B0503020102020204" pitchFamily="34" charset="0"/>
+              </a:defRPr>
+            </a:lvl1pPr>
+            <a:lvl2pPr marL="914362" indent="-571477" algn="l" defTabSz="2438361" rtl="0" eaLnBrk="1" latinLnBrk="0" hangingPunct="1">
+              <a:lnSpc>
+                <a:spcPts val="5300"/>
+              </a:lnSpc>
+              <a:spcBef>
+                <a:spcPts val="0"/>
+              </a:spcBef>
+              <a:spcAft>
+                <a:spcPts val="2500"/>
+              </a:spcAft>
+              <a:buClr>
+                <a:schemeClr val="accent3"/>
+              </a:buClr>
+              <a:buSzPct val="120000"/>
+              <a:buFont typeface="Wingdings" charset="2"/>
+              <a:buChar char="§"/>
+              <a:defRPr sz="3300" b="0" i="0" kern="1200">
+                <a:solidFill>
+                  <a:schemeClr val="tx1"/>
+                </a:solidFill>
+                <a:latin typeface="Franklin Gothic Book" panose="020B0503020102020204" pitchFamily="34" charset="0"/>
+                <a:ea typeface="Franklin Gothic Book" panose="020B0503020102020204" pitchFamily="34" charset="0"/>
+                <a:cs typeface="Franklin Gothic Book" panose="020B0503020102020204" pitchFamily="34" charset="0"/>
+              </a:defRPr>
+            </a:lvl2pPr>
+            <a:lvl3pPr marL="1462978" indent="-571477" algn="l" defTabSz="2438361" rtl="0" eaLnBrk="1" latinLnBrk="0" hangingPunct="1">
+              <a:lnSpc>
+                <a:spcPts val="5300"/>
+              </a:lnSpc>
+              <a:spcBef>
+                <a:spcPts val="0"/>
+              </a:spcBef>
+              <a:spcAft>
+                <a:spcPts val="2500"/>
+              </a:spcAft>
+              <a:buClr>
+                <a:schemeClr val="accent3"/>
+              </a:buClr>
+              <a:buSzPct val="120000"/>
+              <a:buFont typeface="Wingdings" charset="2"/>
+              <a:buChar char="§"/>
+              <a:defRPr sz="3300" b="0" i="0" kern="1200">
+                <a:solidFill>
+                  <a:schemeClr val="tx1"/>
+                </a:solidFill>
+                <a:latin typeface="Franklin Gothic Book" panose="020B0503020102020204" pitchFamily="34" charset="0"/>
+                <a:ea typeface="Franklin Gothic Book" panose="020B0503020102020204" pitchFamily="34" charset="0"/>
+                <a:cs typeface="Franklin Gothic Book" panose="020B0503020102020204" pitchFamily="34" charset="0"/>
+              </a:defRPr>
+            </a:lvl3pPr>
+            <a:lvl4pPr marL="2103032" indent="-571477" algn="l" defTabSz="2438361" rtl="0" eaLnBrk="1" latinLnBrk="0" hangingPunct="1">
+              <a:lnSpc>
+                <a:spcPts val="5300"/>
+              </a:lnSpc>
+              <a:spcBef>
+                <a:spcPts val="0"/>
+              </a:spcBef>
+              <a:spcAft>
+                <a:spcPts val="2500"/>
+              </a:spcAft>
+              <a:buClr>
+                <a:schemeClr val="accent3"/>
+              </a:buClr>
+              <a:buSzPct val="120000"/>
+              <a:buFont typeface="Wingdings" charset="2"/>
+              <a:buChar char="§"/>
+              <a:defRPr sz="3300" b="0" i="0" kern="1200">
+                <a:solidFill>
+                  <a:schemeClr val="tx1"/>
+                </a:solidFill>
+                <a:latin typeface="Franklin Gothic Book" panose="020B0503020102020204" pitchFamily="34" charset="0"/>
+                <a:ea typeface="Franklin Gothic Book" panose="020B0503020102020204" pitchFamily="34" charset="0"/>
+                <a:cs typeface="Franklin Gothic Book" panose="020B0503020102020204" pitchFamily="34" charset="0"/>
+              </a:defRPr>
+            </a:lvl4pPr>
+            <a:lvl5pPr marL="2651650" indent="-571477" algn="l" defTabSz="2438361" rtl="0" eaLnBrk="1" latinLnBrk="0" hangingPunct="1">
+              <a:lnSpc>
+                <a:spcPts val="5300"/>
+              </a:lnSpc>
+              <a:spcBef>
+                <a:spcPts val="0"/>
+              </a:spcBef>
+              <a:spcAft>
+                <a:spcPts val="2500"/>
+              </a:spcAft>
+              <a:buClr>
+                <a:schemeClr val="accent3"/>
+              </a:buClr>
+              <a:buSzPct val="120000"/>
+              <a:buFont typeface="Wingdings" charset="2"/>
+              <a:buChar char="§"/>
+              <a:defRPr sz="3300" b="0" i="0" kern="1200">
+                <a:solidFill>
+                  <a:schemeClr val="tx1"/>
+                </a:solidFill>
+                <a:latin typeface="Franklin Gothic Book" panose="020B0503020102020204" pitchFamily="34" charset="0"/>
+                <a:ea typeface="Franklin Gothic Book" panose="020B0503020102020204" pitchFamily="34" charset="0"/>
+                <a:cs typeface="Franklin Gothic Book" panose="020B0503020102020204" pitchFamily="34" charset="0"/>
+              </a:defRPr>
+            </a:lvl5pPr>
+            <a:lvl6pPr marL="6705487" indent="-609589" algn="l" defTabSz="2438361" rtl="0" eaLnBrk="1" latinLnBrk="0" hangingPunct="1">
+              <a:spcBef>
+                <a:spcPct val="20000"/>
+              </a:spcBef>
+              <a:buFont typeface="Arial" panose="020B0604020202020204" pitchFamily="34" charset="0"/>
+              <a:buChar char="•"/>
+              <a:defRPr sz="5300" kern="1200">
+                <a:solidFill>
+                  <a:schemeClr val="tx1"/>
+                </a:solidFill>
+                <a:latin typeface="+mn-lt"/>
+                <a:ea typeface="+mn-ea"/>
+                <a:cs typeface="+mn-cs"/>
+              </a:defRPr>
+            </a:lvl6pPr>
+            <a:lvl7pPr marL="7924669" indent="-609589" algn="l" defTabSz="2438361" rtl="0" eaLnBrk="1" latinLnBrk="0" hangingPunct="1">
+              <a:spcBef>
+                <a:spcPct val="20000"/>
+              </a:spcBef>
+              <a:buFont typeface="Arial" panose="020B0604020202020204" pitchFamily="34" charset="0"/>
+              <a:buChar char="•"/>
+              <a:defRPr sz="5300" kern="1200">
+                <a:solidFill>
+                  <a:schemeClr val="tx1"/>
+                </a:solidFill>
+                <a:latin typeface="+mn-lt"/>
+                <a:ea typeface="+mn-ea"/>
+                <a:cs typeface="+mn-cs"/>
+              </a:defRPr>
+            </a:lvl7pPr>
+            <a:lvl8pPr marL="9143849" indent="-609589" algn="l" defTabSz="2438361" rtl="0" eaLnBrk="1" latinLnBrk="0" hangingPunct="1">
+              <a:spcBef>
+                <a:spcPct val="20000"/>
+              </a:spcBef>
+              <a:buFont typeface="Arial" panose="020B0604020202020204" pitchFamily="34" charset="0"/>
+              <a:buChar char="•"/>
+              <a:defRPr sz="5300" kern="1200">
+                <a:solidFill>
+                  <a:schemeClr val="tx1"/>
+                </a:solidFill>
+                <a:latin typeface="+mn-lt"/>
+                <a:ea typeface="+mn-ea"/>
+                <a:cs typeface="+mn-cs"/>
+              </a:defRPr>
+            </a:lvl8pPr>
+            <a:lvl9pPr marL="10363028" indent="-609589" algn="l" defTabSz="2438361" rtl="0" eaLnBrk="1" latinLnBrk="0" hangingPunct="1">
+              <a:spcBef>
+                <a:spcPct val="20000"/>
+              </a:spcBef>
+              <a:buFont typeface="Arial" panose="020B0604020202020204" pitchFamily="34" charset="0"/>
+              <a:buChar char="•"/>
+              <a:defRPr sz="5300" kern="1200">
+                <a:solidFill>
+                  <a:schemeClr val="tx1"/>
+                </a:solidFill>
+                <a:latin typeface="+mn-lt"/>
+                <a:ea typeface="+mn-ea"/>
+                <a:cs typeface="+mn-cs"/>
+              </a:defRPr>
+            </a:lvl9pPr>
+          </a:lstStyle>
+          <a:p>
+            <a:pPr algn="ctr"/>
+            <a:r>
+              <a:rPr lang="en-US" dirty="0"/>
+              <a:t>Figure 2: </a:t>
+            </a:r>
+            <a:r>
+              <a:rPr lang="en-US" dirty="0" err="1"/>
+              <a:t>Dat</a:t>
+            </a:r>
+            <a:r>
+              <a:rPr lang="en-US" dirty="0"/>
+              <a:t> </a:t>
+            </a:r>
+            <a:r>
+              <a:rPr lang="en-US" dirty="0" err="1"/>
+              <a:t>Rendur</a:t>
+            </a:r>
+            <a:endParaRPr lang="en-US" dirty="0"/>
+          </a:p>
+        </p:txBody>
+      </p:sp>
+      <p:sp>
+        <p:nvSpPr>
+          <p:cNvPr id="30" name="Text Placeholder 2">
+            <a:extLst>
+              <a:ext uri="{FF2B5EF4-FFF2-40B4-BE49-F238E27FC236}">
+                <a16:creationId xmlns:a16="http://schemas.microsoft.com/office/drawing/2014/main" id="{34A836A5-28B9-4EA2-A8BD-591F9E96C27E}"/>
+              </a:ext>
+            </a:extLst>
+          </p:cNvPr>
+          <p:cNvSpPr txBox="1">
+            <a:spLocks/>
+          </p:cNvSpPr>
+          <p:nvPr/>
+        </p:nvSpPr>
+        <p:spPr>
+          <a:xfrm>
+            <a:off x="14251178" y="11734800"/>
+            <a:ext cx="8124033" cy="607089"/>
+          </a:xfrm>
+          <a:prstGeom prst="rect">
+            <a:avLst/>
+          </a:prstGeom>
+        </p:spPr>
+        <p:txBody>
+          <a:bodyPr vert="horz" wrap="square" lIns="0" tIns="0" rIns="0" bIns="0" rtlCol="0">
+            <a:spAutoFit/>
+          </a:bodyPr>
+          <a:lstStyle>
+            <a:lvl1pPr marL="0" marR="0" indent="0" algn="l" defTabSz="2438361" rtl="0" eaLnBrk="1" fontAlgn="auto" latinLnBrk="0" hangingPunct="1">
+              <a:lnSpc>
+                <a:spcPts val="5300"/>
+              </a:lnSpc>
+              <a:spcBef>
+                <a:spcPts val="0"/>
+              </a:spcBef>
+              <a:spcAft>
+                <a:spcPts val="2500"/>
+              </a:spcAft>
+              <a:buClrTx/>
+              <a:buSzTx/>
+              <a:buFont typeface="Arial" panose="020B0604020202020204" pitchFamily="34" charset="0"/>
+              <a:buNone/>
+              <a:tabLst/>
+              <a:defRPr lang="en-US" sz="3300" b="0" i="0" kern="1200" baseline="0" smtClean="0">
+                <a:solidFill>
+                  <a:schemeClr val="tx1"/>
+                </a:solidFill>
+                <a:effectLst/>
+                <a:latin typeface="Franklin Gothic Book" panose="020B0503020102020204" pitchFamily="34" charset="0"/>
+                <a:ea typeface="Franklin Gothic Book" panose="020B0503020102020204" pitchFamily="34" charset="0"/>
+                <a:cs typeface="Franklin Gothic Book" panose="020B0503020102020204" pitchFamily="34" charset="0"/>
+              </a:defRPr>
+            </a:lvl1pPr>
+            <a:lvl2pPr marL="914362" indent="-571477" algn="l" defTabSz="2438361" rtl="0" eaLnBrk="1" latinLnBrk="0" hangingPunct="1">
+              <a:lnSpc>
+                <a:spcPts val="5300"/>
+              </a:lnSpc>
+              <a:spcBef>
+                <a:spcPts val="0"/>
+              </a:spcBef>
+              <a:spcAft>
+                <a:spcPts val="2500"/>
+              </a:spcAft>
+              <a:buClr>
+                <a:schemeClr val="accent3"/>
+              </a:buClr>
+              <a:buSzPct val="120000"/>
+              <a:buFont typeface="Wingdings" charset="2"/>
+              <a:buChar char="§"/>
+              <a:defRPr sz="3300" b="0" i="0" kern="1200">
+                <a:solidFill>
+                  <a:schemeClr val="tx1"/>
+                </a:solidFill>
+                <a:latin typeface="Franklin Gothic Book" panose="020B0503020102020204" pitchFamily="34" charset="0"/>
+                <a:ea typeface="Franklin Gothic Book" panose="020B0503020102020204" pitchFamily="34" charset="0"/>
+                <a:cs typeface="Franklin Gothic Book" panose="020B0503020102020204" pitchFamily="34" charset="0"/>
+              </a:defRPr>
+            </a:lvl2pPr>
+            <a:lvl3pPr marL="1462978" indent="-571477" algn="l" defTabSz="2438361" rtl="0" eaLnBrk="1" latinLnBrk="0" hangingPunct="1">
+              <a:lnSpc>
+                <a:spcPts val="5300"/>
+              </a:lnSpc>
+              <a:spcBef>
+                <a:spcPts val="0"/>
+              </a:spcBef>
+              <a:spcAft>
+                <a:spcPts val="2500"/>
+              </a:spcAft>
+              <a:buClr>
+                <a:schemeClr val="accent3"/>
+              </a:buClr>
+              <a:buSzPct val="120000"/>
+              <a:buFont typeface="Wingdings" charset="2"/>
+              <a:buChar char="§"/>
+              <a:defRPr sz="3300" b="0" i="0" kern="1200">
+                <a:solidFill>
+                  <a:schemeClr val="tx1"/>
+                </a:solidFill>
+                <a:latin typeface="Franklin Gothic Book" panose="020B0503020102020204" pitchFamily="34" charset="0"/>
+                <a:ea typeface="Franklin Gothic Book" panose="020B0503020102020204" pitchFamily="34" charset="0"/>
+                <a:cs typeface="Franklin Gothic Book" panose="020B0503020102020204" pitchFamily="34" charset="0"/>
+              </a:defRPr>
+            </a:lvl3pPr>
+            <a:lvl4pPr marL="2103032" indent="-571477" algn="l" defTabSz="2438361" rtl="0" eaLnBrk="1" latinLnBrk="0" hangingPunct="1">
+              <a:lnSpc>
+                <a:spcPts val="5300"/>
+              </a:lnSpc>
+              <a:spcBef>
+                <a:spcPts val="0"/>
+              </a:spcBef>
+              <a:spcAft>
+                <a:spcPts val="2500"/>
+              </a:spcAft>
+              <a:buClr>
+                <a:schemeClr val="accent3"/>
+              </a:buClr>
+              <a:buSzPct val="120000"/>
+              <a:buFont typeface="Wingdings" charset="2"/>
+              <a:buChar char="§"/>
+              <a:defRPr sz="3300" b="0" i="0" kern="1200">
+                <a:solidFill>
+                  <a:schemeClr val="tx1"/>
+                </a:solidFill>
+                <a:latin typeface="Franklin Gothic Book" panose="020B0503020102020204" pitchFamily="34" charset="0"/>
+                <a:ea typeface="Franklin Gothic Book" panose="020B0503020102020204" pitchFamily="34" charset="0"/>
+                <a:cs typeface="Franklin Gothic Book" panose="020B0503020102020204" pitchFamily="34" charset="0"/>
+              </a:defRPr>
+            </a:lvl4pPr>
+            <a:lvl5pPr marL="2651650" indent="-571477" algn="l" defTabSz="2438361" rtl="0" eaLnBrk="1" latinLnBrk="0" hangingPunct="1">
+              <a:lnSpc>
+                <a:spcPts val="5300"/>
+              </a:lnSpc>
+              <a:spcBef>
+                <a:spcPts val="0"/>
+              </a:spcBef>
+              <a:spcAft>
+                <a:spcPts val="2500"/>
+              </a:spcAft>
+              <a:buClr>
+                <a:schemeClr val="accent3"/>
+              </a:buClr>
+              <a:buSzPct val="120000"/>
+              <a:buFont typeface="Wingdings" charset="2"/>
+              <a:buChar char="§"/>
+              <a:defRPr sz="3300" b="0" i="0" kern="1200">
+                <a:solidFill>
+                  <a:schemeClr val="tx1"/>
+                </a:solidFill>
+                <a:latin typeface="Franklin Gothic Book" panose="020B0503020102020204" pitchFamily="34" charset="0"/>
+                <a:ea typeface="Franklin Gothic Book" panose="020B0503020102020204" pitchFamily="34" charset="0"/>
+                <a:cs typeface="Franklin Gothic Book" panose="020B0503020102020204" pitchFamily="34" charset="0"/>
+              </a:defRPr>
+            </a:lvl5pPr>
+            <a:lvl6pPr marL="6705487" indent="-609589" algn="l" defTabSz="2438361" rtl="0" eaLnBrk="1" latinLnBrk="0" hangingPunct="1">
+              <a:spcBef>
+                <a:spcPct val="20000"/>
+              </a:spcBef>
+              <a:buFont typeface="Arial" panose="020B0604020202020204" pitchFamily="34" charset="0"/>
+              <a:buChar char="•"/>
+              <a:defRPr sz="5300" kern="1200">
+                <a:solidFill>
+                  <a:schemeClr val="tx1"/>
+                </a:solidFill>
+                <a:latin typeface="+mn-lt"/>
+                <a:ea typeface="+mn-ea"/>
+                <a:cs typeface="+mn-cs"/>
+              </a:defRPr>
+            </a:lvl6pPr>
+            <a:lvl7pPr marL="7924669" indent="-609589" algn="l" defTabSz="2438361" rtl="0" eaLnBrk="1" latinLnBrk="0" hangingPunct="1">
+              <a:spcBef>
+                <a:spcPct val="20000"/>
+              </a:spcBef>
+              <a:buFont typeface="Arial" panose="020B0604020202020204" pitchFamily="34" charset="0"/>
+              <a:buChar char="•"/>
+              <a:defRPr sz="5300" kern="1200">
+                <a:solidFill>
+                  <a:schemeClr val="tx1"/>
+                </a:solidFill>
+                <a:latin typeface="+mn-lt"/>
+                <a:ea typeface="+mn-ea"/>
+                <a:cs typeface="+mn-cs"/>
+              </a:defRPr>
+            </a:lvl7pPr>
+            <a:lvl8pPr marL="9143849" indent="-609589" algn="l" defTabSz="2438361" rtl="0" eaLnBrk="1" latinLnBrk="0" hangingPunct="1">
+              <a:spcBef>
+                <a:spcPct val="20000"/>
+              </a:spcBef>
+              <a:buFont typeface="Arial" panose="020B0604020202020204" pitchFamily="34" charset="0"/>
+              <a:buChar char="•"/>
+              <a:defRPr sz="5300" kern="1200">
+                <a:solidFill>
+                  <a:schemeClr val="tx1"/>
+                </a:solidFill>
+                <a:latin typeface="+mn-lt"/>
+                <a:ea typeface="+mn-ea"/>
+                <a:cs typeface="+mn-cs"/>
+              </a:defRPr>
+            </a:lvl8pPr>
+            <a:lvl9pPr marL="10363028" indent="-609589" algn="l" defTabSz="2438361" rtl="0" eaLnBrk="1" latinLnBrk="0" hangingPunct="1">
+              <a:spcBef>
+                <a:spcPct val="20000"/>
+              </a:spcBef>
+              <a:buFont typeface="Arial" panose="020B0604020202020204" pitchFamily="34" charset="0"/>
+              <a:buChar char="•"/>
+              <a:defRPr sz="5300" kern="1200">
+                <a:solidFill>
+                  <a:schemeClr val="tx1"/>
+                </a:solidFill>
+                <a:latin typeface="+mn-lt"/>
+                <a:ea typeface="+mn-ea"/>
+                <a:cs typeface="+mn-cs"/>
+              </a:defRPr>
+            </a:lvl9pPr>
+          </a:lstStyle>
+          <a:p>
+            <a:pPr algn="ctr"/>
+            <a:r>
+              <a:rPr lang="en-US" dirty="0"/>
+              <a:t>Figure 1: </a:t>
+            </a:r>
+            <a:r>
+              <a:rPr lang="en-US" dirty="0" err="1"/>
+              <a:t>Dat</a:t>
+            </a:r>
+            <a:r>
+              <a:rPr lang="en-US" dirty="0"/>
+              <a:t> PCB</a:t>
+            </a:r>
+          </a:p>
+        </p:txBody>
+      </p:sp>
+      <p:sp>
+        <p:nvSpPr>
+          <p:cNvPr id="31" name="Text Placeholder 1">
+            <a:extLst>
+              <a:ext uri="{FF2B5EF4-FFF2-40B4-BE49-F238E27FC236}">
+                <a16:creationId xmlns:a16="http://schemas.microsoft.com/office/drawing/2014/main" id="{836B578F-0A7F-45B2-A4AE-DE430029B65D}"/>
+              </a:ext>
+            </a:extLst>
+          </p:cNvPr>
+          <p:cNvSpPr txBox="1">
+            <a:spLocks/>
+          </p:cNvSpPr>
+          <p:nvPr/>
+        </p:nvSpPr>
+        <p:spPr>
+          <a:xfrm>
+            <a:off x="24907143" y="16230600"/>
+            <a:ext cx="8335107" cy="830997"/>
+          </a:xfrm>
+          <a:prstGeom prst="rect">
+            <a:avLst/>
+          </a:prstGeom>
+        </p:spPr>
+        <p:txBody>
+          <a:bodyPr vert="horz" wrap="square" lIns="0" tIns="0" rIns="0" bIns="0" rtlCol="0">
+            <a:spAutoFit/>
+          </a:bodyPr>
+          <a:lstStyle>
+            <a:lvl1pPr marL="0" indent="0" algn="l" defTabSz="2438361" rtl="0" eaLnBrk="1" latinLnBrk="0" hangingPunct="1">
+              <a:lnSpc>
+                <a:spcPct val="100000"/>
+              </a:lnSpc>
+              <a:spcBef>
+                <a:spcPts val="0"/>
+              </a:spcBef>
+              <a:spcAft>
+                <a:spcPts val="2500"/>
+              </a:spcAft>
+              <a:buClr>
+                <a:schemeClr val="accent3"/>
+              </a:buClr>
+              <a:buSzPct val="120000"/>
+              <a:buFont typeface="Wingdings" charset="2"/>
+              <a:buNone/>
+              <a:defRPr sz="5400" b="1" i="0" kern="1200" cap="all" baseline="0">
+                <a:solidFill>
+                  <a:schemeClr val="tx1"/>
+                </a:solidFill>
+                <a:latin typeface="Franklin Gothic Book" panose="020B0503020102020204" pitchFamily="34" charset="0"/>
+                <a:ea typeface="Franklin Gothic Book" panose="020B0503020102020204" pitchFamily="34" charset="0"/>
+                <a:cs typeface="Franklin Gothic Book" panose="020B0503020102020204" pitchFamily="34" charset="0"/>
+              </a:defRPr>
+            </a:lvl1pPr>
+            <a:lvl2pPr marL="914362" indent="-571477" algn="l" defTabSz="2438361" rtl="0" eaLnBrk="1" latinLnBrk="0" hangingPunct="1">
+              <a:lnSpc>
+                <a:spcPts val="5300"/>
+              </a:lnSpc>
+              <a:spcBef>
+                <a:spcPts val="0"/>
+              </a:spcBef>
+              <a:spcAft>
+                <a:spcPts val="2500"/>
+              </a:spcAft>
+              <a:buClr>
+                <a:schemeClr val="accent3"/>
+              </a:buClr>
+              <a:buSzPct val="120000"/>
+              <a:buFont typeface="Wingdings" charset="2"/>
+              <a:buChar char="§"/>
+              <a:defRPr sz="3300" b="0" i="0" kern="1200">
+                <a:solidFill>
+                  <a:schemeClr val="tx1"/>
+                </a:solidFill>
+                <a:latin typeface="Franklin Gothic Book" panose="020B0503020102020204" pitchFamily="34" charset="0"/>
+                <a:ea typeface="Franklin Gothic Book" panose="020B0503020102020204" pitchFamily="34" charset="0"/>
+                <a:cs typeface="Franklin Gothic Book" panose="020B0503020102020204" pitchFamily="34" charset="0"/>
+              </a:defRPr>
+            </a:lvl2pPr>
+            <a:lvl3pPr marL="1462978" indent="-571477" algn="l" defTabSz="2438361" rtl="0" eaLnBrk="1" latinLnBrk="0" hangingPunct="1">
+              <a:lnSpc>
+                <a:spcPts val="5300"/>
+              </a:lnSpc>
+              <a:spcBef>
+                <a:spcPts val="0"/>
+              </a:spcBef>
+              <a:spcAft>
+                <a:spcPts val="2500"/>
+              </a:spcAft>
+              <a:buClr>
+                <a:schemeClr val="accent3"/>
+              </a:buClr>
+              <a:buSzPct val="120000"/>
+              <a:buFont typeface="Wingdings" charset="2"/>
+              <a:buChar char="§"/>
+              <a:defRPr sz="3300" b="0" i="0" kern="1200">
+                <a:solidFill>
+                  <a:schemeClr val="tx1"/>
+                </a:solidFill>
+                <a:latin typeface="Franklin Gothic Book" panose="020B0503020102020204" pitchFamily="34" charset="0"/>
+                <a:ea typeface="Franklin Gothic Book" panose="020B0503020102020204" pitchFamily="34" charset="0"/>
+                <a:cs typeface="Franklin Gothic Book" panose="020B0503020102020204" pitchFamily="34" charset="0"/>
+              </a:defRPr>
+            </a:lvl3pPr>
+            <a:lvl4pPr marL="2103032" indent="-571477" algn="l" defTabSz="2438361" rtl="0" eaLnBrk="1" latinLnBrk="0" hangingPunct="1">
+              <a:lnSpc>
+                <a:spcPts val="5300"/>
+              </a:lnSpc>
+              <a:spcBef>
+                <a:spcPts val="0"/>
+              </a:spcBef>
+              <a:spcAft>
+                <a:spcPts val="2500"/>
+              </a:spcAft>
+              <a:buClr>
+                <a:schemeClr val="accent3"/>
+              </a:buClr>
+              <a:buSzPct val="120000"/>
+              <a:buFont typeface="Wingdings" charset="2"/>
+              <a:buChar char="§"/>
+              <a:defRPr sz="3300" b="0" i="0" kern="1200">
+                <a:solidFill>
+                  <a:schemeClr val="tx1"/>
+                </a:solidFill>
+                <a:latin typeface="Franklin Gothic Book" panose="020B0503020102020204" pitchFamily="34" charset="0"/>
+                <a:ea typeface="Franklin Gothic Book" panose="020B0503020102020204" pitchFamily="34" charset="0"/>
+                <a:cs typeface="Franklin Gothic Book" panose="020B0503020102020204" pitchFamily="34" charset="0"/>
+              </a:defRPr>
+            </a:lvl4pPr>
+            <a:lvl5pPr marL="2651650" indent="-571477" algn="l" defTabSz="2438361" rtl="0" eaLnBrk="1" latinLnBrk="0" hangingPunct="1">
+              <a:lnSpc>
+                <a:spcPts val="5300"/>
+              </a:lnSpc>
+              <a:spcBef>
+                <a:spcPts val="0"/>
+              </a:spcBef>
+              <a:spcAft>
+                <a:spcPts val="2500"/>
+              </a:spcAft>
+              <a:buClr>
+                <a:schemeClr val="accent3"/>
+              </a:buClr>
+              <a:buSzPct val="120000"/>
+              <a:buFont typeface="Wingdings" charset="2"/>
+              <a:buChar char="§"/>
+              <a:defRPr sz="3300" b="0" i="0" kern="1200">
+                <a:solidFill>
+                  <a:schemeClr val="tx1"/>
+                </a:solidFill>
+                <a:latin typeface="Franklin Gothic Book" panose="020B0503020102020204" pitchFamily="34" charset="0"/>
+                <a:ea typeface="Franklin Gothic Book" panose="020B0503020102020204" pitchFamily="34" charset="0"/>
+                <a:cs typeface="Franklin Gothic Book" panose="020B0503020102020204" pitchFamily="34" charset="0"/>
+              </a:defRPr>
+            </a:lvl5pPr>
+            <a:lvl6pPr marL="6705487" indent="-609589" algn="l" defTabSz="2438361" rtl="0" eaLnBrk="1" latinLnBrk="0" hangingPunct="1">
+              <a:spcBef>
+                <a:spcPct val="20000"/>
+              </a:spcBef>
+              <a:buFont typeface="Arial" panose="020B0604020202020204" pitchFamily="34" charset="0"/>
+              <a:buChar char="•"/>
+              <a:defRPr sz="5300" kern="1200">
+                <a:solidFill>
+                  <a:schemeClr val="tx1"/>
+                </a:solidFill>
+                <a:latin typeface="+mn-lt"/>
+                <a:ea typeface="+mn-ea"/>
+                <a:cs typeface="+mn-cs"/>
+              </a:defRPr>
+            </a:lvl6pPr>
+            <a:lvl7pPr marL="7924669" indent="-609589" algn="l" defTabSz="2438361" rtl="0" eaLnBrk="1" latinLnBrk="0" hangingPunct="1">
+              <a:spcBef>
+                <a:spcPct val="20000"/>
+              </a:spcBef>
+              <a:buFont typeface="Arial" panose="020B0604020202020204" pitchFamily="34" charset="0"/>
+              <a:buChar char="•"/>
+              <a:defRPr sz="5300" kern="1200">
+                <a:solidFill>
+                  <a:schemeClr val="tx1"/>
+                </a:solidFill>
+                <a:latin typeface="+mn-lt"/>
+                <a:ea typeface="+mn-ea"/>
+                <a:cs typeface="+mn-cs"/>
+              </a:defRPr>
+            </a:lvl7pPr>
+            <a:lvl8pPr marL="9143849" indent="-609589" algn="l" defTabSz="2438361" rtl="0" eaLnBrk="1" latinLnBrk="0" hangingPunct="1">
+              <a:spcBef>
+                <a:spcPct val="20000"/>
+              </a:spcBef>
+              <a:buFont typeface="Arial" panose="020B0604020202020204" pitchFamily="34" charset="0"/>
+              <a:buChar char="•"/>
+              <a:defRPr sz="5300" kern="1200">
+                <a:solidFill>
+                  <a:schemeClr val="tx1"/>
+                </a:solidFill>
+                <a:latin typeface="+mn-lt"/>
+                <a:ea typeface="+mn-ea"/>
+                <a:cs typeface="+mn-cs"/>
+              </a:defRPr>
+            </a:lvl8pPr>
+            <a:lvl9pPr marL="10363028" indent="-609589" algn="l" defTabSz="2438361" rtl="0" eaLnBrk="1" latinLnBrk="0" hangingPunct="1">
+              <a:spcBef>
+                <a:spcPct val="20000"/>
+              </a:spcBef>
+              <a:buFont typeface="Arial" panose="020B0604020202020204" pitchFamily="34" charset="0"/>
+              <a:buChar char="•"/>
+              <a:defRPr sz="5300" kern="1200">
+                <a:solidFill>
+                  <a:schemeClr val="tx1"/>
+                </a:solidFill>
+                <a:latin typeface="+mn-lt"/>
+                <a:ea typeface="+mn-ea"/>
+                <a:cs typeface="+mn-cs"/>
+              </a:defRPr>
+            </a:lvl9pPr>
+          </a:lstStyle>
+          <a:p>
+            <a:r>
+              <a:rPr lang="en-US" dirty="0"/>
+              <a:t>Team </a:t>
+            </a:r>
+            <a:r>
+              <a:rPr lang="en-US" dirty="0" err="1"/>
+              <a:t>CropTop</a:t>
+            </a:r>
             <a:endParaRPr lang="en-US" dirty="0"/>
           </a:p>
         </p:txBody>

--- a/docs/prez/expo poster.pptx
+++ b/docs/prez/expo poster.pptx
@@ -3177,7 +3177,7 @@
         </p:nvSpPr>
         <p:spPr>
           <a:xfrm>
-            <a:off x="25610306" y="4572000"/>
+            <a:off x="25610306" y="4419600"/>
             <a:ext cx="10051294" cy="11403122"/>
           </a:xfrm>
         </p:spPr>
@@ -3190,7 +3190,7 @@
                 <a:spcPct val="100000"/>
               </a:lnSpc>
               <a:spcAft>
-                <a:spcPts val="1800"/>
+                <a:spcPts val="1600"/>
               </a:spcAft>
             </a:pPr>
             <a:r>
@@ -3204,7 +3204,7 @@
                 <a:spcPct val="100000"/>
               </a:lnSpc>
               <a:spcAft>
-                <a:spcPts val="1800"/>
+                <a:spcPts val="1600"/>
               </a:spcAft>
             </a:pPr>
             <a:r>
@@ -3226,7 +3226,7 @@
                 <a:spcPct val="100000"/>
               </a:lnSpc>
               <a:spcAft>
-                <a:spcPts val="1800"/>
+                <a:spcPts val="1600"/>
               </a:spcAft>
             </a:pPr>
             <a:r>
@@ -3240,7 +3240,7 @@
                 <a:spcPct val="100000"/>
               </a:lnSpc>
               <a:spcAft>
-                <a:spcPts val="1800"/>
+                <a:spcPts val="1600"/>
               </a:spcAft>
             </a:pPr>
             <a:r>
@@ -3254,7 +3254,7 @@
                 <a:spcPct val="100000"/>
               </a:lnSpc>
               <a:spcAft>
-                <a:spcPts val="1800"/>
+                <a:spcPts val="1600"/>
               </a:spcAft>
             </a:pPr>
             <a:r>
@@ -3268,7 +3268,7 @@
                 <a:spcPct val="100000"/>
               </a:lnSpc>
               <a:spcAft>
-                <a:spcPts val="1800"/>
+                <a:spcPts val="1600"/>
               </a:spcAft>
             </a:pPr>
             <a:r>
@@ -3282,7 +3282,7 @@
                 <a:spcPct val="100000"/>
               </a:lnSpc>
               <a:spcAft>
-                <a:spcPts val="1800"/>
+                <a:spcPts val="1600"/>
               </a:spcAft>
             </a:pPr>
             <a:r>
@@ -3296,7 +3296,7 @@
                 <a:spcPct val="100000"/>
               </a:lnSpc>
               <a:spcAft>
-                <a:spcPts val="1800"/>
+                <a:spcPts val="1600"/>
               </a:spcAft>
             </a:pPr>
             <a:r>
@@ -3310,7 +3310,7 @@
                 <a:spcPct val="100000"/>
               </a:lnSpc>
               <a:spcAft>
-                <a:spcPts val="1800"/>
+                <a:spcPts val="1600"/>
               </a:spcAft>
             </a:pPr>
             <a:r>
@@ -3324,7 +3324,7 @@
                 <a:spcPct val="100000"/>
               </a:lnSpc>
               <a:spcAft>
-                <a:spcPts val="1800"/>
+                <a:spcPts val="1600"/>
               </a:spcAft>
             </a:pPr>
             <a:r>
@@ -3338,7 +3338,7 @@
                 <a:spcPct val="100000"/>
               </a:lnSpc>
               <a:spcAft>
-                <a:spcPts val="1800"/>
+                <a:spcPts val="1600"/>
               </a:spcAft>
             </a:pPr>
             <a:r>
@@ -3352,7 +3352,7 @@
                 <a:spcPct val="100000"/>
               </a:lnSpc>
               <a:spcAft>
-                <a:spcPts val="1800"/>
+                <a:spcPts val="1600"/>
               </a:spcAft>
             </a:pPr>
             <a:r>
@@ -3366,7 +3366,7 @@
                 <a:spcPct val="100000"/>
               </a:lnSpc>
               <a:spcAft>
-                <a:spcPts val="1800"/>
+                <a:spcPts val="1600"/>
               </a:spcAft>
             </a:pPr>
             <a:r>
@@ -3404,6 +3404,11 @@
           </a:bodyPr>
           <a:lstStyle/>
           <a:p>
+            <a:pPr>
+              <a:lnSpc>
+                <a:spcPts val="8500"/>
+              </a:lnSpc>
+            </a:pPr>
             <a:r>
               <a:rPr lang="en-US" sz="9600" dirty="0"/>
               <a:t>cereal grain Data Acquisition device</a:t>
@@ -3863,7 +3868,7 @@
             <a:pPr algn="just"/>
             <a:r>
               <a:rPr lang="en-US" dirty="0"/>
-              <a:t>After more than a century of research, wind induced crop failure remains an unsolved problem resulting in tens of billions of dollars in economic losses each year. Research from the University of Idaho is patenting tools that will allow plant breeders to develop crop varieties highly resistant to stalk failure. </a:t>
+              <a:t>After more than a century of research, wind induced crop failure remains an unsolved problem resulting in tens of billions of dollars in economic losses each year. Research from the University of Idaho is patenting tools that will allow plant breeders to develop crop varieties highly resistant to stalk failure.</a:t>
             </a:r>
           </a:p>
         </p:txBody>
@@ -3890,8 +3895,8 @@
         </p:blipFill>
         <p:spPr>
           <a:xfrm>
-            <a:off x="11870656" y="12801600"/>
-            <a:ext cx="12821833" cy="8903176"/>
+            <a:off x="11870656" y="13716000"/>
+            <a:ext cx="12821833" cy="9222712"/>
           </a:xfrm>
           <a:prstGeom prst="rect">
             <a:avLst/>
@@ -3921,7 +3926,7 @@
         <p:spPr>
           <a:xfrm>
             <a:off x="11890238" y="3657599"/>
-            <a:ext cx="12802251" cy="8079711"/>
+            <a:ext cx="12802251" cy="8994111"/>
           </a:xfrm>
           <a:prstGeom prst="rect">
             <a:avLst/>
@@ -4166,7 +4171,7 @@
         </p:nvSpPr>
         <p:spPr>
           <a:xfrm>
-            <a:off x="25610306" y="24162603"/>
+            <a:off x="25594467" y="23781603"/>
             <a:ext cx="8335107" cy="830997"/>
           </a:xfrm>
           <a:prstGeom prst="rect">
@@ -4387,7 +4392,7 @@
           <p:nvPr>
             <p:extLst>
               <p:ext uri="{D42A27DB-BD31-4B8C-83A1-F6EECF244321}">
-                <p14:modId xmlns:p14="http://schemas.microsoft.com/office/powerpoint/2010/main" val="2089522813"/>
+                <p14:modId xmlns:p14="http://schemas.microsoft.com/office/powerpoint/2010/main" val="907630574"/>
               </p:ext>
             </p:extLst>
           </p:nvPr>
@@ -5506,7 +5511,17 @@
                       </a:r>
                     </a:p>
                   </a:txBody>
-                  <a:tcPr marL="68580" marR="68580" marT="0" marB="0"/>
+                  <a:tcPr marL="68580" marR="68580" marT="0" marB="0">
+                    <a:lnB w="12700" cap="flat" cmpd="sng" algn="ctr">
+                      <a:solidFill>
+                        <a:schemeClr val="tx1"/>
+                      </a:solidFill>
+                      <a:prstDash val="solid"/>
+                      <a:round/>
+                      <a:headEnd type="none" w="med" len="med"/>
+                      <a:tailEnd type="none" w="med" len="med"/>
+                    </a:lnB>
+                  </a:tcPr>
                 </a:tc>
                 <a:tc>
                   <a:txBody>
@@ -5535,7 +5550,17 @@
                       </a:r>
                     </a:p>
                   </a:txBody>
-                  <a:tcPr marL="68580" marR="68580" marT="0" marB="0"/>
+                  <a:tcPr marL="68580" marR="68580" marT="0" marB="0">
+                    <a:lnB w="12700" cap="flat" cmpd="sng" algn="ctr">
+                      <a:solidFill>
+                        <a:schemeClr val="tx1"/>
+                      </a:solidFill>
+                      <a:prstDash val="solid"/>
+                      <a:round/>
+                      <a:headEnd type="none" w="med" len="med"/>
+                      <a:tailEnd type="none" w="med" len="med"/>
+                    </a:lnB>
+                  </a:tcPr>
                 </a:tc>
                 <a:tc>
                   <a:txBody>
@@ -5564,7 +5589,17 @@
                       </a:r>
                     </a:p>
                   </a:txBody>
-                  <a:tcPr marL="68580" marR="68580" marT="0" marB="0"/>
+                  <a:tcPr marL="68580" marR="68580" marT="0" marB="0">
+                    <a:lnB w="12700" cap="flat" cmpd="sng" algn="ctr">
+                      <a:solidFill>
+                        <a:schemeClr val="tx1"/>
+                      </a:solidFill>
+                      <a:prstDash val="solid"/>
+                      <a:round/>
+                      <a:headEnd type="none" w="med" len="med"/>
+                      <a:tailEnd type="none" w="med" len="med"/>
+                    </a:lnB>
+                  </a:tcPr>
                 </a:tc>
                 <a:extLst>
                   <a:ext uri="{0D108BD9-81ED-4DB2-BD59-A6C34878D82A}">
@@ -5592,7 +5627,7 @@
         </p:nvSpPr>
         <p:spPr>
           <a:xfrm>
-            <a:off x="914400" y="8610600"/>
+            <a:off x="914400" y="8617803"/>
             <a:ext cx="8018880" cy="830997"/>
           </a:xfrm>
           <a:prstGeom prst="rect">
@@ -6037,7 +6072,7 @@
         </p:nvSpPr>
         <p:spPr>
           <a:xfrm>
-            <a:off x="25610306" y="16230600"/>
+            <a:off x="25610306" y="15621000"/>
             <a:ext cx="8335107" cy="830997"/>
           </a:xfrm>
           <a:prstGeom prst="rect">
@@ -6264,8 +6299,8 @@
         </p:nvSpPr>
         <p:spPr>
           <a:xfrm>
-            <a:off x="25594467" y="24993600"/>
-            <a:ext cx="10010793" cy="1607363"/>
+            <a:off x="25594467" y="24536400"/>
+            <a:ext cx="10010793" cy="1966436"/>
           </a:xfrm>
           <a:prstGeom prst="rect">
             <a:avLst/>
@@ -6463,29 +6498,52 @@
             </a:lvl9pPr>
           </a:lstStyle>
           <a:p>
-            <a:pPr algn="just"/>
-            <a:r>
-              <a:rPr lang="en-US" dirty="0"/>
-              <a:t>Conrad, Ankit, Dr. Robertson, The university, my parents</a:t>
+            <a:pPr algn="just">
+              <a:spcAft>
+                <a:spcPts val="0"/>
+              </a:spcAft>
+            </a:pPr>
+            <a:r>
+              <a:rPr lang="en-US" dirty="0" err="1"/>
+              <a:t>Cracka</a:t>
+            </a:r>
+            <a:r>
+              <a:rPr lang="en-US" dirty="0"/>
+              <a:t> of da Whip: Dr. Daniel Robertson (Big </a:t>
+            </a:r>
+            <a:r>
+              <a:rPr lang="en-US" dirty="0" err="1"/>
+              <a:t>Chungus</a:t>
+            </a:r>
+            <a:r>
+              <a:rPr lang="en-US" dirty="0"/>
+              <a:t>)</a:t>
             </a:r>
           </a:p>
           <a:p>
-            <a:pPr algn="just"/>
-            <a:r>
-              <a:rPr lang="en-US" dirty="0"/>
-              <a:t>, the academy, Big </a:t>
-            </a:r>
-            <a:r>
-              <a:rPr lang="en-US" dirty="0" err="1"/>
-              <a:t>Chungus</a:t>
-            </a:r>
-            <a:r>
-              <a:rPr lang="en-US" dirty="0"/>
-              <a:t>, Dr. </a:t>
-            </a:r>
-            <a:r>
-              <a:rPr lang="en-US" dirty="0" err="1"/>
-              <a:t>Frenzel</a:t>
+            <a:pPr algn="just">
+              <a:spcAft>
+                <a:spcPts val="0"/>
+              </a:spcAft>
+            </a:pPr>
+            <a:r>
+              <a:rPr lang="en-US" dirty="0"/>
+              <a:t>Software GOAT: Conrad Mearns</a:t>
+            </a:r>
+          </a:p>
+          <a:p>
+            <a:pPr algn="just">
+              <a:spcAft>
+                <a:spcPts val="0"/>
+              </a:spcAft>
+            </a:pPr>
+            <a:r>
+              <a:rPr lang="en-US" dirty="0"/>
+              <a:t>That One Guy: Ankit </a:t>
+            </a:r>
+            <a:r>
+              <a:rPr lang="en-US" dirty="0" err="1"/>
+              <a:t>Guthra</a:t>
             </a:r>
             <a:endParaRPr lang="en-US" dirty="0"/>
           </a:p>
@@ -6505,7 +6563,7 @@
           </p:cNvPicPr>
           <p:nvPr/>
         </p:nvPicPr>
-        <p:blipFill>
+        <p:blipFill rotWithShape="1">
           <a:blip r:embed="rId4" cstate="print">
             <a:extLst>
               <a:ext uri="{28A0092B-C50C-407E-A947-70E740481C1C}">
@@ -6513,248 +6571,19 @@
               </a:ext>
             </a:extLst>
           </a:blip>
-          <a:stretch>
-            <a:fillRect/>
-          </a:stretch>
+          <a:srcRect t="5646"/>
+          <a:stretch/>
         </p:blipFill>
         <p:spPr>
           <a:xfrm>
-            <a:off x="25984200" y="17158906"/>
-            <a:ext cx="9237442" cy="6158294"/>
+            <a:off x="25594467" y="16648757"/>
+            <a:ext cx="9994954" cy="6287033"/>
           </a:xfrm>
           <a:prstGeom prst="rect">
             <a:avLst/>
           </a:prstGeom>
         </p:spPr>
       </p:pic>
-      <p:sp>
-        <p:nvSpPr>
-          <p:cNvPr id="26" name="Text Placeholder 2">
-            <a:extLst>
-              <a:ext uri="{FF2B5EF4-FFF2-40B4-BE49-F238E27FC236}">
-                <a16:creationId xmlns:a16="http://schemas.microsoft.com/office/drawing/2014/main" id="{3012BBF1-0DCD-4F71-BEE7-320A8522E41A}"/>
-              </a:ext>
-            </a:extLst>
-          </p:cNvPr>
-          <p:cNvSpPr txBox="1">
-            <a:spLocks/>
-          </p:cNvSpPr>
-          <p:nvPr/>
-        </p:nvSpPr>
-        <p:spPr>
-          <a:xfrm>
-            <a:off x="26573936" y="23317200"/>
-            <a:ext cx="8124033" cy="607089"/>
-          </a:xfrm>
-          <a:prstGeom prst="rect">
-            <a:avLst/>
-          </a:prstGeom>
-        </p:spPr>
-        <p:txBody>
-          <a:bodyPr vert="horz" wrap="square" lIns="0" tIns="0" rIns="0" bIns="0" rtlCol="0">
-            <a:spAutoFit/>
-          </a:bodyPr>
-          <a:lstStyle>
-            <a:lvl1pPr marL="0" marR="0" indent="0" algn="l" defTabSz="2438361" rtl="0" eaLnBrk="1" fontAlgn="auto" latinLnBrk="0" hangingPunct="1">
-              <a:lnSpc>
-                <a:spcPts val="5300"/>
-              </a:lnSpc>
-              <a:spcBef>
-                <a:spcPts val="0"/>
-              </a:spcBef>
-              <a:spcAft>
-                <a:spcPts val="2500"/>
-              </a:spcAft>
-              <a:buClrTx/>
-              <a:buSzTx/>
-              <a:buFont typeface="Arial" panose="020B0604020202020204" pitchFamily="34" charset="0"/>
-              <a:buNone/>
-              <a:tabLst/>
-              <a:defRPr lang="en-US" sz="3300" b="0" i="0" kern="1200" baseline="0" smtClean="0">
-                <a:solidFill>
-                  <a:schemeClr val="tx1"/>
-                </a:solidFill>
-                <a:effectLst/>
-                <a:latin typeface="Franklin Gothic Book" panose="020B0503020102020204" pitchFamily="34" charset="0"/>
-                <a:ea typeface="Franklin Gothic Book" panose="020B0503020102020204" pitchFamily="34" charset="0"/>
-                <a:cs typeface="Franklin Gothic Book" panose="020B0503020102020204" pitchFamily="34" charset="0"/>
-              </a:defRPr>
-            </a:lvl1pPr>
-            <a:lvl2pPr marL="914362" indent="-571477" algn="l" defTabSz="2438361" rtl="0" eaLnBrk="1" latinLnBrk="0" hangingPunct="1">
-              <a:lnSpc>
-                <a:spcPts val="5300"/>
-              </a:lnSpc>
-              <a:spcBef>
-                <a:spcPts val="0"/>
-              </a:spcBef>
-              <a:spcAft>
-                <a:spcPts val="2500"/>
-              </a:spcAft>
-              <a:buClr>
-                <a:schemeClr val="accent3"/>
-              </a:buClr>
-              <a:buSzPct val="120000"/>
-              <a:buFont typeface="Wingdings" charset="2"/>
-              <a:buChar char="§"/>
-              <a:defRPr sz="3300" b="0" i="0" kern="1200">
-                <a:solidFill>
-                  <a:schemeClr val="tx1"/>
-                </a:solidFill>
-                <a:latin typeface="Franklin Gothic Book" panose="020B0503020102020204" pitchFamily="34" charset="0"/>
-                <a:ea typeface="Franklin Gothic Book" panose="020B0503020102020204" pitchFamily="34" charset="0"/>
-                <a:cs typeface="Franklin Gothic Book" panose="020B0503020102020204" pitchFamily="34" charset="0"/>
-              </a:defRPr>
-            </a:lvl2pPr>
-            <a:lvl3pPr marL="1462978" indent="-571477" algn="l" defTabSz="2438361" rtl="0" eaLnBrk="1" latinLnBrk="0" hangingPunct="1">
-              <a:lnSpc>
-                <a:spcPts val="5300"/>
-              </a:lnSpc>
-              <a:spcBef>
-                <a:spcPts val="0"/>
-              </a:spcBef>
-              <a:spcAft>
-                <a:spcPts val="2500"/>
-              </a:spcAft>
-              <a:buClr>
-                <a:schemeClr val="accent3"/>
-              </a:buClr>
-              <a:buSzPct val="120000"/>
-              <a:buFont typeface="Wingdings" charset="2"/>
-              <a:buChar char="§"/>
-              <a:defRPr sz="3300" b="0" i="0" kern="1200">
-                <a:solidFill>
-                  <a:schemeClr val="tx1"/>
-                </a:solidFill>
-                <a:latin typeface="Franklin Gothic Book" panose="020B0503020102020204" pitchFamily="34" charset="0"/>
-                <a:ea typeface="Franklin Gothic Book" panose="020B0503020102020204" pitchFamily="34" charset="0"/>
-                <a:cs typeface="Franklin Gothic Book" panose="020B0503020102020204" pitchFamily="34" charset="0"/>
-              </a:defRPr>
-            </a:lvl3pPr>
-            <a:lvl4pPr marL="2103032" indent="-571477" algn="l" defTabSz="2438361" rtl="0" eaLnBrk="1" latinLnBrk="0" hangingPunct="1">
-              <a:lnSpc>
-                <a:spcPts val="5300"/>
-              </a:lnSpc>
-              <a:spcBef>
-                <a:spcPts val="0"/>
-              </a:spcBef>
-              <a:spcAft>
-                <a:spcPts val="2500"/>
-              </a:spcAft>
-              <a:buClr>
-                <a:schemeClr val="accent3"/>
-              </a:buClr>
-              <a:buSzPct val="120000"/>
-              <a:buFont typeface="Wingdings" charset="2"/>
-              <a:buChar char="§"/>
-              <a:defRPr sz="3300" b="0" i="0" kern="1200">
-                <a:solidFill>
-                  <a:schemeClr val="tx1"/>
-                </a:solidFill>
-                <a:latin typeface="Franklin Gothic Book" panose="020B0503020102020204" pitchFamily="34" charset="0"/>
-                <a:ea typeface="Franklin Gothic Book" panose="020B0503020102020204" pitchFamily="34" charset="0"/>
-                <a:cs typeface="Franklin Gothic Book" panose="020B0503020102020204" pitchFamily="34" charset="0"/>
-              </a:defRPr>
-            </a:lvl4pPr>
-            <a:lvl5pPr marL="2651650" indent="-571477" algn="l" defTabSz="2438361" rtl="0" eaLnBrk="1" latinLnBrk="0" hangingPunct="1">
-              <a:lnSpc>
-                <a:spcPts val="5300"/>
-              </a:lnSpc>
-              <a:spcBef>
-                <a:spcPts val="0"/>
-              </a:spcBef>
-              <a:spcAft>
-                <a:spcPts val="2500"/>
-              </a:spcAft>
-              <a:buClr>
-                <a:schemeClr val="accent3"/>
-              </a:buClr>
-              <a:buSzPct val="120000"/>
-              <a:buFont typeface="Wingdings" charset="2"/>
-              <a:buChar char="§"/>
-              <a:defRPr sz="3300" b="0" i="0" kern="1200">
-                <a:solidFill>
-                  <a:schemeClr val="tx1"/>
-                </a:solidFill>
-                <a:latin typeface="Franklin Gothic Book" panose="020B0503020102020204" pitchFamily="34" charset="0"/>
-                <a:ea typeface="Franklin Gothic Book" panose="020B0503020102020204" pitchFamily="34" charset="0"/>
-                <a:cs typeface="Franklin Gothic Book" panose="020B0503020102020204" pitchFamily="34" charset="0"/>
-              </a:defRPr>
-            </a:lvl5pPr>
-            <a:lvl6pPr marL="6705487" indent="-609589" algn="l" defTabSz="2438361" rtl="0" eaLnBrk="1" latinLnBrk="0" hangingPunct="1">
-              <a:spcBef>
-                <a:spcPct val="20000"/>
-              </a:spcBef>
-              <a:buFont typeface="Arial" panose="020B0604020202020204" pitchFamily="34" charset="0"/>
-              <a:buChar char="•"/>
-              <a:defRPr sz="5300" kern="1200">
-                <a:solidFill>
-                  <a:schemeClr val="tx1"/>
-                </a:solidFill>
-                <a:latin typeface="+mn-lt"/>
-                <a:ea typeface="+mn-ea"/>
-                <a:cs typeface="+mn-cs"/>
-              </a:defRPr>
-            </a:lvl6pPr>
-            <a:lvl7pPr marL="7924669" indent="-609589" algn="l" defTabSz="2438361" rtl="0" eaLnBrk="1" latinLnBrk="0" hangingPunct="1">
-              <a:spcBef>
-                <a:spcPct val="20000"/>
-              </a:spcBef>
-              <a:buFont typeface="Arial" panose="020B0604020202020204" pitchFamily="34" charset="0"/>
-              <a:buChar char="•"/>
-              <a:defRPr sz="5300" kern="1200">
-                <a:solidFill>
-                  <a:schemeClr val="tx1"/>
-                </a:solidFill>
-                <a:latin typeface="+mn-lt"/>
-                <a:ea typeface="+mn-ea"/>
-                <a:cs typeface="+mn-cs"/>
-              </a:defRPr>
-            </a:lvl7pPr>
-            <a:lvl8pPr marL="9143849" indent="-609589" algn="l" defTabSz="2438361" rtl="0" eaLnBrk="1" latinLnBrk="0" hangingPunct="1">
-              <a:spcBef>
-                <a:spcPct val="20000"/>
-              </a:spcBef>
-              <a:buFont typeface="Arial" panose="020B0604020202020204" pitchFamily="34" charset="0"/>
-              <a:buChar char="•"/>
-              <a:defRPr sz="5300" kern="1200">
-                <a:solidFill>
-                  <a:schemeClr val="tx1"/>
-                </a:solidFill>
-                <a:latin typeface="+mn-lt"/>
-                <a:ea typeface="+mn-ea"/>
-                <a:cs typeface="+mn-cs"/>
-              </a:defRPr>
-            </a:lvl8pPr>
-            <a:lvl9pPr marL="10363028" indent="-609589" algn="l" defTabSz="2438361" rtl="0" eaLnBrk="1" latinLnBrk="0" hangingPunct="1">
-              <a:spcBef>
-                <a:spcPct val="20000"/>
-              </a:spcBef>
-              <a:buFont typeface="Arial" panose="020B0604020202020204" pitchFamily="34" charset="0"/>
-              <a:buChar char="•"/>
-              <a:defRPr sz="5300" kern="1200">
-                <a:solidFill>
-                  <a:schemeClr val="tx1"/>
-                </a:solidFill>
-                <a:latin typeface="+mn-lt"/>
-                <a:ea typeface="+mn-ea"/>
-                <a:cs typeface="+mn-cs"/>
-              </a:defRPr>
-            </a:lvl9pPr>
-          </a:lstStyle>
-          <a:p>
-            <a:pPr algn="ctr"/>
-            <a:r>
-              <a:rPr lang="en-US" dirty="0"/>
-              <a:t>Figure X: Ryan Donahue and Kennedy </a:t>
-            </a:r>
-            <a:r>
-              <a:rPr lang="en-US" dirty="0" err="1"/>
-              <a:t>Caisley</a:t>
-            </a:r>
-            <a:endParaRPr lang="en-US" dirty="0"/>
-          </a:p>
-        </p:txBody>
-      </p:sp>
       <p:sp>
         <p:nvSpPr>
           <p:cNvPr id="27" name="Text Placeholder 1">
@@ -6771,7 +6600,7 @@
         </p:nvSpPr>
         <p:spPr>
           <a:xfrm>
-            <a:off x="11933901" y="22791003"/>
+            <a:off x="11933901" y="23781603"/>
             <a:ext cx="8335107" cy="830997"/>
           </a:xfrm>
           <a:prstGeom prst="rect">
@@ -6993,8 +6822,8 @@
         </p:nvSpPr>
         <p:spPr>
           <a:xfrm>
-            <a:off x="11933901" y="23871491"/>
-            <a:ext cx="12758588" cy="1286763"/>
+            <a:off x="11933901" y="24551164"/>
+            <a:ext cx="12758588" cy="1966436"/>
           </a:xfrm>
           <a:prstGeom prst="rect">
             <a:avLst/>
@@ -7195,7 +7024,15 @@
             <a:pPr algn="just"/>
             <a:r>
               <a:rPr lang="en-US" dirty="0"/>
-              <a:t>Implement with the three devices, continue writing code, daughter boards</a:t>
+              <a:t>Create application software for existing devices using the newly developed hardware and device drivers found on the project </a:t>
+            </a:r>
+            <a:r>
+              <a:rPr lang="en-US" dirty="0" err="1"/>
+              <a:t>Github</a:t>
+            </a:r>
+            <a:r>
+              <a:rPr lang="en-US" dirty="0"/>
+              <a:t> repository: https://github.com/kcaisley/CropTop</a:t>
             </a:r>
           </a:p>
         </p:txBody>
@@ -7216,7 +7053,7 @@
         </p:nvSpPr>
         <p:spPr>
           <a:xfrm>
-            <a:off x="14219555" y="21704775"/>
+            <a:off x="14219555" y="22938711"/>
             <a:ext cx="8124033" cy="607089"/>
           </a:xfrm>
           <a:prstGeom prst="rect">
@@ -7452,7 +7289,7 @@
         </p:nvSpPr>
         <p:spPr>
           <a:xfrm>
-            <a:off x="14251178" y="11734800"/>
+            <a:off x="14251178" y="12651711"/>
             <a:ext cx="8124033" cy="607089"/>
           </a:xfrm>
           <a:prstGeom prst="rect">
@@ -7669,10 +7506,118 @@
       </p:sp>
       <p:sp>
         <p:nvSpPr>
-          <p:cNvPr id="31" name="Text Placeholder 1">
+          <p:cNvPr id="2" name="Rectangle 1">
             <a:extLst>
               <a:ext uri="{FF2B5EF4-FFF2-40B4-BE49-F238E27FC236}">
-                <a16:creationId xmlns:a16="http://schemas.microsoft.com/office/drawing/2014/main" id="{836B578F-0A7F-45B2-A4AE-DE430029B65D}"/>
+                <a16:creationId xmlns:a16="http://schemas.microsoft.com/office/drawing/2014/main" id="{959DB4B2-0B20-4DD6-B07C-6AE57F0DD64C}"/>
+              </a:ext>
+            </a:extLst>
+          </p:cNvPr>
+          <p:cNvSpPr/>
+          <p:nvPr/>
+        </p:nvSpPr>
+        <p:spPr>
+          <a:xfrm>
+            <a:off x="896520" y="26441400"/>
+            <a:ext cx="10069175" cy="304801"/>
+          </a:xfrm>
+          <a:prstGeom prst="rect">
+            <a:avLst/>
+          </a:prstGeom>
+          <a:solidFill>
+            <a:schemeClr val="bg1"/>
+          </a:solidFill>
+          <a:ln>
+            <a:solidFill>
+              <a:schemeClr val="bg1"/>
+            </a:solidFill>
+          </a:ln>
+        </p:spPr>
+        <p:style>
+          <a:lnRef idx="2">
+            <a:schemeClr val="accent1">
+              <a:shade val="50000"/>
+            </a:schemeClr>
+          </a:lnRef>
+          <a:fillRef idx="1">
+            <a:schemeClr val="accent1"/>
+          </a:fillRef>
+          <a:effectRef idx="0">
+            <a:schemeClr val="accent1"/>
+          </a:effectRef>
+          <a:fontRef idx="minor">
+            <a:schemeClr val="lt1"/>
+          </a:fontRef>
+        </p:style>
+        <p:txBody>
+          <a:bodyPr rtlCol="0" anchor="ctr"/>
+          <a:lstStyle/>
+          <a:p>
+            <a:pPr algn="ctr"/>
+            <a:endParaRPr lang="en-US"/>
+          </a:p>
+        </p:txBody>
+      </p:sp>
+      <p:sp>
+        <p:nvSpPr>
+          <p:cNvPr id="33" name="Rectangle 32">
+            <a:extLst>
+              <a:ext uri="{FF2B5EF4-FFF2-40B4-BE49-F238E27FC236}">
+                <a16:creationId xmlns:a16="http://schemas.microsoft.com/office/drawing/2014/main" id="{7D09FB83-AF25-43E6-B3D0-44A3959E6441}"/>
+              </a:ext>
+            </a:extLst>
+          </p:cNvPr>
+          <p:cNvSpPr/>
+          <p:nvPr/>
+        </p:nvSpPr>
+        <p:spPr>
+          <a:xfrm>
+            <a:off x="762000" y="12725400"/>
+            <a:ext cx="10439400" cy="271288"/>
+          </a:xfrm>
+          <a:prstGeom prst="rect">
+            <a:avLst/>
+          </a:prstGeom>
+          <a:solidFill>
+            <a:schemeClr val="bg1"/>
+          </a:solidFill>
+          <a:ln>
+            <a:solidFill>
+              <a:schemeClr val="bg1"/>
+            </a:solidFill>
+          </a:ln>
+        </p:spPr>
+        <p:style>
+          <a:lnRef idx="2">
+            <a:schemeClr val="accent1">
+              <a:shade val="50000"/>
+            </a:schemeClr>
+          </a:lnRef>
+          <a:fillRef idx="1">
+            <a:schemeClr val="accent1"/>
+          </a:fillRef>
+          <a:effectRef idx="0">
+            <a:schemeClr val="accent1"/>
+          </a:effectRef>
+          <a:fontRef idx="minor">
+            <a:schemeClr val="lt1"/>
+          </a:fontRef>
+        </p:style>
+        <p:txBody>
+          <a:bodyPr rtlCol="0" anchor="ctr"/>
+          <a:lstStyle/>
+          <a:p>
+            <a:pPr algn="ctr"/>
+            <a:endParaRPr lang="en-US"/>
+          </a:p>
+        </p:txBody>
+      </p:sp>
+      <p:sp>
+        <p:nvSpPr>
+          <p:cNvPr id="34" name="Text Placeholder 2">
+            <a:extLst>
+              <a:ext uri="{FF2B5EF4-FFF2-40B4-BE49-F238E27FC236}">
+                <a16:creationId xmlns:a16="http://schemas.microsoft.com/office/drawing/2014/main" id="{5EB616FE-FC8A-49F9-8470-AF834B5C5738}"/>
               </a:ext>
             </a:extLst>
           </p:cNvPr>
@@ -7683,8 +7628,8 @@
         </p:nvSpPr>
         <p:spPr>
           <a:xfrm>
-            <a:off x="24907143" y="16230600"/>
-            <a:ext cx="8335107" cy="830997"/>
+            <a:off x="26573936" y="22938711"/>
+            <a:ext cx="8124033" cy="607089"/>
           </a:xfrm>
           <a:prstGeom prst="rect">
             <a:avLst/>
@@ -7695,9 +7640,9 @@
             <a:spAutoFit/>
           </a:bodyPr>
           <a:lstStyle>
-            <a:lvl1pPr marL="0" indent="0" algn="l" defTabSz="2438361" rtl="0" eaLnBrk="1" latinLnBrk="0" hangingPunct="1">
+            <a:lvl1pPr marL="0" marR="0" indent="0" algn="l" defTabSz="2438361" rtl="0" eaLnBrk="1" fontAlgn="auto" latinLnBrk="0" hangingPunct="1">
               <a:lnSpc>
-                <a:spcPct val="100000"/>
+                <a:spcPts val="5300"/>
               </a:lnSpc>
               <a:spcBef>
                 <a:spcPts val="0"/>
@@ -7705,16 +7650,16 @@
               <a:spcAft>
                 <a:spcPts val="2500"/>
               </a:spcAft>
-              <a:buClr>
-                <a:schemeClr val="accent3"/>
-              </a:buClr>
-              <a:buSzPct val="120000"/>
-              <a:buFont typeface="Wingdings" charset="2"/>
+              <a:buClrTx/>
+              <a:buSzTx/>
+              <a:buFont typeface="Arial" panose="020B0604020202020204" pitchFamily="34" charset="0"/>
               <a:buNone/>
-              <a:defRPr sz="5400" b="1" i="0" kern="1200" cap="all" baseline="0">
-                <a:solidFill>
-                  <a:schemeClr val="tx1"/>
-                </a:solidFill>
+              <a:tabLst/>
+              <a:defRPr lang="en-US" sz="3300" b="0" i="0" kern="1200" baseline="0" smtClean="0">
+                <a:solidFill>
+                  <a:schemeClr val="tx1"/>
+                </a:solidFill>
+                <a:effectLst/>
                 <a:latin typeface="Franklin Gothic Book" panose="020B0503020102020204" pitchFamily="34" charset="0"/>
                 <a:ea typeface="Franklin Gothic Book" panose="020B0503020102020204" pitchFamily="34" charset="0"/>
                 <a:cs typeface="Franklin Gothic Book" panose="020B0503020102020204" pitchFamily="34" charset="0"/>
@@ -7882,13 +7827,14 @@
             </a:lvl9pPr>
           </a:lstStyle>
           <a:p>
-            <a:r>
-              <a:rPr lang="en-US" dirty="0"/>
-              <a:t>Team </a:t>
-            </a:r>
-            <a:r>
-              <a:rPr lang="en-US" dirty="0" err="1"/>
-              <a:t>CropTop</a:t>
+            <a:pPr algn="ctr"/>
+            <a:r>
+              <a:rPr lang="en-US" dirty="0"/>
+              <a:t>Figure 3: Ryan Donahue and Kennedy </a:t>
+            </a:r>
+            <a:r>
+              <a:rPr lang="en-US" dirty="0" err="1"/>
+              <a:t>Caisley</a:t>
             </a:r>
             <a:endParaRPr lang="en-US" dirty="0"/>
           </a:p>

--- a/docs/prez/expo poster.pptx
+++ b/docs/prez/expo poster.pptx
@@ -195,7 +195,7 @@
               <a:rPr lang="ru-RU" smtClean="0">
                 <a:latin typeface="Archivo Regular" charset="0"/>
               </a:rPr>
-              <a:t>22.04.2019</a:t>
+              <a:t>25.04.2019</a:t>
             </a:fld>
             <a:endParaRPr lang="ru-RU" dirty="0">
               <a:latin typeface="Archivo Regular" charset="0"/>
@@ -407,7 +407,7 @@
             <a:fld id="{E7E03F2D-4C40-8A47-B131-FA84CE0A3C0A}" type="datetimeFigureOut">
               <a:rPr lang="ru-RU" smtClean="0"/>
               <a:pPr/>
-              <a:t>22.04.2019</a:t>
+              <a:t>25.04.2019</a:t>
             </a:fld>
             <a:endParaRPr lang="ru-RU" dirty="0"/>
           </a:p>
@@ -6051,7 +6051,7 @@
             <a:pPr algn="just"/>
             <a:r>
               <a:rPr lang="en-US" dirty="0"/>
-              <a:t>Plans for a commercially viable data acquisition platform were designed then sent to a contract manufacturer for assembly. The new embedded hardware improved upon the prototype devices, currently being used by the client, in a number of ways:</a:t>
+              <a:t>Plans for a commercially viable data acquisition platform were designed then sent to a contract manufacturer for assembly. The new embedded hardware improves upon the prototype devices, currently being used by the client, in a number of ways:</a:t>
             </a:r>
           </a:p>
         </p:txBody>
@@ -6504,20 +6504,8 @@
               </a:spcAft>
             </a:pPr>
             <a:r>
-              <a:rPr lang="en-US" dirty="0" err="1"/>
-              <a:t>Cracka</a:t>
-            </a:r>
-            <a:r>
-              <a:rPr lang="en-US" dirty="0"/>
-              <a:t> of da Whip: Dr. Daniel Robertson (Big </a:t>
-            </a:r>
-            <a:r>
-              <a:rPr lang="en-US" dirty="0" err="1"/>
-              <a:t>Chungus</a:t>
-            </a:r>
-            <a:r>
-              <a:rPr lang="en-US" dirty="0"/>
-              <a:t>)</a:t>
+              <a:rPr lang="en-US" dirty="0"/>
+              <a:t>Client and Advisor: Dr. Daniel Robertson</a:t>
             </a:r>
           </a:p>
           <a:p>
@@ -6528,24 +6516,8 @@
             </a:pPr>
             <a:r>
               <a:rPr lang="en-US" dirty="0"/>
-              <a:t>Software GOAT: Conrad Mearns</a:t>
-            </a:r>
-          </a:p>
-          <a:p>
-            <a:pPr algn="just">
-              <a:spcAft>
-                <a:spcPts val="0"/>
-              </a:spcAft>
-            </a:pPr>
-            <a:r>
-              <a:rPr lang="en-US" dirty="0"/>
-              <a:t>That One Guy: Ankit </a:t>
-            </a:r>
-            <a:r>
-              <a:rPr lang="en-US" dirty="0" err="1"/>
-              <a:t>Guthra</a:t>
-            </a:r>
-            <a:endParaRPr lang="en-US" dirty="0"/>
+              <a:t>Additional thanks to Conrad Mearns for LCD firmware development and Ankit Gupta for help with the project.</a:t>
+            </a:r>
           </a:p>
         </p:txBody>
       </p:sp>
@@ -7024,7 +6996,15 @@
             <a:pPr algn="just"/>
             <a:r>
               <a:rPr lang="en-US" dirty="0"/>
-              <a:t>Create application software for existing devices using the newly developed hardware and device drivers found on the project </a:t>
+              <a:t>Create application software for existing devices using the newly developed hardware and device drivers found on the </a:t>
+            </a:r>
+            <a:r>
+              <a:rPr lang="en-US" dirty="0" err="1"/>
+              <a:t>CropTop</a:t>
+            </a:r>
+            <a:r>
+              <a:rPr lang="en-US" dirty="0"/>
+              <a:t> </a:t>
             </a:r>
             <a:r>
               <a:rPr lang="en-US" dirty="0" err="1"/>
@@ -7628,8 +7608,8 @@
         </p:nvSpPr>
         <p:spPr>
           <a:xfrm>
-            <a:off x="26573936" y="22938711"/>
-            <a:ext cx="8124033" cy="607089"/>
+            <a:off x="26015921" y="22970274"/>
+            <a:ext cx="9240064" cy="607089"/>
           </a:xfrm>
           <a:prstGeom prst="rect">
             <a:avLst/>
@@ -7830,7 +7810,7 @@
             <a:pPr algn="ctr"/>
             <a:r>
               <a:rPr lang="en-US" dirty="0"/>
-              <a:t>Figure 3: Ryan Donahue and Kennedy </a:t>
+              <a:t>Left to Right: Ryan Donahue and Kennedy </a:t>
             </a:r>
             <a:r>
               <a:rPr lang="en-US" dirty="0" err="1"/>

--- a/docs/prez/expo poster.pptx
+++ b/docs/prez/expo poster.pptx
@@ -3178,7 +3178,7 @@
         <p:spPr>
           <a:xfrm>
             <a:off x="25610306" y="4419600"/>
-            <a:ext cx="10051294" cy="11403122"/>
+            <a:ext cx="10051294" cy="10382329"/>
           </a:xfrm>
         </p:spPr>
         <p:txBody>
@@ -3358,20 +3358,6 @@
             <a:r>
               <a:rPr lang="en-US" dirty="0"/>
               <a:t>Stepper Motor Controller</a:t>
-            </a:r>
-          </a:p>
-          <a:p>
-            <a:pPr>
-              <a:lnSpc>
-                <a:spcPct val="100000"/>
-              </a:lnSpc>
-              <a:spcAft>
-                <a:spcPts val="1600"/>
-              </a:spcAft>
-            </a:pPr>
-            <a:r>
-              <a:rPr lang="en-US" dirty="0"/>
-              <a:t>USB Power Port</a:t>
             </a:r>
           </a:p>
         </p:txBody>
@@ -3873,66 +3859,6 @@
           </a:p>
         </p:txBody>
       </p:sp>
-      <p:pic>
-        <p:nvPicPr>
-          <p:cNvPr id="11" name="Picture 10">
-            <a:extLst>
-              <a:ext uri="{FF2B5EF4-FFF2-40B4-BE49-F238E27FC236}">
-                <a16:creationId xmlns:a16="http://schemas.microsoft.com/office/drawing/2014/main" id="{F5929A22-A101-4A39-87AA-B1D427D4578F}"/>
-              </a:ext>
-            </a:extLst>
-          </p:cNvPr>
-          <p:cNvPicPr>
-            <a:picLocks noChangeAspect="1"/>
-          </p:cNvPicPr>
-          <p:nvPr/>
-        </p:nvPicPr>
-        <p:blipFill>
-          <a:blip r:embed="rId2"/>
-          <a:stretch>
-            <a:fillRect/>
-          </a:stretch>
-        </p:blipFill>
-        <p:spPr>
-          <a:xfrm>
-            <a:off x="11870656" y="13716000"/>
-            <a:ext cx="12821833" cy="9222712"/>
-          </a:xfrm>
-          <a:prstGeom prst="rect">
-            <a:avLst/>
-          </a:prstGeom>
-        </p:spPr>
-      </p:pic>
-      <p:pic>
-        <p:nvPicPr>
-          <p:cNvPr id="12" name="Picture 11">
-            <a:extLst>
-              <a:ext uri="{FF2B5EF4-FFF2-40B4-BE49-F238E27FC236}">
-                <a16:creationId xmlns:a16="http://schemas.microsoft.com/office/drawing/2014/main" id="{B8302B19-7F28-4042-9EEA-15E32C7A546D}"/>
-              </a:ext>
-            </a:extLst>
-          </p:cNvPr>
-          <p:cNvPicPr>
-            <a:picLocks noChangeAspect="1"/>
-          </p:cNvPicPr>
-          <p:nvPr/>
-        </p:nvPicPr>
-        <p:blipFill>
-          <a:blip r:embed="rId3"/>
-          <a:stretch>
-            <a:fillRect/>
-          </a:stretch>
-        </p:blipFill>
-        <p:spPr>
-          <a:xfrm>
-            <a:off x="11890238" y="3657599"/>
-            <a:ext cx="12802251" cy="8994111"/>
-          </a:xfrm>
-          <a:prstGeom prst="rect">
-            <a:avLst/>
-          </a:prstGeom>
-        </p:spPr>
-      </p:pic>
       <p:sp>
         <p:nvSpPr>
           <p:cNvPr id="16" name="Text Placeholder 1">
@@ -4171,7 +4097,7 @@
         </p:nvSpPr>
         <p:spPr>
           <a:xfrm>
-            <a:off x="25594467" y="23781603"/>
+            <a:off x="25594468" y="22997224"/>
             <a:ext cx="8335107" cy="830997"/>
           </a:xfrm>
           <a:prstGeom prst="rect">
@@ -6072,7 +5998,7 @@
         </p:nvSpPr>
         <p:spPr>
           <a:xfrm>
-            <a:off x="25610306" y="15621000"/>
+            <a:off x="25610307" y="14836621"/>
             <a:ext cx="8335107" cy="830997"/>
           </a:xfrm>
           <a:prstGeom prst="rect">
@@ -6299,8 +6225,8 @@
         </p:nvSpPr>
         <p:spPr>
           <a:xfrm>
-            <a:off x="25594467" y="24536400"/>
-            <a:ext cx="10010793" cy="1966436"/>
+            <a:off x="25594468" y="23752021"/>
+            <a:ext cx="10010793" cy="3325782"/>
           </a:xfrm>
           <a:prstGeom prst="rect">
             <a:avLst/>
@@ -6505,7 +6431,7 @@
             </a:pPr>
             <a:r>
               <a:rPr lang="en-US" dirty="0"/>
-              <a:t>Client and Advisor: Dr. Daniel Robertson</a:t>
+              <a:t>Client and Advisor: Dr. Daniel Robertson.</a:t>
             </a:r>
           </a:p>
           <a:p>
@@ -6516,8 +6442,16 @@
             </a:pPr>
             <a:r>
               <a:rPr lang="en-US" dirty="0"/>
-              <a:t>Additional thanks to Conrad Mearns for LCD firmware development and Ankit Gupta for help with the project.</a:t>
-            </a:r>
+              <a:t>Additional thanks to Conrad Mearns for LCD firmware, Hailey Johnson for USB debugging help, and Ankit Gupta for his feedback on the project’s design.</a:t>
+            </a:r>
+          </a:p>
+          <a:p>
+            <a:pPr algn="just">
+              <a:spcAft>
+                <a:spcPts val="0"/>
+              </a:spcAft>
+            </a:pPr>
+            <a:endParaRPr lang="en-US" dirty="0"/>
           </a:p>
         </p:txBody>
       </p:sp>
@@ -6536,7 +6470,7 @@
           <p:nvPr/>
         </p:nvPicPr>
         <p:blipFill rotWithShape="1">
-          <a:blip r:embed="rId4" cstate="print">
+          <a:blip r:embed="rId2" cstate="print">
             <a:extLst>
               <a:ext uri="{28A0092B-C50C-407E-A947-70E740481C1C}">
                 <a14:useLocalDpi xmlns:a14="http://schemas.microsoft.com/office/drawing/2010/main" val="0"/>
@@ -6548,7 +6482,7 @@
         </p:blipFill>
         <p:spPr>
           <a:xfrm>
-            <a:off x="25594467" y="16648757"/>
+            <a:off x="25594468" y="15864378"/>
             <a:ext cx="9994954" cy="6287033"/>
           </a:xfrm>
           <a:prstGeom prst="rect">
@@ -6572,7 +6506,7 @@
         </p:nvSpPr>
         <p:spPr>
           <a:xfrm>
-            <a:off x="11933901" y="23781603"/>
+            <a:off x="11933902" y="22997224"/>
             <a:ext cx="8335107" cy="830997"/>
           </a:xfrm>
           <a:prstGeom prst="rect">
@@ -6794,7 +6728,7 @@
         </p:nvSpPr>
         <p:spPr>
           <a:xfrm>
-            <a:off x="11933901" y="24551164"/>
+            <a:off x="11933902" y="23766785"/>
             <a:ext cx="12758588" cy="1966436"/>
           </a:xfrm>
           <a:prstGeom prst="rect">
@@ -7012,7 +6946,7 @@
             </a:r>
             <a:r>
               <a:rPr lang="en-US" dirty="0"/>
-              <a:t> repository: https://github.com/kcaisley/CropTop</a:t>
+              <a:t> repository.</a:t>
             </a:r>
           </a:p>
         </p:txBody>
@@ -7033,7 +6967,7 @@
         </p:nvSpPr>
         <p:spPr>
           <a:xfrm>
-            <a:off x="14219555" y="22938711"/>
+            <a:off x="14219556" y="22154332"/>
             <a:ext cx="8124033" cy="607089"/>
           </a:xfrm>
           <a:prstGeom prst="rect">
@@ -7239,17 +7173,12 @@
             </a:r>
             <a:r>
               <a:rPr lang="en-US" dirty="0" err="1"/>
-              <a:t>Dat</a:t>
-            </a:r>
-            <a:r>
-              <a:rPr lang="en-US" dirty="0"/>
-              <a:t> </a:t>
-            </a:r>
-            <a:r>
-              <a:rPr lang="en-US" dirty="0" err="1"/>
-              <a:t>Rendur</a:t>
-            </a:r>
-            <a:endParaRPr lang="en-US" dirty="0"/>
+              <a:t>CropTop</a:t>
+            </a:r>
+            <a:r>
+              <a:rPr lang="en-US" dirty="0"/>
+              <a:t> PCB Layout Gerber</a:t>
+            </a:r>
           </a:p>
         </p:txBody>
       </p:sp>
@@ -7471,11 +7400,11 @@
             <a:pPr algn="ctr"/>
             <a:r>
               <a:rPr lang="en-US" dirty="0"/>
-              <a:t>Figure 1: </a:t>
-            </a:r>
-            <a:r>
-              <a:rPr lang="en-US" dirty="0" err="1"/>
-              <a:t>Dat</a:t>
+              <a:t>Figure 1: Rendering of </a:t>
+            </a:r>
+            <a:r>
+              <a:rPr lang="en-US" dirty="0" err="1"/>
+              <a:t>CropTop</a:t>
             </a:r>
             <a:r>
               <a:rPr lang="en-US" dirty="0"/>
@@ -7608,7 +7537,7 @@
         </p:nvSpPr>
         <p:spPr>
           <a:xfrm>
-            <a:off x="26015921" y="22970274"/>
+            <a:off x="26015922" y="22185895"/>
             <a:ext cx="9240064" cy="607089"/>
           </a:xfrm>
           <a:prstGeom prst="rect">
@@ -7817,6 +7746,140 @@
               <a:t>Caisley</a:t>
             </a:r>
             <a:endParaRPr lang="en-US" dirty="0"/>
+          </a:p>
+        </p:txBody>
+      </p:sp>
+      <p:pic>
+        <p:nvPicPr>
+          <p:cNvPr id="10" name="Picture 9">
+            <a:extLst>
+              <a:ext uri="{FF2B5EF4-FFF2-40B4-BE49-F238E27FC236}">
+                <a16:creationId xmlns:a16="http://schemas.microsoft.com/office/drawing/2014/main" id="{BBFE48A6-6EA0-4F67-BDD2-0F9604E5AFB1}"/>
+              </a:ext>
+            </a:extLst>
+          </p:cNvPr>
+          <p:cNvPicPr>
+            <a:picLocks noChangeAspect="1"/>
+          </p:cNvPicPr>
+          <p:nvPr/>
+        </p:nvPicPr>
+        <p:blipFill rotWithShape="1">
+          <a:blip r:embed="rId3">
+            <a:extLst>
+              <a:ext uri="{28A0092B-C50C-407E-A947-70E740481C1C}">
+                <a14:useLocalDpi xmlns:a14="http://schemas.microsoft.com/office/drawing/2010/main" val="0"/>
+              </a:ext>
+            </a:extLst>
+          </a:blip>
+          <a:srcRect l="14708" r="14370"/>
+          <a:stretch/>
+        </p:blipFill>
+        <p:spPr>
+          <a:xfrm>
+            <a:off x="11990369" y="3632632"/>
+            <a:ext cx="12821833" cy="8783276"/>
+          </a:xfrm>
+          <a:prstGeom prst="rect">
+            <a:avLst/>
+          </a:prstGeom>
+        </p:spPr>
+      </p:pic>
+      <p:pic>
+        <p:nvPicPr>
+          <p:cNvPr id="21" name="Picture 20">
+            <a:extLst>
+              <a:ext uri="{FF2B5EF4-FFF2-40B4-BE49-F238E27FC236}">
+                <a16:creationId xmlns:a16="http://schemas.microsoft.com/office/drawing/2014/main" id="{8E0F71AC-26D2-4499-A779-B91A24E64220}"/>
+              </a:ext>
+            </a:extLst>
+          </p:cNvPr>
+          <p:cNvPicPr>
+            <a:picLocks noChangeAspect="1"/>
+          </p:cNvPicPr>
+          <p:nvPr/>
+        </p:nvPicPr>
+        <p:blipFill rotWithShape="1">
+          <a:blip r:embed="rId4" cstate="print">
+            <a:extLst>
+              <a:ext uri="{28A0092B-C50C-407E-A947-70E740481C1C}">
+                <a14:useLocalDpi xmlns:a14="http://schemas.microsoft.com/office/drawing/2010/main" val="0"/>
+              </a:ext>
+            </a:extLst>
+          </a:blip>
+          <a:srcRect l="29512" t="16451" r="28821" b="25074"/>
+          <a:stretch/>
+        </p:blipFill>
+        <p:spPr>
+          <a:xfrm>
+            <a:off x="34320937" y="-8564"/>
+            <a:ext cx="1623599" cy="4050765"/>
+          </a:xfrm>
+          <a:prstGeom prst="rect">
+            <a:avLst/>
+          </a:prstGeom>
+        </p:spPr>
+      </p:pic>
+      <p:pic>
+        <p:nvPicPr>
+          <p:cNvPr id="23" name="Picture 22">
+            <a:extLst>
+              <a:ext uri="{FF2B5EF4-FFF2-40B4-BE49-F238E27FC236}">
+                <a16:creationId xmlns:a16="http://schemas.microsoft.com/office/drawing/2014/main" id="{4765C56A-D51B-4910-ACA8-46E952687D66}"/>
+              </a:ext>
+            </a:extLst>
+          </p:cNvPr>
+          <p:cNvPicPr>
+            <a:picLocks noChangeAspect="1"/>
+          </p:cNvPicPr>
+          <p:nvPr/>
+        </p:nvPicPr>
+        <p:blipFill rotWithShape="1">
+          <a:blip r:embed="rId5"/>
+          <a:srcRect l="2178"/>
+          <a:stretch/>
+        </p:blipFill>
+        <p:spPr>
+          <a:xfrm>
+            <a:off x="11990369" y="13716000"/>
+            <a:ext cx="12821833" cy="8435411"/>
+          </a:xfrm>
+          <a:prstGeom prst="rect">
+            <a:avLst/>
+          </a:prstGeom>
+        </p:spPr>
+      </p:pic>
+      <p:sp>
+        <p:nvSpPr>
+          <p:cNvPr id="9" name="Rectangle 8">
+            <a:extLst>
+              <a:ext uri="{FF2B5EF4-FFF2-40B4-BE49-F238E27FC236}">
+                <a16:creationId xmlns:a16="http://schemas.microsoft.com/office/drawing/2014/main" id="{E591A239-CA7A-40A8-A1D2-EC916034D044}"/>
+              </a:ext>
+            </a:extLst>
+          </p:cNvPr>
+          <p:cNvSpPr/>
+          <p:nvPr/>
+        </p:nvSpPr>
+        <p:spPr>
+          <a:xfrm>
+            <a:off x="11867673" y="25993636"/>
+            <a:ext cx="7423892" cy="600164"/>
+          </a:xfrm>
+          <a:prstGeom prst="rect">
+            <a:avLst/>
+          </a:prstGeom>
+        </p:spPr>
+        <p:txBody>
+          <a:bodyPr wrap="none">
+            <a:spAutoFit/>
+          </a:bodyPr>
+          <a:lstStyle/>
+          <a:p>
+            <a:pPr algn="just"/>
+            <a:r>
+              <a:rPr lang="en-US" sz="3300" dirty="0"/>
+              <a:t>Link: https://github.com/kcaisley/CropTop</a:t>
+            </a:r>
           </a:p>
         </p:txBody>
       </p:sp>
